--- a/DOCUMENT/가보자 ppt final.pptx
+++ b/DOCUMENT/가보자 ppt final.pptx
@@ -125,6 +125,22 @@
       </a:defRPr>
     </a:lvl9pPr>
   </p:defaultTextStyle>
+  <p:extLst>
+    <p:ext uri="{EFAFB233-063F-42B5-8137-9DF3F51BA10A}">
+      <p15:sldGuideLst xmlns:p15="http://schemas.microsoft.com/office/powerpoint/2012/main">
+        <p15:guide id="1" orient="horz" pos="2160">
+          <p15:clr>
+            <a:srgbClr val="A4A3A4"/>
+          </p15:clr>
+        </p15:guide>
+        <p15:guide id="2" pos="2880">
+          <p15:clr>
+            <a:srgbClr val="A4A3A4"/>
+          </p15:clr>
+        </p15:guide>
+      </p15:sldGuideLst>
+    </p:ext>
+  </p:extLst>
 </p:presentation>
 </file>
 
@@ -211,7 +227,7 @@
             <a:fld id="{8FD8DFA8-FA80-42F2-8EE4-6AEF86CE835E}" type="datetimeFigureOut">
               <a:rPr lang="ko-KR" altLang="en-US" smtClean="0"/>
               <a:pPr/>
-              <a:t>2020-01-18</a:t>
+              <a:t>2020-01-19</a:t>
             </a:fld>
             <a:endParaRPr lang="ko-KR" altLang="en-US"/>
           </a:p>
@@ -277,38 +293,37 @@
           <a:p>
             <a:pPr lvl="0"/>
             <a:r>
-              <a:rPr lang="ko-KR" altLang="en-US" smtClean="0"/>
+              <a:rPr lang="ko-KR" altLang="en-US"/>
               <a:t>마스터 텍스트 스타일을 편집합니다</a:t>
             </a:r>
           </a:p>
           <a:p>
             <a:pPr lvl="1"/>
             <a:r>
-              <a:rPr lang="ko-KR" altLang="en-US" smtClean="0"/>
+              <a:rPr lang="ko-KR" altLang="en-US"/>
               <a:t>둘째 수준</a:t>
             </a:r>
           </a:p>
           <a:p>
             <a:pPr lvl="2"/>
             <a:r>
-              <a:rPr lang="ko-KR" altLang="en-US" smtClean="0"/>
+              <a:rPr lang="ko-KR" altLang="en-US"/>
               <a:t>셋째 수준</a:t>
             </a:r>
           </a:p>
           <a:p>
             <a:pPr lvl="3"/>
             <a:r>
-              <a:rPr lang="ko-KR" altLang="en-US" smtClean="0"/>
+              <a:rPr lang="ko-KR" altLang="en-US"/>
               <a:t>넷째 수준</a:t>
             </a:r>
           </a:p>
           <a:p>
             <a:pPr lvl="4"/>
             <a:r>
-              <a:rPr lang="ko-KR" altLang="en-US" smtClean="0"/>
+              <a:rPr lang="ko-KR" altLang="en-US"/>
               <a:t>다섯째 수준</a:t>
             </a:r>
-            <a:endParaRPr lang="ko-KR" altLang="en-US"/>
           </a:p>
         </p:txBody>
       </p:sp>
@@ -607,10 +622,9 @@
           <a:lstStyle/>
           <a:p>
             <a:r>
-              <a:rPr lang="ko-KR" altLang="en-US" smtClean="0"/>
+              <a:rPr lang="ko-KR" altLang="en-US"/>
               <a:t>마스터 제목 스타일 편집</a:t>
             </a:r>
-            <a:endParaRPr lang="ko-KR" altLang="en-US"/>
           </a:p>
         </p:txBody>
       </p:sp>
@@ -726,10 +740,9 @@
           </a:lstStyle>
           <a:p>
             <a:r>
-              <a:rPr lang="ko-KR" altLang="en-US" smtClean="0"/>
+              <a:rPr lang="ko-KR" altLang="en-US"/>
               <a:t>마스터 부제목 스타일 편집</a:t>
             </a:r>
-            <a:endParaRPr lang="ko-KR" altLang="en-US"/>
           </a:p>
         </p:txBody>
       </p:sp>
@@ -750,7 +763,7 @@
           <a:p>
             <a:fld id="{DFFED8A3-5498-42E6-839F-C6043760D403}" type="datetime1">
               <a:rPr lang="ko-KR" altLang="en-US" smtClean="0"/>
-              <a:t>2020-01-18</a:t>
+              <a:t>2020-01-19</a:t>
             </a:fld>
             <a:endParaRPr lang="ko-KR" altLang="en-US"/>
           </a:p>
@@ -772,18 +785,17 @@
           <a:lstStyle/>
           <a:p>
             <a:r>
-              <a:rPr lang="ko-KR" altLang="en-US" smtClean="0"/>
+              <a:rPr lang="ko-KR" altLang="en-US"/>
               <a:t>국내 여행 스마트 예매 시스템 </a:t>
             </a:r>
             <a:r>
-              <a:rPr lang="en-US" altLang="ko-KR" smtClean="0"/>
+              <a:rPr lang="en-US" altLang="ko-KR"/>
               <a:t>- </a:t>
             </a:r>
             <a:r>
-              <a:rPr lang="ko-KR" altLang="en-US" smtClean="0"/>
+              <a:rPr lang="ko-KR" altLang="en-US"/>
               <a:t>가보자</a:t>
             </a:r>
-            <a:endParaRPr lang="ko-KR" altLang="en-US"/>
           </a:p>
         </p:txBody>
       </p:sp>
@@ -852,10 +864,9 @@
           <a:lstStyle/>
           <a:p>
             <a:r>
-              <a:rPr lang="ko-KR" altLang="en-US" smtClean="0"/>
+              <a:rPr lang="ko-KR" altLang="en-US"/>
               <a:t>마스터 제목 스타일 편집</a:t>
             </a:r>
-            <a:endParaRPr lang="ko-KR" altLang="en-US"/>
           </a:p>
         </p:txBody>
       </p:sp>
@@ -876,38 +887,37 @@
           <a:p>
             <a:pPr lvl="0"/>
             <a:r>
-              <a:rPr lang="ko-KR" altLang="en-US" smtClean="0"/>
+              <a:rPr lang="ko-KR" altLang="en-US"/>
               <a:t>마스터 텍스트 스타일을 편집합니다</a:t>
             </a:r>
           </a:p>
           <a:p>
             <a:pPr lvl="1"/>
             <a:r>
-              <a:rPr lang="ko-KR" altLang="en-US" smtClean="0"/>
+              <a:rPr lang="ko-KR" altLang="en-US"/>
               <a:t>둘째 수준</a:t>
             </a:r>
           </a:p>
           <a:p>
             <a:pPr lvl="2"/>
             <a:r>
-              <a:rPr lang="ko-KR" altLang="en-US" smtClean="0"/>
+              <a:rPr lang="ko-KR" altLang="en-US"/>
               <a:t>셋째 수준</a:t>
             </a:r>
           </a:p>
           <a:p>
             <a:pPr lvl="3"/>
             <a:r>
-              <a:rPr lang="ko-KR" altLang="en-US" smtClean="0"/>
+              <a:rPr lang="ko-KR" altLang="en-US"/>
               <a:t>넷째 수준</a:t>
             </a:r>
           </a:p>
           <a:p>
             <a:pPr lvl="4"/>
             <a:r>
-              <a:rPr lang="ko-KR" altLang="en-US" smtClean="0"/>
+              <a:rPr lang="ko-KR" altLang="en-US"/>
               <a:t>다섯째 수준</a:t>
             </a:r>
-            <a:endParaRPr lang="ko-KR" altLang="en-US"/>
           </a:p>
         </p:txBody>
       </p:sp>
@@ -928,7 +938,7 @@
           <a:p>
             <a:fld id="{F7D154FC-F188-4136-BAFC-D0DD2034D50C}" type="datetime1">
               <a:rPr lang="ko-KR" altLang="en-US" smtClean="0"/>
-              <a:t>2020-01-18</a:t>
+              <a:t>2020-01-19</a:t>
             </a:fld>
             <a:endParaRPr lang="ko-KR" altLang="en-US"/>
           </a:p>
@@ -950,18 +960,17 @@
           <a:lstStyle/>
           <a:p>
             <a:r>
-              <a:rPr lang="ko-KR" altLang="en-US" smtClean="0"/>
+              <a:rPr lang="ko-KR" altLang="en-US"/>
               <a:t>국내 여행 스마트 예매 시스템 </a:t>
             </a:r>
             <a:r>
-              <a:rPr lang="en-US" altLang="ko-KR" smtClean="0"/>
+              <a:rPr lang="en-US" altLang="ko-KR"/>
               <a:t>- </a:t>
             </a:r>
             <a:r>
-              <a:rPr lang="ko-KR" altLang="en-US" smtClean="0"/>
+              <a:rPr lang="ko-KR" altLang="en-US"/>
               <a:t>가보자</a:t>
             </a:r>
-            <a:endParaRPr lang="ko-KR" altLang="en-US"/>
           </a:p>
         </p:txBody>
       </p:sp>
@@ -1035,10 +1044,9 @@
           <a:lstStyle/>
           <a:p>
             <a:r>
-              <a:rPr lang="ko-KR" altLang="en-US" smtClean="0"/>
+              <a:rPr lang="ko-KR" altLang="en-US"/>
               <a:t>마스터 제목 스타일 편집</a:t>
             </a:r>
-            <a:endParaRPr lang="ko-KR" altLang="en-US"/>
           </a:p>
         </p:txBody>
       </p:sp>
@@ -1064,38 +1072,37 @@
           <a:p>
             <a:pPr lvl="0"/>
             <a:r>
-              <a:rPr lang="ko-KR" altLang="en-US" smtClean="0"/>
+              <a:rPr lang="ko-KR" altLang="en-US"/>
               <a:t>마스터 텍스트 스타일을 편집합니다</a:t>
             </a:r>
           </a:p>
           <a:p>
             <a:pPr lvl="1"/>
             <a:r>
-              <a:rPr lang="ko-KR" altLang="en-US" smtClean="0"/>
+              <a:rPr lang="ko-KR" altLang="en-US"/>
               <a:t>둘째 수준</a:t>
             </a:r>
           </a:p>
           <a:p>
             <a:pPr lvl="2"/>
             <a:r>
-              <a:rPr lang="ko-KR" altLang="en-US" smtClean="0"/>
+              <a:rPr lang="ko-KR" altLang="en-US"/>
               <a:t>셋째 수준</a:t>
             </a:r>
           </a:p>
           <a:p>
             <a:pPr lvl="3"/>
             <a:r>
-              <a:rPr lang="ko-KR" altLang="en-US" smtClean="0"/>
+              <a:rPr lang="ko-KR" altLang="en-US"/>
               <a:t>넷째 수준</a:t>
             </a:r>
           </a:p>
           <a:p>
             <a:pPr lvl="4"/>
             <a:r>
-              <a:rPr lang="ko-KR" altLang="en-US" smtClean="0"/>
+              <a:rPr lang="ko-KR" altLang="en-US"/>
               <a:t>다섯째 수준</a:t>
             </a:r>
-            <a:endParaRPr lang="ko-KR" altLang="en-US"/>
           </a:p>
         </p:txBody>
       </p:sp>
@@ -1116,7 +1123,7 @@
           <a:p>
             <a:fld id="{841F589C-D92E-4C2C-B1C2-CFC60E3DD64B}" type="datetime1">
               <a:rPr lang="ko-KR" altLang="en-US" smtClean="0"/>
-              <a:t>2020-01-18</a:t>
+              <a:t>2020-01-19</a:t>
             </a:fld>
             <a:endParaRPr lang="ko-KR" altLang="en-US"/>
           </a:p>
@@ -1138,18 +1145,17 @@
           <a:lstStyle/>
           <a:p>
             <a:r>
-              <a:rPr lang="ko-KR" altLang="en-US" smtClean="0"/>
+              <a:rPr lang="ko-KR" altLang="en-US"/>
               <a:t>국내 여행 스마트 예매 시스템 </a:t>
             </a:r>
             <a:r>
-              <a:rPr lang="en-US" altLang="ko-KR" smtClean="0"/>
+              <a:rPr lang="en-US" altLang="ko-KR"/>
               <a:t>- </a:t>
             </a:r>
             <a:r>
-              <a:rPr lang="ko-KR" altLang="en-US" smtClean="0"/>
+              <a:rPr lang="ko-KR" altLang="en-US"/>
               <a:t>가보자</a:t>
             </a:r>
-            <a:endParaRPr lang="ko-KR" altLang="en-US"/>
           </a:p>
         </p:txBody>
       </p:sp>
@@ -1235,7 +1241,7 @@
           <a:p>
             <a:pPr lvl="0"/>
             <a:r>
-              <a:rPr lang="en-US" altLang="ko-KR" dirty="0" smtClean="0"/>
+              <a:rPr lang="en-US" altLang="ko-KR" dirty="0"/>
               <a:t>you can replace this text </a:t>
             </a:r>
             <a:endParaRPr lang="ko-KR" altLang="en-US" dirty="0"/>
@@ -1252,13 +1258,6 @@
   <p:clrMapOvr>
     <a:masterClrMapping/>
   </p:clrMapOvr>
-  <p:timing>
-    <p:tnLst>
-      <p:par>
-        <p:cTn id="1" dur="indefinite" restart="never" nodeType="tmRoot"/>
-      </p:par>
-    </p:tnLst>
-  </p:timing>
 </p:sldLayout>
 </file>
 
@@ -1295,10 +1294,9 @@
           <a:lstStyle/>
           <a:p>
             <a:r>
-              <a:rPr lang="ko-KR" altLang="en-US" smtClean="0"/>
+              <a:rPr lang="ko-KR" altLang="en-US"/>
               <a:t>마스터 제목 스타일 편집</a:t>
             </a:r>
-            <a:endParaRPr lang="ko-KR" altLang="en-US"/>
           </a:p>
         </p:txBody>
       </p:sp>
@@ -1319,38 +1317,37 @@
           <a:p>
             <a:pPr lvl="0"/>
             <a:r>
-              <a:rPr lang="ko-KR" altLang="en-US" smtClean="0"/>
+              <a:rPr lang="ko-KR" altLang="en-US"/>
               <a:t>마스터 텍스트 스타일을 편집합니다</a:t>
             </a:r>
           </a:p>
           <a:p>
             <a:pPr lvl="1"/>
             <a:r>
-              <a:rPr lang="ko-KR" altLang="en-US" smtClean="0"/>
+              <a:rPr lang="ko-KR" altLang="en-US"/>
               <a:t>둘째 수준</a:t>
             </a:r>
           </a:p>
           <a:p>
             <a:pPr lvl="2"/>
             <a:r>
-              <a:rPr lang="ko-KR" altLang="en-US" smtClean="0"/>
+              <a:rPr lang="ko-KR" altLang="en-US"/>
               <a:t>셋째 수준</a:t>
             </a:r>
           </a:p>
           <a:p>
             <a:pPr lvl="3"/>
             <a:r>
-              <a:rPr lang="ko-KR" altLang="en-US" smtClean="0"/>
+              <a:rPr lang="ko-KR" altLang="en-US"/>
               <a:t>넷째 수준</a:t>
             </a:r>
           </a:p>
           <a:p>
             <a:pPr lvl="4"/>
             <a:r>
-              <a:rPr lang="ko-KR" altLang="en-US" smtClean="0"/>
+              <a:rPr lang="ko-KR" altLang="en-US"/>
               <a:t>다섯째 수준</a:t>
             </a:r>
-            <a:endParaRPr lang="ko-KR" altLang="en-US"/>
           </a:p>
         </p:txBody>
       </p:sp>
@@ -1371,7 +1368,7 @@
           <a:p>
             <a:fld id="{5ED4C6D2-9C8E-449B-9EF7-0FF90B50205D}" type="datetime1">
               <a:rPr lang="ko-KR" altLang="en-US" smtClean="0"/>
-              <a:t>2020-01-18</a:t>
+              <a:t>2020-01-19</a:t>
             </a:fld>
             <a:endParaRPr lang="ko-KR" altLang="en-US"/>
           </a:p>
@@ -1393,18 +1390,17 @@
           <a:lstStyle/>
           <a:p>
             <a:r>
-              <a:rPr lang="ko-KR" altLang="en-US" smtClean="0"/>
+              <a:rPr lang="ko-KR" altLang="en-US"/>
               <a:t>국내 여행 스마트 예매 시스템 </a:t>
             </a:r>
             <a:r>
-              <a:rPr lang="en-US" altLang="ko-KR" smtClean="0"/>
+              <a:rPr lang="en-US" altLang="ko-KR"/>
               <a:t>- </a:t>
             </a:r>
             <a:r>
-              <a:rPr lang="ko-KR" altLang="en-US" smtClean="0"/>
+              <a:rPr lang="ko-KR" altLang="en-US"/>
               <a:t>가보자</a:t>
             </a:r>
-            <a:endParaRPr lang="ko-KR" altLang="en-US"/>
           </a:p>
         </p:txBody>
       </p:sp>
@@ -1482,10 +1478,9 @@
           </a:lstStyle>
           <a:p>
             <a:r>
-              <a:rPr lang="ko-KR" altLang="en-US" smtClean="0"/>
+              <a:rPr lang="ko-KR" altLang="en-US"/>
               <a:t>마스터 제목 스타일 편집</a:t>
             </a:r>
-            <a:endParaRPr lang="ko-KR" altLang="en-US"/>
           </a:p>
         </p:txBody>
       </p:sp>
@@ -1602,7 +1597,7 @@
           <a:p>
             <a:pPr lvl="0"/>
             <a:r>
-              <a:rPr lang="ko-KR" altLang="en-US" smtClean="0"/>
+              <a:rPr lang="ko-KR" altLang="en-US"/>
               <a:t>마스터 텍스트 스타일을 편집합니다</a:t>
             </a:r>
           </a:p>
@@ -1625,7 +1620,7 @@
           <a:p>
             <a:fld id="{4E493BE3-2BAD-4AFD-8FDA-C6988445C943}" type="datetime1">
               <a:rPr lang="ko-KR" altLang="en-US" smtClean="0"/>
-              <a:t>2020-01-18</a:t>
+              <a:t>2020-01-19</a:t>
             </a:fld>
             <a:endParaRPr lang="ko-KR" altLang="en-US"/>
           </a:p>
@@ -1647,18 +1642,17 @@
           <a:lstStyle/>
           <a:p>
             <a:r>
-              <a:rPr lang="ko-KR" altLang="en-US" smtClean="0"/>
+              <a:rPr lang="ko-KR" altLang="en-US"/>
               <a:t>국내 여행 스마트 예매 시스템 </a:t>
             </a:r>
             <a:r>
-              <a:rPr lang="en-US" altLang="ko-KR" smtClean="0"/>
+              <a:rPr lang="en-US" altLang="ko-KR"/>
               <a:t>- </a:t>
             </a:r>
             <a:r>
-              <a:rPr lang="ko-KR" altLang="en-US" smtClean="0"/>
+              <a:rPr lang="ko-KR" altLang="en-US"/>
               <a:t>가보자</a:t>
             </a:r>
-            <a:endParaRPr lang="ko-KR" altLang="en-US"/>
           </a:p>
         </p:txBody>
       </p:sp>
@@ -1727,10 +1721,9 @@
           <a:lstStyle/>
           <a:p>
             <a:r>
-              <a:rPr lang="ko-KR" altLang="en-US" smtClean="0"/>
+              <a:rPr lang="ko-KR" altLang="en-US"/>
               <a:t>마스터 제목 스타일 편집</a:t>
             </a:r>
-            <a:endParaRPr lang="ko-KR" altLang="en-US"/>
           </a:p>
         </p:txBody>
       </p:sp>
@@ -1784,38 +1777,37 @@
           <a:p>
             <a:pPr lvl="0"/>
             <a:r>
-              <a:rPr lang="ko-KR" altLang="en-US" smtClean="0"/>
+              <a:rPr lang="ko-KR" altLang="en-US"/>
               <a:t>마스터 텍스트 스타일을 편집합니다</a:t>
             </a:r>
           </a:p>
           <a:p>
             <a:pPr lvl="1"/>
             <a:r>
-              <a:rPr lang="ko-KR" altLang="en-US" smtClean="0"/>
+              <a:rPr lang="ko-KR" altLang="en-US"/>
               <a:t>둘째 수준</a:t>
             </a:r>
           </a:p>
           <a:p>
             <a:pPr lvl="2"/>
             <a:r>
-              <a:rPr lang="ko-KR" altLang="en-US" smtClean="0"/>
+              <a:rPr lang="ko-KR" altLang="en-US"/>
               <a:t>셋째 수준</a:t>
             </a:r>
           </a:p>
           <a:p>
             <a:pPr lvl="3"/>
             <a:r>
-              <a:rPr lang="ko-KR" altLang="en-US" smtClean="0"/>
+              <a:rPr lang="ko-KR" altLang="en-US"/>
               <a:t>넷째 수준</a:t>
             </a:r>
           </a:p>
           <a:p>
             <a:pPr lvl="4"/>
             <a:r>
-              <a:rPr lang="ko-KR" altLang="en-US" smtClean="0"/>
+              <a:rPr lang="ko-KR" altLang="en-US"/>
               <a:t>다섯째 수준</a:t>
             </a:r>
-            <a:endParaRPr lang="ko-KR" altLang="en-US"/>
           </a:p>
         </p:txBody>
       </p:sp>
@@ -1869,38 +1861,37 @@
           <a:p>
             <a:pPr lvl="0"/>
             <a:r>
-              <a:rPr lang="ko-KR" altLang="en-US" smtClean="0"/>
+              <a:rPr lang="ko-KR" altLang="en-US"/>
               <a:t>마스터 텍스트 스타일을 편집합니다</a:t>
             </a:r>
           </a:p>
           <a:p>
             <a:pPr lvl="1"/>
             <a:r>
-              <a:rPr lang="ko-KR" altLang="en-US" smtClean="0"/>
+              <a:rPr lang="ko-KR" altLang="en-US"/>
               <a:t>둘째 수준</a:t>
             </a:r>
           </a:p>
           <a:p>
             <a:pPr lvl="2"/>
             <a:r>
-              <a:rPr lang="ko-KR" altLang="en-US" smtClean="0"/>
+              <a:rPr lang="ko-KR" altLang="en-US"/>
               <a:t>셋째 수준</a:t>
             </a:r>
           </a:p>
           <a:p>
             <a:pPr lvl="3"/>
             <a:r>
-              <a:rPr lang="ko-KR" altLang="en-US" smtClean="0"/>
+              <a:rPr lang="ko-KR" altLang="en-US"/>
               <a:t>넷째 수준</a:t>
             </a:r>
           </a:p>
           <a:p>
             <a:pPr lvl="4"/>
             <a:r>
-              <a:rPr lang="ko-KR" altLang="en-US" smtClean="0"/>
+              <a:rPr lang="ko-KR" altLang="en-US"/>
               <a:t>다섯째 수준</a:t>
             </a:r>
-            <a:endParaRPr lang="ko-KR" altLang="en-US"/>
           </a:p>
         </p:txBody>
       </p:sp>
@@ -1921,7 +1912,7 @@
           <a:p>
             <a:fld id="{646BA023-3751-444B-B06E-387705FC964D}" type="datetime1">
               <a:rPr lang="ko-KR" altLang="en-US" smtClean="0"/>
-              <a:t>2020-01-18</a:t>
+              <a:t>2020-01-19</a:t>
             </a:fld>
             <a:endParaRPr lang="ko-KR" altLang="en-US"/>
           </a:p>
@@ -1943,18 +1934,17 @@
           <a:lstStyle/>
           <a:p>
             <a:r>
-              <a:rPr lang="ko-KR" altLang="en-US" smtClean="0"/>
+              <a:rPr lang="ko-KR" altLang="en-US"/>
               <a:t>국내 여행 스마트 예매 시스템 </a:t>
             </a:r>
             <a:r>
-              <a:rPr lang="en-US" altLang="ko-KR" smtClean="0"/>
+              <a:rPr lang="en-US" altLang="ko-KR"/>
               <a:t>- </a:t>
             </a:r>
             <a:r>
-              <a:rPr lang="ko-KR" altLang="en-US" smtClean="0"/>
+              <a:rPr lang="ko-KR" altLang="en-US"/>
               <a:t>가보자</a:t>
             </a:r>
-            <a:endParaRPr lang="ko-KR" altLang="en-US"/>
           </a:p>
         </p:txBody>
       </p:sp>
@@ -2027,10 +2017,9 @@
           </a:lstStyle>
           <a:p>
             <a:r>
-              <a:rPr lang="ko-KR" altLang="en-US" smtClean="0"/>
+              <a:rPr lang="ko-KR" altLang="en-US"/>
               <a:t>마스터 제목 스타일 편집</a:t>
             </a:r>
-            <a:endParaRPr lang="ko-KR" altLang="en-US"/>
           </a:p>
         </p:txBody>
       </p:sp>
@@ -2093,7 +2082,7 @@
           <a:p>
             <a:pPr lvl="0"/>
             <a:r>
-              <a:rPr lang="ko-KR" altLang="en-US" smtClean="0"/>
+              <a:rPr lang="ko-KR" altLang="en-US"/>
               <a:t>마스터 텍스트 스타일을 편집합니다</a:t>
             </a:r>
           </a:p>
@@ -2149,38 +2138,37 @@
           <a:p>
             <a:pPr lvl="0"/>
             <a:r>
-              <a:rPr lang="ko-KR" altLang="en-US" smtClean="0"/>
+              <a:rPr lang="ko-KR" altLang="en-US"/>
               <a:t>마스터 텍스트 스타일을 편집합니다</a:t>
             </a:r>
           </a:p>
           <a:p>
             <a:pPr lvl="1"/>
             <a:r>
-              <a:rPr lang="ko-KR" altLang="en-US" smtClean="0"/>
+              <a:rPr lang="ko-KR" altLang="en-US"/>
               <a:t>둘째 수준</a:t>
             </a:r>
           </a:p>
           <a:p>
             <a:pPr lvl="2"/>
             <a:r>
-              <a:rPr lang="ko-KR" altLang="en-US" smtClean="0"/>
+              <a:rPr lang="ko-KR" altLang="en-US"/>
               <a:t>셋째 수준</a:t>
             </a:r>
           </a:p>
           <a:p>
             <a:pPr lvl="3"/>
             <a:r>
-              <a:rPr lang="ko-KR" altLang="en-US" smtClean="0"/>
+              <a:rPr lang="ko-KR" altLang="en-US"/>
               <a:t>넷째 수준</a:t>
             </a:r>
           </a:p>
           <a:p>
             <a:pPr lvl="4"/>
             <a:r>
-              <a:rPr lang="ko-KR" altLang="en-US" smtClean="0"/>
+              <a:rPr lang="ko-KR" altLang="en-US"/>
               <a:t>다섯째 수준</a:t>
             </a:r>
-            <a:endParaRPr lang="ko-KR" altLang="en-US"/>
           </a:p>
         </p:txBody>
       </p:sp>
@@ -2243,7 +2231,7 @@
           <a:p>
             <a:pPr lvl="0"/>
             <a:r>
-              <a:rPr lang="ko-KR" altLang="en-US" smtClean="0"/>
+              <a:rPr lang="ko-KR" altLang="en-US"/>
               <a:t>마스터 텍스트 스타일을 편집합니다</a:t>
             </a:r>
           </a:p>
@@ -2299,38 +2287,37 @@
           <a:p>
             <a:pPr lvl="0"/>
             <a:r>
-              <a:rPr lang="ko-KR" altLang="en-US" smtClean="0"/>
+              <a:rPr lang="ko-KR" altLang="en-US"/>
               <a:t>마스터 텍스트 스타일을 편집합니다</a:t>
             </a:r>
           </a:p>
           <a:p>
             <a:pPr lvl="1"/>
             <a:r>
-              <a:rPr lang="ko-KR" altLang="en-US" smtClean="0"/>
+              <a:rPr lang="ko-KR" altLang="en-US"/>
               <a:t>둘째 수준</a:t>
             </a:r>
           </a:p>
           <a:p>
             <a:pPr lvl="2"/>
             <a:r>
-              <a:rPr lang="ko-KR" altLang="en-US" smtClean="0"/>
+              <a:rPr lang="ko-KR" altLang="en-US"/>
               <a:t>셋째 수준</a:t>
             </a:r>
           </a:p>
           <a:p>
             <a:pPr lvl="3"/>
             <a:r>
-              <a:rPr lang="ko-KR" altLang="en-US" smtClean="0"/>
+              <a:rPr lang="ko-KR" altLang="en-US"/>
               <a:t>넷째 수준</a:t>
             </a:r>
           </a:p>
           <a:p>
             <a:pPr lvl="4"/>
             <a:r>
-              <a:rPr lang="ko-KR" altLang="en-US" smtClean="0"/>
+              <a:rPr lang="ko-KR" altLang="en-US"/>
               <a:t>다섯째 수준</a:t>
             </a:r>
-            <a:endParaRPr lang="ko-KR" altLang="en-US"/>
           </a:p>
         </p:txBody>
       </p:sp>
@@ -2351,7 +2338,7 @@
           <a:p>
             <a:fld id="{F768E081-451C-45D9-B019-D32E1E2376F9}" type="datetime1">
               <a:rPr lang="ko-KR" altLang="en-US" smtClean="0"/>
-              <a:t>2020-01-18</a:t>
+              <a:t>2020-01-19</a:t>
             </a:fld>
             <a:endParaRPr lang="ko-KR" altLang="en-US"/>
           </a:p>
@@ -2373,18 +2360,17 @@
           <a:lstStyle/>
           <a:p>
             <a:r>
-              <a:rPr lang="ko-KR" altLang="en-US" smtClean="0"/>
+              <a:rPr lang="ko-KR" altLang="en-US"/>
               <a:t>국내 여행 스마트 예매 시스템 </a:t>
             </a:r>
             <a:r>
-              <a:rPr lang="en-US" altLang="ko-KR" smtClean="0"/>
+              <a:rPr lang="en-US" altLang="ko-KR"/>
               <a:t>- </a:t>
             </a:r>
             <a:r>
-              <a:rPr lang="ko-KR" altLang="en-US" smtClean="0"/>
+              <a:rPr lang="ko-KR" altLang="en-US"/>
               <a:t>가보자</a:t>
             </a:r>
-            <a:endParaRPr lang="ko-KR" altLang="en-US"/>
           </a:p>
         </p:txBody>
       </p:sp>
@@ -2453,10 +2439,9 @@
           <a:lstStyle/>
           <a:p>
             <a:r>
-              <a:rPr lang="ko-KR" altLang="en-US" smtClean="0"/>
+              <a:rPr lang="ko-KR" altLang="en-US"/>
               <a:t>마스터 제목 스타일 편집</a:t>
             </a:r>
-            <a:endParaRPr lang="ko-KR" altLang="en-US"/>
           </a:p>
         </p:txBody>
       </p:sp>
@@ -2477,7 +2462,7 @@
           <a:p>
             <a:fld id="{562E2DE2-9837-44B2-826A-90A59147B492}" type="datetime1">
               <a:rPr lang="ko-KR" altLang="en-US" smtClean="0"/>
-              <a:t>2020-01-18</a:t>
+              <a:t>2020-01-19</a:t>
             </a:fld>
             <a:endParaRPr lang="ko-KR" altLang="en-US"/>
           </a:p>
@@ -2499,18 +2484,17 @@
           <a:lstStyle/>
           <a:p>
             <a:r>
-              <a:rPr lang="ko-KR" altLang="en-US" smtClean="0"/>
+              <a:rPr lang="ko-KR" altLang="en-US"/>
               <a:t>국내 여행 스마트 예매 시스템 </a:t>
             </a:r>
             <a:r>
-              <a:rPr lang="en-US" altLang="ko-KR" smtClean="0"/>
+              <a:rPr lang="en-US" altLang="ko-KR"/>
               <a:t>- </a:t>
             </a:r>
             <a:r>
-              <a:rPr lang="ko-KR" altLang="en-US" smtClean="0"/>
+              <a:rPr lang="ko-KR" altLang="en-US"/>
               <a:t>가보자</a:t>
             </a:r>
-            <a:endParaRPr lang="ko-KR" altLang="en-US"/>
           </a:p>
         </p:txBody>
       </p:sp>
@@ -2580,7 +2564,7 @@
           <a:p>
             <a:fld id="{97199DE4-BCDB-4A61-8BF5-10F4AADFCDBD}" type="datetime1">
               <a:rPr lang="ko-KR" altLang="en-US" smtClean="0"/>
-              <a:t>2020-01-18</a:t>
+              <a:t>2020-01-19</a:t>
             </a:fld>
             <a:endParaRPr lang="ko-KR" altLang="en-US"/>
           </a:p>
@@ -2602,18 +2586,17 @@
           <a:lstStyle/>
           <a:p>
             <a:r>
-              <a:rPr lang="ko-KR" altLang="en-US" smtClean="0"/>
+              <a:rPr lang="ko-KR" altLang="en-US"/>
               <a:t>국내 여행 스마트 예매 시스템 </a:t>
             </a:r>
             <a:r>
-              <a:rPr lang="en-US" altLang="ko-KR" smtClean="0"/>
+              <a:rPr lang="en-US" altLang="ko-KR"/>
               <a:t>- </a:t>
             </a:r>
             <a:r>
-              <a:rPr lang="ko-KR" altLang="en-US" smtClean="0"/>
+              <a:rPr lang="ko-KR" altLang="en-US"/>
               <a:t>가보자</a:t>
             </a:r>
-            <a:endParaRPr lang="ko-KR" altLang="en-US"/>
           </a:p>
         </p:txBody>
       </p:sp>
@@ -2691,10 +2674,9 @@
           </a:lstStyle>
           <a:p>
             <a:r>
-              <a:rPr lang="ko-KR" altLang="en-US" smtClean="0"/>
+              <a:rPr lang="ko-KR" altLang="en-US"/>
               <a:t>마스터 제목 스타일 편집</a:t>
             </a:r>
-            <a:endParaRPr lang="ko-KR" altLang="en-US"/>
           </a:p>
         </p:txBody>
       </p:sp>
@@ -2748,38 +2730,37 @@
           <a:p>
             <a:pPr lvl="0"/>
             <a:r>
-              <a:rPr lang="ko-KR" altLang="en-US" smtClean="0"/>
+              <a:rPr lang="ko-KR" altLang="en-US"/>
               <a:t>마스터 텍스트 스타일을 편집합니다</a:t>
             </a:r>
           </a:p>
           <a:p>
             <a:pPr lvl="1"/>
             <a:r>
-              <a:rPr lang="ko-KR" altLang="en-US" smtClean="0"/>
+              <a:rPr lang="ko-KR" altLang="en-US"/>
               <a:t>둘째 수준</a:t>
             </a:r>
           </a:p>
           <a:p>
             <a:pPr lvl="2"/>
             <a:r>
-              <a:rPr lang="ko-KR" altLang="en-US" smtClean="0"/>
+              <a:rPr lang="ko-KR" altLang="en-US"/>
               <a:t>셋째 수준</a:t>
             </a:r>
           </a:p>
           <a:p>
             <a:pPr lvl="3"/>
             <a:r>
-              <a:rPr lang="ko-KR" altLang="en-US" smtClean="0"/>
+              <a:rPr lang="ko-KR" altLang="en-US"/>
               <a:t>넷째 수준</a:t>
             </a:r>
           </a:p>
           <a:p>
             <a:pPr lvl="4"/>
             <a:r>
-              <a:rPr lang="ko-KR" altLang="en-US" smtClean="0"/>
+              <a:rPr lang="ko-KR" altLang="en-US"/>
               <a:t>다섯째 수준</a:t>
             </a:r>
-            <a:endParaRPr lang="ko-KR" altLang="en-US"/>
           </a:p>
         </p:txBody>
       </p:sp>
@@ -2842,7 +2823,7 @@
           <a:p>
             <a:pPr lvl="0"/>
             <a:r>
-              <a:rPr lang="ko-KR" altLang="en-US" smtClean="0"/>
+              <a:rPr lang="ko-KR" altLang="en-US"/>
               <a:t>마스터 텍스트 스타일을 편집합니다</a:t>
             </a:r>
           </a:p>
@@ -2865,7 +2846,7 @@
           <a:p>
             <a:fld id="{FC09B198-8A51-4B23-A84C-ED6C289FF2F8}" type="datetime1">
               <a:rPr lang="ko-KR" altLang="en-US" smtClean="0"/>
-              <a:t>2020-01-18</a:t>
+              <a:t>2020-01-19</a:t>
             </a:fld>
             <a:endParaRPr lang="ko-KR" altLang="en-US"/>
           </a:p>
@@ -2887,18 +2868,17 @@
           <a:lstStyle/>
           <a:p>
             <a:r>
-              <a:rPr lang="ko-KR" altLang="en-US" smtClean="0"/>
+              <a:rPr lang="ko-KR" altLang="en-US"/>
               <a:t>국내 여행 스마트 예매 시스템 </a:t>
             </a:r>
             <a:r>
-              <a:rPr lang="en-US" altLang="ko-KR" smtClean="0"/>
+              <a:rPr lang="en-US" altLang="ko-KR"/>
               <a:t>- </a:t>
             </a:r>
             <a:r>
-              <a:rPr lang="ko-KR" altLang="en-US" smtClean="0"/>
+              <a:rPr lang="ko-KR" altLang="en-US"/>
               <a:t>가보자</a:t>
             </a:r>
-            <a:endParaRPr lang="ko-KR" altLang="en-US"/>
           </a:p>
         </p:txBody>
       </p:sp>
@@ -2976,10 +2956,9 @@
           </a:lstStyle>
           <a:p>
             <a:r>
-              <a:rPr lang="ko-KR" altLang="en-US" smtClean="0"/>
+              <a:rPr lang="ko-KR" altLang="en-US"/>
               <a:t>마스터 제목 스타일 편집</a:t>
             </a:r>
-            <a:endParaRPr lang="ko-KR" altLang="en-US"/>
           </a:p>
         </p:txBody>
       </p:sp>
@@ -3103,7 +3082,7 @@
           <a:p>
             <a:pPr lvl="0"/>
             <a:r>
-              <a:rPr lang="ko-KR" altLang="en-US" smtClean="0"/>
+              <a:rPr lang="ko-KR" altLang="en-US"/>
               <a:t>마스터 텍스트 스타일을 편집합니다</a:t>
             </a:r>
           </a:p>
@@ -3126,7 +3105,7 @@
           <a:p>
             <a:fld id="{EFF49D25-0459-4683-B12A-B6E15EC4E90F}" type="datetime1">
               <a:rPr lang="ko-KR" altLang="en-US" smtClean="0"/>
-              <a:t>2020-01-18</a:t>
+              <a:t>2020-01-19</a:t>
             </a:fld>
             <a:endParaRPr lang="ko-KR" altLang="en-US"/>
           </a:p>
@@ -3148,18 +3127,17 @@
           <a:lstStyle/>
           <a:p>
             <a:r>
-              <a:rPr lang="ko-KR" altLang="en-US" smtClean="0"/>
+              <a:rPr lang="ko-KR" altLang="en-US"/>
               <a:t>국내 여행 스마트 예매 시스템 </a:t>
             </a:r>
             <a:r>
-              <a:rPr lang="en-US" altLang="ko-KR" smtClean="0"/>
+              <a:rPr lang="en-US" altLang="ko-KR"/>
               <a:t>- </a:t>
             </a:r>
             <a:r>
-              <a:rPr lang="ko-KR" altLang="en-US" smtClean="0"/>
+              <a:rPr lang="ko-KR" altLang="en-US"/>
               <a:t>가보자</a:t>
             </a:r>
-            <a:endParaRPr lang="ko-KR" altLang="en-US"/>
           </a:p>
         </p:txBody>
       </p:sp>
@@ -3243,10 +3221,9 @@
           <a:lstStyle/>
           <a:p>
             <a:r>
-              <a:rPr lang="ko-KR" altLang="en-US" smtClean="0"/>
+              <a:rPr lang="ko-KR" altLang="en-US"/>
               <a:t>마스터 제목 스타일 편집</a:t>
             </a:r>
-            <a:endParaRPr lang="ko-KR" altLang="en-US"/>
           </a:p>
         </p:txBody>
       </p:sp>
@@ -3277,38 +3254,37 @@
           <a:p>
             <a:pPr lvl="0"/>
             <a:r>
-              <a:rPr lang="ko-KR" altLang="en-US" smtClean="0"/>
+              <a:rPr lang="ko-KR" altLang="en-US"/>
               <a:t>마스터 텍스트 스타일을 편집합니다</a:t>
             </a:r>
           </a:p>
           <a:p>
             <a:pPr lvl="1"/>
             <a:r>
-              <a:rPr lang="ko-KR" altLang="en-US" smtClean="0"/>
+              <a:rPr lang="ko-KR" altLang="en-US"/>
               <a:t>둘째 수준</a:t>
             </a:r>
           </a:p>
           <a:p>
             <a:pPr lvl="2"/>
             <a:r>
-              <a:rPr lang="ko-KR" altLang="en-US" smtClean="0"/>
+              <a:rPr lang="ko-KR" altLang="en-US"/>
               <a:t>셋째 수준</a:t>
             </a:r>
           </a:p>
           <a:p>
             <a:pPr lvl="3"/>
             <a:r>
-              <a:rPr lang="ko-KR" altLang="en-US" smtClean="0"/>
+              <a:rPr lang="ko-KR" altLang="en-US"/>
               <a:t>넷째 수준</a:t>
             </a:r>
           </a:p>
           <a:p>
             <a:pPr lvl="4"/>
             <a:r>
-              <a:rPr lang="ko-KR" altLang="en-US" smtClean="0"/>
+              <a:rPr lang="ko-KR" altLang="en-US"/>
               <a:t>다섯째 수준</a:t>
             </a:r>
-            <a:endParaRPr lang="ko-KR" altLang="en-US"/>
           </a:p>
         </p:txBody>
       </p:sp>
@@ -3347,7 +3323,7 @@
           <a:p>
             <a:fld id="{D1A24AED-07F2-4A5D-8942-AFE1CA0EF76B}" type="datetime1">
               <a:rPr lang="ko-KR" altLang="en-US" smtClean="0"/>
-              <a:t>2020-01-18</a:t>
+              <a:t>2020-01-19</a:t>
             </a:fld>
             <a:endParaRPr lang="ko-KR" altLang="en-US"/>
           </a:p>
@@ -3387,18 +3363,17 @@
           </a:lstStyle>
           <a:p>
             <a:r>
-              <a:rPr lang="ko-KR" altLang="en-US" smtClean="0"/>
+              <a:rPr lang="ko-KR" altLang="en-US"/>
               <a:t>국내 여행 스마트 예매 시스템 </a:t>
             </a:r>
             <a:r>
-              <a:rPr lang="en-US" altLang="ko-KR" smtClean="0"/>
+              <a:rPr lang="en-US" altLang="ko-KR"/>
               <a:t>- </a:t>
             </a:r>
             <a:r>
-              <a:rPr lang="ko-KR" altLang="en-US" smtClean="0"/>
+              <a:rPr lang="ko-KR" altLang="en-US"/>
               <a:t>가보자</a:t>
             </a:r>
-            <a:endParaRPr lang="ko-KR" altLang="en-US"/>
           </a:p>
         </p:txBody>
       </p:sp>
@@ -3764,7 +3739,7 @@
           <a:p>
             <a:pPr algn="ctr"/>
             <a:r>
-              <a:rPr lang="ko-KR" altLang="en-US" sz="8800" b="1" spc="-50" dirty="0" smtClean="0">
+              <a:rPr lang="ko-KR" altLang="en-US" sz="8800" b="1" spc="-50" dirty="0">
                 <a:solidFill>
                   <a:srgbClr val="F7F7F5"/>
                 </a:solidFill>
@@ -3773,7 +3748,7 @@
               </a:rPr>
               <a:t>가보자</a:t>
             </a:r>
-            <a:endParaRPr lang="en-US" altLang="ko-KR" sz="8800" b="1" spc="-50" dirty="0" smtClean="0">
+            <a:endParaRPr lang="en-US" altLang="ko-KR" sz="8800" b="1" spc="-50" dirty="0">
               <a:solidFill>
                 <a:srgbClr val="F7F7F5"/>
               </a:solidFill>
@@ -3791,8 +3766,8 @@
         </p:nvSpPr>
         <p:spPr>
           <a:xfrm>
-            <a:off x="7298769" y="4581128"/>
-            <a:ext cx="1467068" cy="1851789"/>
+            <a:off x="6804248" y="4137400"/>
+            <a:ext cx="1971124" cy="2229328"/>
           </a:xfrm>
           <a:prstGeom prst="rect">
             <a:avLst/>
@@ -3800,7 +3775,7 @@
           <a:noFill/>
         </p:spPr>
         <p:txBody>
-          <a:bodyPr wrap="none" rtlCol="0">
+          <a:bodyPr wrap="square" rtlCol="0">
             <a:spAutoFit/>
           </a:bodyPr>
           <a:lstStyle/>
@@ -3814,14 +3789,31 @@
               </a:spcBef>
             </a:pPr>
             <a:r>
-              <a:rPr lang="ko-KR" altLang="en-US" b="1" dirty="0" smtClean="0">
-                <a:solidFill>
-                  <a:srgbClr val="000000"/>
-                </a:solidFill>
-                <a:latin typeface="jalnan" pitchFamily="50" charset="-127"/>
-                <a:ea typeface="jalnan" pitchFamily="50" charset="-127"/>
-              </a:rPr>
-              <a:t>팀장 임수현</a:t>
+              <a:rPr lang="ko-KR" altLang="en-US" b="1" spc="-50" dirty="0" err="1">
+                <a:solidFill>
+                  <a:srgbClr val="F7F7F5"/>
+                </a:solidFill>
+                <a:ea typeface="jalnan" pitchFamily="50" charset="-127"/>
+              </a:rPr>
+              <a:t>팀명</a:t>
+            </a:r>
+            <a:r>
+              <a:rPr lang="en-US" altLang="ko-KR" b="1" spc="-50" dirty="0">
+                <a:solidFill>
+                  <a:srgbClr val="F7F7F5"/>
+                </a:solidFill>
+                <a:ea typeface="jalnan" pitchFamily="50" charset="-127"/>
+              </a:rPr>
+              <a:t>: </a:t>
+            </a:r>
+            <a:r>
+              <a:rPr lang="ko-KR" altLang="en-US" b="1" spc="-50" dirty="0" err="1">
+                <a:solidFill>
+                  <a:srgbClr val="F7F7F5"/>
+                </a:solidFill>
+                <a:ea typeface="jalnan" pitchFamily="50" charset="-127"/>
+              </a:rPr>
+              <a:t>가보자바</a:t>
             </a:r>
             <a:endParaRPr lang="en-US" altLang="ko-KR" b="1" dirty="0">
               <a:solidFill>
@@ -3841,25 +3833,22 @@
               </a:spcBef>
             </a:pPr>
             <a:r>
-              <a:rPr lang="ko-KR" altLang="en-US" b="1" dirty="0" smtClean="0">
+              <a:rPr lang="ko-KR" altLang="en-US" b="1" dirty="0">
                 <a:solidFill>
                   <a:srgbClr val="000000"/>
                 </a:solidFill>
                 <a:latin typeface="jalnan" pitchFamily="50" charset="-127"/>
                 <a:ea typeface="jalnan" pitchFamily="50" charset="-127"/>
               </a:rPr>
-              <a:t>팀원 </a:t>
-            </a:r>
-            <a:r>
-              <a:rPr lang="ko-KR" altLang="en-US" b="1" dirty="0">
-                <a:solidFill>
-                  <a:srgbClr val="000000"/>
-                </a:solidFill>
-                <a:latin typeface="jalnan" pitchFamily="50" charset="-127"/>
-                <a:ea typeface="jalnan" pitchFamily="50" charset="-127"/>
-              </a:rPr>
-              <a:t>천승현 </a:t>
-            </a:r>
+              <a:t>팀장 임수현</a:t>
+            </a:r>
+            <a:endParaRPr lang="en-US" altLang="ko-KR" b="1" dirty="0">
+              <a:solidFill>
+                <a:srgbClr val="000000"/>
+              </a:solidFill>
+              <a:latin typeface="jalnan" pitchFamily="50" charset="-127"/>
+              <a:ea typeface="jalnan" pitchFamily="50" charset="-127"/>
+            </a:endParaRPr>
           </a:p>
           <a:p>
             <a:pPr algn="ctr">
@@ -3878,27 +3867,7 @@
                 <a:latin typeface="jalnan" pitchFamily="50" charset="-127"/>
                 <a:ea typeface="jalnan" pitchFamily="50" charset="-127"/>
               </a:rPr>
-              <a:t>팀원 </a:t>
-            </a:r>
-            <a:r>
-              <a:rPr lang="ko-KR" altLang="en-US" b="1" dirty="0" err="1">
-                <a:solidFill>
-                  <a:srgbClr val="000000"/>
-                </a:solidFill>
-                <a:latin typeface="jalnan" pitchFamily="50" charset="-127"/>
-                <a:ea typeface="jalnan" pitchFamily="50" charset="-127"/>
-              </a:rPr>
-              <a:t>나연빈</a:t>
-            </a:r>
-            <a:r>
-              <a:rPr lang="ko-KR" altLang="en-US" b="1" dirty="0">
-                <a:solidFill>
-                  <a:srgbClr val="000000"/>
-                </a:solidFill>
-                <a:latin typeface="jalnan" pitchFamily="50" charset="-127"/>
-                <a:ea typeface="jalnan" pitchFamily="50" charset="-127"/>
-              </a:rPr>
-              <a:t> </a:t>
+              <a:t>팀원 천승현 </a:t>
             </a:r>
           </a:p>
           <a:p>
@@ -3928,7 +3897,7 @@
                 <a:latin typeface="jalnan" pitchFamily="50" charset="-127"/>
                 <a:ea typeface="jalnan" pitchFamily="50" charset="-127"/>
               </a:rPr>
-              <a:t>박석채</a:t>
+              <a:t>나연빈</a:t>
             </a:r>
             <a:r>
               <a:rPr lang="ko-KR" altLang="en-US" b="1" dirty="0">
@@ -3958,15 +3927,48 @@
                 <a:latin typeface="jalnan" pitchFamily="50" charset="-127"/>
                 <a:ea typeface="jalnan" pitchFamily="50" charset="-127"/>
               </a:rPr>
+              <a:t>팀원 </a:t>
+            </a:r>
+            <a:r>
+              <a:rPr lang="ko-KR" altLang="en-US" b="1" dirty="0" err="1">
+                <a:solidFill>
+                  <a:srgbClr val="000000"/>
+                </a:solidFill>
+                <a:latin typeface="jalnan" pitchFamily="50" charset="-127"/>
+                <a:ea typeface="jalnan" pitchFamily="50" charset="-127"/>
+              </a:rPr>
+              <a:t>박석채</a:t>
+            </a:r>
+            <a:r>
+              <a:rPr lang="ko-KR" altLang="en-US" b="1" dirty="0">
+                <a:solidFill>
+                  <a:srgbClr val="000000"/>
+                </a:solidFill>
+                <a:latin typeface="jalnan" pitchFamily="50" charset="-127"/>
+                <a:ea typeface="jalnan" pitchFamily="50" charset="-127"/>
+              </a:rPr>
+              <a:t> </a:t>
+            </a:r>
+          </a:p>
+          <a:p>
+            <a:pPr algn="ctr">
+              <a:lnSpc>
+                <a:spcPct val="90000"/>
+              </a:lnSpc>
+              <a:spcBef>
+                <a:spcPts val="1000"/>
+              </a:spcBef>
+            </a:pPr>
+            <a:r>
+              <a:rPr lang="ko-KR" altLang="en-US" b="1" dirty="0">
+                <a:solidFill>
+                  <a:srgbClr val="000000"/>
+                </a:solidFill>
+                <a:latin typeface="jalnan" pitchFamily="50" charset="-127"/>
+                <a:ea typeface="jalnan" pitchFamily="50" charset="-127"/>
+              </a:rPr>
               <a:t>팀원 임소정 </a:t>
             </a:r>
-            <a:endParaRPr lang="ko-KR" altLang="en-US" b="1" dirty="0">
-              <a:solidFill>
-                <a:srgbClr val="000000"/>
-              </a:solidFill>
-              <a:latin typeface="jalnan" pitchFamily="50" charset="-127"/>
-              <a:ea typeface="jalnan" pitchFamily="50" charset="-127"/>
-            </a:endParaRPr>
           </a:p>
         </p:txBody>
       </p:sp>
@@ -4015,7 +4017,7 @@
         <p:spPr>
           <a:xfrm>
             <a:off x="2516941" y="3675735"/>
-            <a:ext cx="3960440" cy="1200329"/>
+            <a:ext cx="3960440" cy="923330"/>
           </a:xfrm>
           <a:prstGeom prst="rect">
             <a:avLst/>
@@ -4030,7 +4032,7 @@
           <a:p>
             <a:pPr algn="ctr"/>
             <a:r>
-              <a:rPr lang="ko-KR" altLang="en-US" b="1" spc="-50" dirty="0" smtClean="0">
+              <a:rPr lang="ko-KR" altLang="en-US" b="1" spc="-50" dirty="0">
                 <a:solidFill>
                   <a:srgbClr val="F7F7F5"/>
                 </a:solidFill>
@@ -4039,7 +4041,7 @@
               </a:rPr>
               <a:t>국내 여행 스마트 예매 시스템</a:t>
             </a:r>
-            <a:endParaRPr lang="en-US" altLang="ko-KR" b="1" spc="-50" dirty="0" smtClean="0">
+            <a:endParaRPr lang="en-US" altLang="ko-KR" b="1" spc="-50" dirty="0">
               <a:solidFill>
                 <a:srgbClr val="F7F7F5"/>
               </a:solidFill>
@@ -4049,30 +4051,13 @@
           </a:p>
           <a:p>
             <a:pPr algn="ctr"/>
-            <a:r>
-              <a:rPr lang="ko-KR" altLang="en-US" b="1" spc="-50" dirty="0" smtClean="0">
-                <a:solidFill>
-                  <a:srgbClr val="F7F7F5"/>
-                </a:solidFill>
-                <a:latin typeface="jalnan" pitchFamily="50" charset="-127"/>
-                <a:ea typeface="jalnan" pitchFamily="50" charset="-127"/>
-              </a:rPr>
-              <a:t>가자 </a:t>
-            </a:r>
-            <a:r>
-              <a:rPr lang="ko-KR" altLang="en-US" b="1" spc="-50" dirty="0">
-                <a:solidFill>
-                  <a:srgbClr val="F7F7F5"/>
-                </a:solidFill>
-                <a:latin typeface="jalnan" pitchFamily="50" charset="-127"/>
-                <a:ea typeface="jalnan" pitchFamily="50" charset="-127"/>
-              </a:rPr>
-              <a:t>보자 떠나자</a:t>
-            </a:r>
-          </a:p>
-          <a:p>
-            <a:pPr algn="ctr"/>
-            <a:endParaRPr lang="en-US" altLang="ko-KR" dirty="0" smtClean="0"/>
+            <a:endParaRPr lang="en-US" altLang="ko-KR" b="1" spc="-50" dirty="0">
+              <a:solidFill>
+                <a:srgbClr val="F7F7F5"/>
+              </a:solidFill>
+              <a:latin typeface="jalnan" pitchFamily="50" charset="-127"/>
+              <a:ea typeface="jalnan" pitchFamily="50" charset="-127"/>
+            </a:endParaRPr>
           </a:p>
           <a:p>
             <a:pPr algn="ctr"/>
@@ -4085,13 +4070,6 @@
   <p:clrMapOvr>
     <a:masterClrMapping/>
   </p:clrMapOvr>
-  <p:timing>
-    <p:tnLst>
-      <p:par>
-        <p:cTn id="1" dur="indefinite" restart="never" nodeType="tmRoot"/>
-      </p:par>
-    </p:tnLst>
-  </p:timing>
 </p:sld>
 </file>
 
@@ -4311,46 +4289,26 @@
               </a:lnSpc>
             </a:pPr>
             <a:r>
-              <a:rPr lang="ko-KR" altLang="en-US" sz="2800" b="1" dirty="0" smtClean="0">
+              <a:rPr lang="ko-KR" altLang="en-US" sz="2800" b="1" dirty="0">
                 <a:solidFill>
                   <a:schemeClr val="bg1"/>
                 </a:solidFill>
                 <a:latin typeface="jalnan" pitchFamily="50" charset="-127"/>
                 <a:ea typeface="jalnan" pitchFamily="50" charset="-127"/>
               </a:rPr>
-              <a:t>       </a:t>
-            </a:r>
-            <a:r>
-              <a:rPr lang="ko-KR" altLang="en-US" sz="2800" b="1" dirty="0" smtClean="0">
+              <a:t>       예매기능</a:t>
+            </a:r>
+            <a:r>
+              <a:rPr lang="en-US" altLang="ko-KR" sz="2800" b="1" dirty="0">
                 <a:solidFill>
                   <a:schemeClr val="bg1"/>
                 </a:solidFill>
                 <a:latin typeface="jalnan" pitchFamily="50" charset="-127"/>
                 <a:ea typeface="jalnan" pitchFamily="50" charset="-127"/>
               </a:rPr>
-              <a:t>예매기</a:t>
-            </a:r>
-            <a:r>
-              <a:rPr lang="ko-KR" altLang="en-US" sz="2800" b="1" dirty="0">
-                <a:solidFill>
-                  <a:schemeClr val="bg1"/>
-                </a:solidFill>
-                <a:latin typeface="jalnan" pitchFamily="50" charset="-127"/>
-                <a:ea typeface="jalnan" pitchFamily="50" charset="-127"/>
-              </a:rPr>
-              <a:t>능</a:t>
-            </a:r>
-            <a:r>
-              <a:rPr lang="en-US" altLang="ko-KR" sz="2800" b="1" dirty="0" smtClean="0">
-                <a:solidFill>
-                  <a:schemeClr val="bg1"/>
-                </a:solidFill>
-                <a:latin typeface="jalnan" pitchFamily="50" charset="-127"/>
-                <a:ea typeface="jalnan" pitchFamily="50" charset="-127"/>
-              </a:rPr>
               <a:t> </a:t>
             </a:r>
-            <a:endParaRPr lang="ko-KR" altLang="en-US" sz="2800" b="1" dirty="0" smtClean="0">
+            <a:endParaRPr lang="ko-KR" altLang="en-US" sz="2800" b="1" dirty="0">
               <a:solidFill>
                 <a:schemeClr val="bg1"/>
               </a:solidFill>
@@ -4384,7 +4342,7 @@
           <a:p>
             <a:pPr algn="ctr"/>
             <a:r>
-              <a:rPr lang="ko-KR" altLang="en-US" sz="2600" b="1" dirty="0" smtClean="0">
+              <a:rPr lang="ko-KR" altLang="en-US" sz="2600" b="1" dirty="0">
                 <a:solidFill>
                   <a:srgbClr val="6BC7BF"/>
                 </a:solidFill>
@@ -4504,7 +4462,7 @@
               </a:lnSpc>
             </a:pPr>
             <a:r>
-              <a:rPr lang="ko-KR" altLang="en-US" sz="2800" b="1" dirty="0" smtClean="0">
+              <a:rPr lang="ko-KR" altLang="en-US" sz="2800" b="1" dirty="0">
                 <a:solidFill>
                   <a:schemeClr val="bg1"/>
                 </a:solidFill>
@@ -4513,13 +4471,6 @@
               </a:rPr>
               <a:t> 회원기능</a:t>
             </a:r>
-            <a:endParaRPr lang="ko-KR" altLang="en-US" sz="2800" b="1" dirty="0" smtClean="0">
-              <a:solidFill>
-                <a:schemeClr val="bg1"/>
-              </a:solidFill>
-              <a:latin typeface="jalnan" pitchFamily="50" charset="-127"/>
-              <a:ea typeface="jalnan" pitchFamily="50" charset="-127"/>
-            </a:endParaRPr>
           </a:p>
         </p:txBody>
       </p:sp>
@@ -4589,75 +4540,68 @@
           <a:lstStyle/>
           <a:p>
             <a:r>
-              <a:rPr lang="ko-KR" altLang="en-US" sz="2400" dirty="0" smtClean="0">
+              <a:rPr lang="ko-KR" altLang="en-US" sz="2400" dirty="0">
                 <a:latin typeface="jalnan" pitchFamily="50" charset="-127"/>
                 <a:ea typeface="jalnan" pitchFamily="50" charset="-127"/>
               </a:rPr>
               <a:t>회원가입</a:t>
             </a:r>
-            <a:endParaRPr lang="en-US" altLang="ko-KR" sz="2400" dirty="0" smtClean="0">
+            <a:endParaRPr lang="en-US" altLang="ko-KR" sz="2400" dirty="0">
               <a:latin typeface="jalnan" pitchFamily="50" charset="-127"/>
               <a:ea typeface="jalnan" pitchFamily="50" charset="-127"/>
             </a:endParaRPr>
           </a:p>
           <a:p>
-            <a:endParaRPr lang="en-US" altLang="ko-KR" sz="2400" dirty="0" smtClean="0">
+            <a:endParaRPr lang="en-US" altLang="ko-KR" sz="2400" dirty="0">
               <a:latin typeface="jalnan" pitchFamily="50" charset="-127"/>
               <a:ea typeface="jalnan" pitchFamily="50" charset="-127"/>
             </a:endParaRPr>
           </a:p>
           <a:p>
             <a:r>
-              <a:rPr lang="ko-KR" altLang="en-US" sz="2400" dirty="0" smtClean="0">
+              <a:rPr lang="ko-KR" altLang="en-US" sz="2400" dirty="0">
                 <a:latin typeface="jalnan" pitchFamily="50" charset="-127"/>
                 <a:ea typeface="jalnan" pitchFamily="50" charset="-127"/>
               </a:rPr>
               <a:t>로그인</a:t>
             </a:r>
-            <a:endParaRPr lang="en-US" altLang="ko-KR" sz="2400" dirty="0" smtClean="0">
+            <a:endParaRPr lang="en-US" altLang="ko-KR" sz="2400" dirty="0">
               <a:latin typeface="jalnan" pitchFamily="50" charset="-127"/>
               <a:ea typeface="jalnan" pitchFamily="50" charset="-127"/>
             </a:endParaRPr>
           </a:p>
           <a:p>
-            <a:endParaRPr lang="en-US" altLang="ko-KR" sz="2400" dirty="0" smtClean="0">
+            <a:endParaRPr lang="en-US" altLang="ko-KR" sz="2400" dirty="0">
               <a:latin typeface="jalnan" pitchFamily="50" charset="-127"/>
               <a:ea typeface="jalnan" pitchFamily="50" charset="-127"/>
             </a:endParaRPr>
           </a:p>
           <a:p>
             <a:r>
-              <a:rPr lang="ko-KR" altLang="en-US" sz="2400" dirty="0" smtClean="0">
+              <a:rPr lang="ko-KR" altLang="en-US" sz="2400" dirty="0">
                 <a:latin typeface="jalnan" pitchFamily="50" charset="-127"/>
                 <a:ea typeface="jalnan" pitchFamily="50" charset="-127"/>
               </a:rPr>
               <a:t>회원정보수정</a:t>
             </a:r>
-            <a:endParaRPr lang="en-US" altLang="ko-KR" sz="2400" dirty="0" smtClean="0">
+            <a:endParaRPr lang="en-US" altLang="ko-KR" sz="2400" dirty="0">
               <a:latin typeface="jalnan" pitchFamily="50" charset="-127"/>
               <a:ea typeface="jalnan" pitchFamily="50" charset="-127"/>
             </a:endParaRPr>
           </a:p>
           <a:p>
-            <a:endParaRPr lang="en-US" altLang="ko-KR" sz="2400" dirty="0" smtClean="0">
+            <a:endParaRPr lang="en-US" altLang="ko-KR" sz="2400" dirty="0">
               <a:latin typeface="jalnan" pitchFamily="50" charset="-127"/>
               <a:ea typeface="jalnan" pitchFamily="50" charset="-127"/>
             </a:endParaRPr>
           </a:p>
           <a:p>
             <a:r>
-              <a:rPr lang="ko-KR" altLang="en-US" sz="2400" dirty="0" smtClean="0">
-                <a:latin typeface="jalnan" pitchFamily="50" charset="-127"/>
-                <a:ea typeface="jalnan" pitchFamily="50" charset="-127"/>
-              </a:rPr>
-              <a:t>회원탈</a:t>
-            </a:r>
-            <a:r>
               <a:rPr lang="ko-KR" altLang="en-US" sz="2400" dirty="0">
                 <a:latin typeface="jalnan" pitchFamily="50" charset="-127"/>
                 <a:ea typeface="jalnan" pitchFamily="50" charset="-127"/>
               </a:rPr>
-              <a:t>퇴</a:t>
+              <a:t>회원탈퇴</a:t>
             </a:r>
           </a:p>
         </p:txBody>
@@ -4685,46 +4629,46 @@
           <a:lstStyle/>
           <a:p>
             <a:r>
-              <a:rPr lang="ko-KR" altLang="en-US" sz="2400" dirty="0" smtClean="0">
+              <a:rPr lang="ko-KR" altLang="en-US" sz="2400" dirty="0">
                 <a:latin typeface="jalnan" pitchFamily="50" charset="-127"/>
                 <a:ea typeface="jalnan" pitchFamily="50" charset="-127"/>
               </a:rPr>
               <a:t>출발지 선택</a:t>
             </a:r>
-            <a:endParaRPr lang="en-US" altLang="ko-KR" sz="2400" dirty="0" smtClean="0">
+            <a:endParaRPr lang="en-US" altLang="ko-KR" sz="2400" dirty="0">
               <a:latin typeface="jalnan" pitchFamily="50" charset="-127"/>
               <a:ea typeface="jalnan" pitchFamily="50" charset="-127"/>
             </a:endParaRPr>
           </a:p>
           <a:p>
             <a:r>
-              <a:rPr lang="ko-KR" altLang="en-US" sz="2400" dirty="0" smtClean="0">
+              <a:rPr lang="ko-KR" altLang="en-US" sz="2400" dirty="0">
                 <a:latin typeface="jalnan" pitchFamily="50" charset="-127"/>
                 <a:ea typeface="jalnan" pitchFamily="50" charset="-127"/>
               </a:rPr>
               <a:t>목적지 선택</a:t>
             </a:r>
-            <a:endParaRPr lang="en-US" altLang="ko-KR" sz="2400" dirty="0" smtClean="0">
+            <a:endParaRPr lang="en-US" altLang="ko-KR" sz="2400" dirty="0">
               <a:latin typeface="jalnan" pitchFamily="50" charset="-127"/>
               <a:ea typeface="jalnan" pitchFamily="50" charset="-127"/>
             </a:endParaRPr>
           </a:p>
           <a:p>
             <a:r>
-              <a:rPr lang="ko-KR" altLang="en-US" sz="2400" dirty="0" smtClean="0">
+              <a:rPr lang="ko-KR" altLang="en-US" sz="2400" dirty="0">
                 <a:latin typeface="jalnan" pitchFamily="50" charset="-127"/>
                 <a:ea typeface="jalnan" pitchFamily="50" charset="-127"/>
               </a:rPr>
               <a:t>기간 선택</a:t>
             </a:r>
-            <a:endParaRPr lang="en-US" altLang="ko-KR" sz="2400" dirty="0" smtClean="0">
+            <a:endParaRPr lang="en-US" altLang="ko-KR" sz="2400" dirty="0">
               <a:latin typeface="jalnan" pitchFamily="50" charset="-127"/>
               <a:ea typeface="jalnan" pitchFamily="50" charset="-127"/>
             </a:endParaRPr>
           </a:p>
           <a:p>
             <a:r>
-              <a:rPr lang="en-US" altLang="ko-KR" sz="2000" dirty="0" smtClean="0">
+              <a:rPr lang="en-US" altLang="ko-KR" sz="2000" dirty="0">
                 <a:solidFill>
                   <a:schemeClr val="tx1">
                     <a:lumMod val="65000"/>
@@ -4737,7 +4681,7 @@
               <a:t>-&gt; DB</a:t>
             </a:r>
             <a:r>
-              <a:rPr lang="ko-KR" altLang="en-US" sz="2000" dirty="0" smtClean="0">
+              <a:rPr lang="ko-KR" altLang="en-US" sz="2000" dirty="0">
                 <a:solidFill>
                   <a:schemeClr val="tx1">
                     <a:lumMod val="65000"/>
@@ -4749,7 +4693,7 @@
               </a:rPr>
               <a:t>운행데이터 조회</a:t>
             </a:r>
-            <a:endParaRPr lang="en-US" altLang="ko-KR" sz="2000" dirty="0" smtClean="0">
+            <a:endParaRPr lang="en-US" altLang="ko-KR" sz="2000" dirty="0">
               <a:solidFill>
                 <a:schemeClr val="tx1">
                   <a:lumMod val="65000"/>
@@ -4761,27 +4705,27 @@
             </a:endParaRPr>
           </a:p>
           <a:p>
-            <a:endParaRPr lang="en-US" altLang="ko-KR" sz="2000" dirty="0" smtClean="0">
+            <a:endParaRPr lang="en-US" altLang="ko-KR" sz="2000" dirty="0">
               <a:latin typeface="jalnan" pitchFamily="50" charset="-127"/>
               <a:ea typeface="jalnan" pitchFamily="50" charset="-127"/>
             </a:endParaRPr>
           </a:p>
           <a:p>
             <a:r>
-              <a:rPr lang="ko-KR" altLang="en-US" sz="2400" dirty="0" smtClean="0">
+              <a:rPr lang="ko-KR" altLang="en-US" sz="2400" dirty="0">
                 <a:latin typeface="jalnan" pitchFamily="50" charset="-127"/>
                 <a:ea typeface="jalnan" pitchFamily="50" charset="-127"/>
               </a:rPr>
               <a:t>예매하기</a:t>
             </a:r>
-            <a:endParaRPr lang="en-US" altLang="ko-KR" sz="2400" dirty="0" smtClean="0">
+            <a:endParaRPr lang="en-US" altLang="ko-KR" sz="2400" dirty="0">
               <a:latin typeface="jalnan" pitchFamily="50" charset="-127"/>
               <a:ea typeface="jalnan" pitchFamily="50" charset="-127"/>
             </a:endParaRPr>
           </a:p>
           <a:p>
             <a:r>
-              <a:rPr lang="en-US" altLang="ko-KR" sz="2000" dirty="0" smtClean="0">
+              <a:rPr lang="en-US" altLang="ko-KR" sz="2000" dirty="0">
                 <a:solidFill>
                   <a:schemeClr val="tx1">
                     <a:lumMod val="65000"/>
@@ -4794,7 +4738,7 @@
               <a:t>-&gt; DB</a:t>
             </a:r>
             <a:r>
-              <a:rPr lang="ko-KR" altLang="en-US" sz="2000" dirty="0" smtClean="0">
+              <a:rPr lang="ko-KR" altLang="en-US" sz="2000" dirty="0">
                 <a:solidFill>
                   <a:schemeClr val="tx1">
                     <a:lumMod val="65000"/>
@@ -4806,7 +4750,7 @@
               </a:rPr>
               <a:t>데이터 저장</a:t>
             </a:r>
-            <a:endParaRPr lang="en-US" altLang="ko-KR" sz="2000" dirty="0" smtClean="0">
+            <a:endParaRPr lang="en-US" altLang="ko-KR" sz="2000" dirty="0">
               <a:solidFill>
                 <a:schemeClr val="tx1">
                   <a:lumMod val="65000"/>
@@ -4819,20 +4763,20 @@
           </a:p>
           <a:p>
             <a:r>
-              <a:rPr lang="ko-KR" altLang="en-US" sz="2400" dirty="0" smtClean="0">
+              <a:rPr lang="ko-KR" altLang="en-US" sz="2400" dirty="0">
                 <a:latin typeface="jalnan" pitchFamily="50" charset="-127"/>
                 <a:ea typeface="jalnan" pitchFamily="50" charset="-127"/>
               </a:rPr>
               <a:t>예매조회</a:t>
             </a:r>
-            <a:endParaRPr lang="en-US" altLang="ko-KR" sz="2400" dirty="0" smtClean="0">
+            <a:endParaRPr lang="en-US" altLang="ko-KR" sz="2400" dirty="0">
               <a:latin typeface="jalnan" pitchFamily="50" charset="-127"/>
               <a:ea typeface="jalnan" pitchFamily="50" charset="-127"/>
             </a:endParaRPr>
           </a:p>
           <a:p>
             <a:r>
-              <a:rPr lang="en-US" altLang="ko-KR" sz="2000" dirty="0" smtClean="0">
+              <a:rPr lang="en-US" altLang="ko-KR" sz="2000" dirty="0">
                 <a:solidFill>
                   <a:schemeClr val="tx1">
                     <a:lumMod val="65000"/>
@@ -4845,7 +4789,7 @@
               <a:t>-&gt; DB</a:t>
             </a:r>
             <a:r>
-              <a:rPr lang="ko-KR" altLang="en-US" sz="2000" dirty="0" smtClean="0">
+              <a:rPr lang="ko-KR" altLang="en-US" sz="2000" dirty="0">
                 <a:solidFill>
                   <a:schemeClr val="tx1">
                     <a:lumMod val="65000"/>
@@ -4857,7 +4801,7 @@
               </a:rPr>
               <a:t>데이터 조회</a:t>
             </a:r>
-            <a:endParaRPr lang="en-US" altLang="ko-KR" sz="2000" dirty="0" smtClean="0">
+            <a:endParaRPr lang="en-US" altLang="ko-KR" sz="2000" dirty="0">
               <a:solidFill>
                 <a:schemeClr val="tx1">
                   <a:lumMod val="65000"/>
@@ -4870,20 +4814,20 @@
           </a:p>
           <a:p>
             <a:r>
-              <a:rPr lang="ko-KR" altLang="en-US" sz="2400" dirty="0" smtClean="0">
+              <a:rPr lang="ko-KR" altLang="en-US" sz="2400" dirty="0">
                 <a:latin typeface="jalnan" pitchFamily="50" charset="-127"/>
                 <a:ea typeface="jalnan" pitchFamily="50" charset="-127"/>
               </a:rPr>
               <a:t>예매취소</a:t>
             </a:r>
-            <a:endParaRPr lang="en-US" altLang="ko-KR" sz="2400" dirty="0" smtClean="0">
+            <a:endParaRPr lang="en-US" altLang="ko-KR" sz="2400" dirty="0">
               <a:latin typeface="jalnan" pitchFamily="50" charset="-127"/>
               <a:ea typeface="jalnan" pitchFamily="50" charset="-127"/>
             </a:endParaRPr>
           </a:p>
           <a:p>
             <a:r>
-              <a:rPr lang="en-US" altLang="ko-KR" sz="2000" dirty="0" smtClean="0">
+              <a:rPr lang="en-US" altLang="ko-KR" sz="2000" dirty="0">
                 <a:solidFill>
                   <a:schemeClr val="tx1">
                     <a:lumMod val="65000"/>
@@ -4896,7 +4840,7 @@
               <a:t>-&gt; DB</a:t>
             </a:r>
             <a:r>
-              <a:rPr lang="ko-KR" altLang="en-US" sz="2000" dirty="0" smtClean="0">
+              <a:rPr lang="ko-KR" altLang="en-US" sz="2000" dirty="0">
                 <a:solidFill>
                   <a:schemeClr val="tx1">
                     <a:lumMod val="65000"/>
@@ -4908,16 +4852,6 @@
               </a:rPr>
               <a:t>데이터 삭제</a:t>
             </a:r>
-            <a:endParaRPr lang="ko-KR" altLang="en-US" sz="2000" dirty="0">
-              <a:solidFill>
-                <a:schemeClr val="tx1">
-                  <a:lumMod val="65000"/>
-                  <a:lumOff val="35000"/>
-                </a:schemeClr>
-              </a:solidFill>
-              <a:latin typeface="jalnan" pitchFamily="50" charset="-127"/>
-              <a:ea typeface="jalnan" pitchFamily="50" charset="-127"/>
-            </a:endParaRPr>
           </a:p>
         </p:txBody>
       </p:sp>
@@ -4985,18 +4919,17 @@
           <a:lstStyle/>
           <a:p>
             <a:r>
-              <a:rPr lang="ko-KR" altLang="en-US" sz="1000" dirty="0" smtClean="0"/>
+              <a:rPr lang="ko-KR" altLang="en-US" sz="1000" dirty="0"/>
               <a:t>국내 여행 스마트 예매 시스템 </a:t>
             </a:r>
             <a:r>
-              <a:rPr lang="en-US" altLang="ko-KR" sz="1000" dirty="0" smtClean="0"/>
+              <a:rPr lang="en-US" altLang="ko-KR" sz="1000" dirty="0"/>
               <a:t>- </a:t>
             </a:r>
             <a:r>
-              <a:rPr lang="ko-KR" altLang="en-US" sz="1000" dirty="0" smtClean="0"/>
+              <a:rPr lang="ko-KR" altLang="en-US" sz="1000" dirty="0"/>
               <a:t>가보자</a:t>
             </a:r>
-            <a:endParaRPr lang="ko-KR" altLang="en-US" sz="1000" dirty="0"/>
           </a:p>
         </p:txBody>
       </p:sp>
@@ -5010,13 +4943,6 @@
   <p:clrMapOvr>
     <a:masterClrMapping/>
   </p:clrMapOvr>
-  <p:timing>
-    <p:tnLst>
-      <p:par>
-        <p:cTn id="1" dur="indefinite" restart="never" nodeType="tmRoot"/>
-      </p:par>
-    </p:tnLst>
-  </p:timing>
 </p:sld>
 </file>
 
@@ -5097,7 +5023,7 @@
           <a:p>
             <a:pPr algn="ctr"/>
             <a:r>
-              <a:rPr lang="ko-KR" altLang="en-US" sz="2500" b="1" dirty="0" smtClean="0">
+              <a:rPr lang="ko-KR" altLang="en-US" sz="2500" b="1" dirty="0">
                 <a:solidFill>
                   <a:srgbClr val="6BC7BF"/>
                 </a:solidFill>
@@ -5114,35 +5040,18 @@
                 <a:latin typeface="jalnan" pitchFamily="50" charset="-127"/>
                 <a:ea typeface="jalnan" pitchFamily="50" charset="-127"/>
               </a:rPr>
-              <a:t> </a:t>
-            </a:r>
-            <a:r>
-              <a:rPr lang="en-US" altLang="ko-KR" sz="2500" b="1" dirty="0" smtClean="0">
+              <a:t> - </a:t>
+            </a:r>
+            <a:r>
+              <a:rPr lang="ko-KR" altLang="en-US" sz="2500" b="1" dirty="0">
                 <a:solidFill>
                   <a:srgbClr val="6BC7BF"/>
                 </a:solidFill>
                 <a:latin typeface="jalnan" pitchFamily="50" charset="-127"/>
                 <a:ea typeface="jalnan" pitchFamily="50" charset="-127"/>
               </a:rPr>
-              <a:t>- </a:t>
-            </a:r>
-            <a:r>
-              <a:rPr lang="ko-KR" altLang="en-US" sz="2500" b="1" dirty="0" smtClean="0">
-                <a:solidFill>
-                  <a:srgbClr val="6BC7BF"/>
-                </a:solidFill>
-                <a:latin typeface="jalnan" pitchFamily="50" charset="-127"/>
-                <a:ea typeface="jalnan" pitchFamily="50" charset="-127"/>
-              </a:rPr>
               <a:t>설계</a:t>
             </a:r>
-            <a:endParaRPr lang="ko-KR" altLang="en-US" sz="2500" b="1" dirty="0">
-              <a:solidFill>
-                <a:srgbClr val="6BC7BF"/>
-              </a:solidFill>
-              <a:latin typeface="jalnan" pitchFamily="50" charset="-127"/>
-              <a:ea typeface="jalnan" pitchFamily="50" charset="-127"/>
-            </a:endParaRPr>
           </a:p>
         </p:txBody>
       </p:sp>
@@ -5321,23 +5230,19 @@
           <a:lstStyle/>
           <a:p>
             <a:r>
-              <a:rPr lang="en-US" altLang="ko-KR" sz="2400" dirty="0" smtClean="0">
+              <a:rPr lang="en-US" altLang="ko-KR" sz="2400" dirty="0">
                 <a:latin typeface="jalnan" pitchFamily="50" charset="-127"/>
                 <a:ea typeface="jalnan" pitchFamily="50" charset="-127"/>
               </a:rPr>
               <a:t>&lt;-  GUI </a:t>
             </a:r>
             <a:r>
-              <a:rPr lang="ko-KR" altLang="en-US" sz="2400" dirty="0" smtClean="0">
+              <a:rPr lang="ko-KR" altLang="en-US" sz="2400" dirty="0">
                 <a:latin typeface="jalnan" pitchFamily="50" charset="-127"/>
                 <a:ea typeface="jalnan" pitchFamily="50" charset="-127"/>
               </a:rPr>
               <a:t>설계도</a:t>
             </a:r>
-            <a:endParaRPr lang="ko-KR" altLang="en-US" sz="2400" dirty="0">
-              <a:latin typeface="jalnan" pitchFamily="50" charset="-127"/>
-              <a:ea typeface="jalnan" pitchFamily="50" charset="-127"/>
-            </a:endParaRPr>
           </a:p>
         </p:txBody>
       </p:sp>
@@ -5364,7 +5269,7 @@
           <a:lstStyle/>
           <a:p>
             <a:r>
-              <a:rPr lang="en-US" altLang="ko-KR" sz="2400" dirty="0" smtClean="0">
+              <a:rPr lang="en-US" altLang="ko-KR" sz="2400" dirty="0">
                 <a:latin typeface="jalnan" pitchFamily="50" charset="-127"/>
                 <a:ea typeface="jalnan" pitchFamily="50" charset="-127"/>
               </a:rPr>
@@ -5373,7 +5278,7 @@
           </a:p>
           <a:p>
             <a:r>
-              <a:rPr lang="en-US" altLang="ko-KR" sz="2400" dirty="0" smtClean="0">
+              <a:rPr lang="en-US" altLang="ko-KR" sz="2400" dirty="0">
                 <a:latin typeface="jalnan" pitchFamily="50" charset="-127"/>
                 <a:ea typeface="jalnan" pitchFamily="50" charset="-127"/>
               </a:rPr>
@@ -5405,7 +5310,7 @@
           <a:lstStyle/>
           <a:p>
             <a:r>
-              <a:rPr lang="en-US" altLang="ko-KR" sz="2400" dirty="0" smtClean="0">
+              <a:rPr lang="en-US" altLang="ko-KR" sz="2400" dirty="0">
                 <a:latin typeface="jalnan" pitchFamily="50" charset="-127"/>
                 <a:ea typeface="jalnan" pitchFamily="50" charset="-127"/>
               </a:rPr>
@@ -5439,18 +5344,17 @@
           <a:lstStyle/>
           <a:p>
             <a:r>
-              <a:rPr lang="ko-KR" altLang="en-US" sz="1000" dirty="0" smtClean="0"/>
+              <a:rPr lang="ko-KR" altLang="en-US" sz="1000" dirty="0"/>
               <a:t>국내 여행 스마트 예매 시스템 </a:t>
             </a:r>
             <a:r>
-              <a:rPr lang="en-US" altLang="ko-KR" sz="1000" dirty="0" smtClean="0"/>
+              <a:rPr lang="en-US" altLang="ko-KR" sz="1000" dirty="0"/>
               <a:t>- </a:t>
             </a:r>
             <a:r>
-              <a:rPr lang="ko-KR" altLang="en-US" sz="1000" dirty="0" smtClean="0"/>
+              <a:rPr lang="ko-KR" altLang="en-US" sz="1000" dirty="0"/>
               <a:t>가보자</a:t>
             </a:r>
-            <a:endParaRPr lang="ko-KR" altLang="en-US" sz="1000" dirty="0"/>
           </a:p>
         </p:txBody>
       </p:sp>
@@ -5459,13 +5363,6 @@
   <p:clrMapOvr>
     <a:masterClrMapping/>
   </p:clrMapOvr>
-  <p:timing>
-    <p:tnLst>
-      <p:par>
-        <p:cTn id="1" dur="indefinite" restart="never" nodeType="tmRoot"/>
-      </p:par>
-    </p:tnLst>
-  </p:timing>
 </p:sld>
 </file>
 
@@ -5546,7 +5443,7 @@
           <a:p>
             <a:pPr algn="ctr"/>
             <a:r>
-              <a:rPr lang="ko-KR" altLang="en-US" sz="2500" b="1" dirty="0" smtClean="0">
+              <a:rPr lang="ko-KR" altLang="en-US" sz="2500" b="1" dirty="0">
                 <a:solidFill>
                   <a:srgbClr val="6BC7BF"/>
                 </a:solidFill>
@@ -5563,30 +5460,20 @@
                 <a:latin typeface="jalnan" pitchFamily="50" charset="-127"/>
                 <a:ea typeface="jalnan" pitchFamily="50" charset="-127"/>
               </a:rPr>
-              <a:t> </a:t>
-            </a:r>
-            <a:r>
-              <a:rPr lang="en-US" altLang="ko-KR" sz="2500" b="1" dirty="0" smtClean="0">
+              <a:t> – </a:t>
+            </a:r>
+            <a:r>
+              <a:rPr lang="ko-KR" altLang="en-US" sz="2500" b="1" dirty="0">
                 <a:solidFill>
                   <a:srgbClr val="6BC7BF"/>
                 </a:solidFill>
                 <a:latin typeface="jalnan" pitchFamily="50" charset="-127"/>
                 <a:ea typeface="jalnan" pitchFamily="50" charset="-127"/>
               </a:rPr>
-              <a:t>– </a:t>
-            </a:r>
-            <a:r>
-              <a:rPr lang="ko-KR" altLang="en-US" sz="2500" b="1" dirty="0" smtClean="0">
-                <a:solidFill>
-                  <a:srgbClr val="6BC7BF"/>
-                </a:solidFill>
-                <a:latin typeface="jalnan" pitchFamily="50" charset="-127"/>
-                <a:ea typeface="jalnan" pitchFamily="50" charset="-127"/>
-              </a:rPr>
               <a:t>설계</a:t>
             </a:r>
             <a:r>
-              <a:rPr lang="en-US" altLang="ko-KR" sz="2500" b="1" dirty="0" smtClean="0">
+              <a:rPr lang="en-US" altLang="ko-KR" sz="2500" b="1" dirty="0">
                 <a:solidFill>
                   <a:srgbClr val="6BC7BF"/>
                 </a:solidFill>
@@ -5714,18 +5601,17 @@
           <a:lstStyle/>
           <a:p>
             <a:r>
-              <a:rPr lang="ko-KR" altLang="en-US" sz="1000" dirty="0" smtClean="0"/>
+              <a:rPr lang="ko-KR" altLang="en-US" sz="1000" dirty="0"/>
               <a:t>국내 여행 스마트 예매 시스템 </a:t>
             </a:r>
             <a:r>
-              <a:rPr lang="en-US" altLang="ko-KR" sz="1000" dirty="0" smtClean="0"/>
+              <a:rPr lang="en-US" altLang="ko-KR" sz="1000" dirty="0"/>
               <a:t>- </a:t>
             </a:r>
             <a:r>
-              <a:rPr lang="ko-KR" altLang="en-US" sz="1000" dirty="0" smtClean="0"/>
+              <a:rPr lang="ko-KR" altLang="en-US" sz="1000" dirty="0"/>
               <a:t>가보자</a:t>
             </a:r>
-            <a:endParaRPr lang="ko-KR" altLang="en-US" sz="1000" dirty="0"/>
           </a:p>
         </p:txBody>
       </p:sp>
@@ -5739,13 +5625,6 @@
   <p:clrMapOvr>
     <a:masterClrMapping/>
   </p:clrMapOvr>
-  <p:timing>
-    <p:tnLst>
-      <p:par>
-        <p:cTn id="1" dur="indefinite" restart="never" nodeType="tmRoot"/>
-      </p:par>
-    </p:tnLst>
-  </p:timing>
 </p:sld>
 </file>
 
@@ -5826,7 +5705,7 @@
           <a:p>
             <a:pPr algn="ctr"/>
             <a:r>
-              <a:rPr lang="ko-KR" altLang="en-US" sz="2500" b="1" dirty="0" smtClean="0">
+              <a:rPr lang="ko-KR" altLang="en-US" sz="2500" b="1" dirty="0">
                 <a:solidFill>
                   <a:srgbClr val="6BC7BF"/>
                 </a:solidFill>
@@ -5836,7 +5715,7 @@
               <a:t>구현 과정</a:t>
             </a:r>
             <a:r>
-              <a:rPr lang="en-US" altLang="ko-KR" sz="2500" b="1" dirty="0" smtClean="0">
+              <a:rPr lang="en-US" altLang="ko-KR" sz="2500" b="1" dirty="0">
                 <a:solidFill>
                   <a:srgbClr val="6BC7BF"/>
                 </a:solidFill>
@@ -5846,7 +5725,7 @@
               <a:t> – </a:t>
             </a:r>
             <a:r>
-              <a:rPr lang="ko-KR" altLang="en-US" sz="2500" b="1" dirty="0" smtClean="0">
+              <a:rPr lang="ko-KR" altLang="en-US" sz="2500" b="1" dirty="0">
                 <a:solidFill>
                   <a:srgbClr val="6BC7BF"/>
                 </a:solidFill>
@@ -5855,13 +5734,6 @@
               </a:rPr>
               <a:t>프로그램 구조</a:t>
             </a:r>
-            <a:endParaRPr lang="ko-KR" altLang="en-US" sz="2500" b="1" dirty="0">
-              <a:solidFill>
-                <a:srgbClr val="6BC7BF"/>
-              </a:solidFill>
-              <a:latin typeface="jalnan" pitchFamily="50" charset="-127"/>
-              <a:ea typeface="jalnan" pitchFamily="50" charset="-127"/>
-            </a:endParaRPr>
           </a:p>
         </p:txBody>
       </p:sp>
@@ -5911,7 +5783,7 @@
           <a:lstStyle/>
           <a:p>
             <a:r>
-              <a:rPr lang="ko-KR" altLang="en-US" b="1" dirty="0" smtClean="0">
+              <a:rPr lang="ko-KR" altLang="en-US" b="1" dirty="0">
                 <a:solidFill>
                   <a:schemeClr val="tx1">
                     <a:lumMod val="75000"/>
@@ -5921,20 +5793,7 @@
                 <a:latin typeface="jalnan" pitchFamily="50" charset="-127"/>
                 <a:ea typeface="jalnan" pitchFamily="50" charset="-127"/>
               </a:rPr>
-              <a:t>프로그램 </a:t>
-            </a:r>
-            <a:r>
-              <a:rPr lang="ko-KR" altLang="en-US" b="1" dirty="0">
-                <a:solidFill>
-                  <a:schemeClr val="tx1">
-                    <a:lumMod val="75000"/>
-                    <a:lumOff val="25000"/>
-                  </a:schemeClr>
-                </a:solidFill>
-                <a:latin typeface="jalnan" pitchFamily="50" charset="-127"/>
-                <a:ea typeface="jalnan" pitchFamily="50" charset="-127"/>
-              </a:rPr>
-              <a:t>구조를 </a:t>
+              <a:t>프로그램 구조를 </a:t>
             </a:r>
             <a:r>
               <a:rPr lang="en-US" altLang="ko-KR" sz="2000" b="1" dirty="0">
@@ -6354,7 +6213,7 @@
           <a:lstStyle/>
           <a:p>
             <a:r>
-              <a:rPr lang="en-US" altLang="ko-KR" sz="2400" dirty="0" smtClean="0">
+              <a:rPr lang="en-US" altLang="ko-KR" sz="2400" dirty="0">
                 <a:solidFill>
                   <a:srgbClr val="6BC8C0"/>
                 </a:solidFill>
@@ -6364,7 +6223,7 @@
               <a:t>V</a:t>
             </a:r>
             <a:r>
-              <a:rPr lang="en-US" altLang="ko-KR" dirty="0" smtClean="0">
+              <a:rPr lang="en-US" altLang="ko-KR" dirty="0">
                 <a:solidFill>
                   <a:srgbClr val="6BC8C0"/>
                 </a:solidFill>
@@ -6406,7 +6265,7 @@
           <a:lstStyle/>
           <a:p>
             <a:r>
-              <a:rPr lang="en-US" altLang="ko-KR" sz="2400" dirty="0" smtClean="0">
+              <a:rPr lang="en-US" altLang="ko-KR" sz="2400" dirty="0">
                 <a:solidFill>
                   <a:srgbClr val="6BC8C0"/>
                 </a:solidFill>
@@ -6416,7 +6275,7 @@
               <a:t>M</a:t>
             </a:r>
             <a:r>
-              <a:rPr lang="en-US" altLang="ko-KR" dirty="0" smtClean="0">
+              <a:rPr lang="en-US" altLang="ko-KR" dirty="0">
                 <a:solidFill>
                   <a:srgbClr val="6BC8C0"/>
                 </a:solidFill>
@@ -6458,7 +6317,7 @@
           <a:lstStyle/>
           <a:p>
             <a:r>
-              <a:rPr lang="en-US" altLang="ko-KR" sz="2400" dirty="0" smtClean="0">
+              <a:rPr lang="en-US" altLang="ko-KR" sz="2400" dirty="0">
                 <a:solidFill>
                   <a:srgbClr val="6BC8C0"/>
                 </a:solidFill>
@@ -6468,7 +6327,7 @@
               <a:t>C</a:t>
             </a:r>
             <a:r>
-              <a:rPr lang="en-US" altLang="ko-KR" dirty="0" smtClean="0">
+              <a:rPr lang="en-US" altLang="ko-KR" dirty="0">
                 <a:solidFill>
                   <a:srgbClr val="6BC8C0"/>
                 </a:solidFill>
@@ -6605,15 +6464,15 @@
           </a:lstStyle>
           <a:p>
             <a:r>
-              <a:rPr lang="ko-KR" altLang="en-US" sz="1000" smtClean="0"/>
+              <a:rPr lang="ko-KR" altLang="en-US" sz="1000"/>
               <a:t>국내 여행 스마트 예매 시스템 </a:t>
             </a:r>
             <a:r>
-              <a:rPr lang="en-US" altLang="ko-KR" sz="1000" smtClean="0"/>
+              <a:rPr lang="en-US" altLang="ko-KR" sz="1000"/>
               <a:t>- </a:t>
             </a:r>
             <a:r>
-              <a:rPr lang="ko-KR" altLang="en-US" sz="1000" smtClean="0"/>
+              <a:rPr lang="ko-KR" altLang="en-US" sz="1000"/>
               <a:t>가보자</a:t>
             </a:r>
             <a:endParaRPr lang="ko-KR" altLang="en-US" sz="1000" dirty="0"/>
@@ -6630,13 +6489,6 @@
   <p:clrMapOvr>
     <a:masterClrMapping/>
   </p:clrMapOvr>
-  <p:timing>
-    <p:tnLst>
-      <p:par>
-        <p:cTn id="1" dur="indefinite" restart="never" nodeType="tmRoot"/>
-      </p:par>
-    </p:tnLst>
-  </p:timing>
 </p:sld>
 </file>
 
@@ -6717,7 +6569,7 @@
           <a:p>
             <a:pPr algn="ctr"/>
             <a:r>
-              <a:rPr lang="ko-KR" altLang="en-US" sz="2500" b="1" dirty="0" smtClean="0">
+              <a:rPr lang="ko-KR" altLang="en-US" sz="2500" b="1" dirty="0">
                 <a:solidFill>
                   <a:srgbClr val="6BC7BF"/>
                 </a:solidFill>
@@ -6734,35 +6586,18 @@
                 <a:latin typeface="jalnan" pitchFamily="50" charset="-127"/>
                 <a:ea typeface="jalnan" pitchFamily="50" charset="-127"/>
               </a:rPr>
-              <a:t> </a:t>
-            </a:r>
-            <a:r>
-              <a:rPr lang="en-US" altLang="ko-KR" sz="2500" b="1" dirty="0" smtClean="0">
+              <a:t> - </a:t>
+            </a:r>
+            <a:r>
+              <a:rPr lang="ko-KR" altLang="en-US" sz="2500" b="1" dirty="0">
                 <a:solidFill>
                   <a:srgbClr val="6BC7BF"/>
                 </a:solidFill>
                 <a:latin typeface="jalnan" pitchFamily="50" charset="-127"/>
                 <a:ea typeface="jalnan" pitchFamily="50" charset="-127"/>
               </a:rPr>
-              <a:t>- </a:t>
-            </a:r>
-            <a:r>
-              <a:rPr lang="ko-KR" altLang="en-US" sz="2500" b="1" dirty="0" smtClean="0">
-                <a:solidFill>
-                  <a:srgbClr val="6BC7BF"/>
-                </a:solidFill>
-                <a:latin typeface="jalnan" pitchFamily="50" charset="-127"/>
-                <a:ea typeface="jalnan" pitchFamily="50" charset="-127"/>
-              </a:rPr>
               <a:t>역할분담</a:t>
             </a:r>
-            <a:endParaRPr lang="ko-KR" altLang="en-US" sz="2500" b="1" dirty="0">
-              <a:solidFill>
-                <a:srgbClr val="6BC7BF"/>
-              </a:solidFill>
-              <a:latin typeface="jalnan" pitchFamily="50" charset="-127"/>
-              <a:ea typeface="jalnan" pitchFamily="50" charset="-127"/>
-            </a:endParaRPr>
           </a:p>
         </p:txBody>
       </p:sp>
@@ -7258,10 +7093,10 @@
                 <a:latin typeface="jalnan" pitchFamily="50" charset="-127"/>
                 <a:ea typeface="jalnan" pitchFamily="50" charset="-127"/>
               </a:rPr>
-              <a:t>객체지향적 </a:t>
-            </a:r>
-            <a:r>
-              <a:rPr lang="ko-KR" altLang="en-US" b="1" dirty="0" smtClean="0">
+              <a:t>객체지향적 클래스 구현을 </a:t>
+            </a:r>
+            <a:r>
+              <a:rPr lang="ko-KR" altLang="en-US" b="1" dirty="0" err="1">
                 <a:solidFill>
                   <a:schemeClr val="tx1">
                     <a:lumMod val="75000"/>
@@ -7271,10 +7106,10 @@
                 <a:latin typeface="jalnan" pitchFamily="50" charset="-127"/>
                 <a:ea typeface="jalnan" pitchFamily="50" charset="-127"/>
               </a:rPr>
-              <a:t>클래스 구현을 </a:t>
-            </a:r>
-            <a:r>
-              <a:rPr lang="ko-KR" altLang="en-US" b="1" dirty="0" err="1">
+              <a:t>연습하기위해</a:t>
+            </a:r>
+            <a:r>
+              <a:rPr lang="ko-KR" altLang="en-US" b="1" dirty="0">
                 <a:solidFill>
                   <a:schemeClr val="tx1">
                     <a:lumMod val="75000"/>
@@ -7284,61 +7119,9 @@
                 <a:latin typeface="jalnan" pitchFamily="50" charset="-127"/>
                 <a:ea typeface="jalnan" pitchFamily="50" charset="-127"/>
               </a:rPr>
-              <a:t>연습하기위해</a:t>
-            </a:r>
-            <a:r>
-              <a:rPr lang="ko-KR" altLang="en-US" b="1" dirty="0">
-                <a:solidFill>
-                  <a:schemeClr val="tx1">
-                    <a:lumMod val="75000"/>
-                    <a:lumOff val="25000"/>
-                  </a:schemeClr>
-                </a:solidFill>
-                <a:latin typeface="jalnan" pitchFamily="50" charset="-127"/>
-                <a:ea typeface="jalnan" pitchFamily="50" charset="-127"/>
-              </a:rPr>
-              <a:t> </a:t>
-            </a:r>
-            <a:r>
-              <a:rPr lang="ko-KR" altLang="en-US" b="1" dirty="0" smtClean="0">
-                <a:solidFill>
-                  <a:schemeClr val="tx1">
-                    <a:lumMod val="75000"/>
-                    <a:lumOff val="25000"/>
-                  </a:schemeClr>
-                </a:solidFill>
-                <a:latin typeface="jalnan" pitchFamily="50" charset="-127"/>
-                <a:ea typeface="jalnan" pitchFamily="50" charset="-127"/>
-              </a:rPr>
-              <a:t>각자 </a:t>
-            </a:r>
-            <a:r>
-              <a:rPr lang="ko-KR" altLang="en-US" b="1" dirty="0">
-                <a:solidFill>
-                  <a:schemeClr val="tx1">
-                    <a:lumMod val="75000"/>
-                    <a:lumOff val="25000"/>
-                  </a:schemeClr>
-                </a:solidFill>
-                <a:latin typeface="jalnan" pitchFamily="50" charset="-127"/>
-                <a:ea typeface="jalnan" pitchFamily="50" charset="-127"/>
-              </a:rPr>
-              <a:t>클래스를 </a:t>
-            </a:r>
-            <a:r>
-              <a:rPr lang="ko-KR" altLang="en-US" b="1" dirty="0" smtClean="0">
-                <a:solidFill>
-                  <a:schemeClr val="tx1">
-                    <a:lumMod val="75000"/>
-                    <a:lumOff val="25000"/>
-                  </a:schemeClr>
-                </a:solidFill>
-                <a:latin typeface="jalnan" pitchFamily="50" charset="-127"/>
-                <a:ea typeface="jalnan" pitchFamily="50" charset="-127"/>
-              </a:rPr>
-              <a:t>맡아서 기능 구현</a:t>
-            </a:r>
-            <a:endParaRPr lang="en-US" altLang="ko-KR" b="1" dirty="0" smtClean="0">
+              <a:t> 각자 클래스를 맡아서 기능 구현</a:t>
+            </a:r>
+            <a:endParaRPr lang="en-US" altLang="ko-KR" b="1" dirty="0">
               <a:solidFill>
                 <a:schemeClr val="tx1">
                   <a:lumMod val="75000"/>
@@ -7359,7 +7142,7 @@
               </a:spcBef>
             </a:pPr>
             <a:r>
-              <a:rPr lang="en-US" altLang="ko-KR" b="1" dirty="0" smtClean="0">
+              <a:rPr lang="en-US" altLang="ko-KR" b="1" dirty="0">
                 <a:solidFill>
                   <a:schemeClr val="tx1">
                     <a:lumMod val="75000"/>
@@ -7372,7 +7155,7 @@
               <a:t>=&gt; </a:t>
             </a:r>
             <a:r>
-              <a:rPr lang="ko-KR" altLang="en-US" b="1" dirty="0" smtClean="0">
+              <a:rPr lang="ko-KR" altLang="en-US" b="1" dirty="0">
                 <a:solidFill>
                   <a:schemeClr val="tx1">
                     <a:lumMod val="75000"/>
@@ -7382,20 +7165,7 @@
                 <a:latin typeface="jalnan" pitchFamily="50" charset="-127"/>
                 <a:ea typeface="jalnan" pitchFamily="50" charset="-127"/>
               </a:rPr>
-              <a:t>최종적으로 </a:t>
-            </a:r>
-            <a:r>
-              <a:rPr lang="ko-KR" altLang="en-US" b="1" dirty="0">
-                <a:solidFill>
-                  <a:schemeClr val="tx1">
-                    <a:lumMod val="75000"/>
-                    <a:lumOff val="25000"/>
-                  </a:schemeClr>
-                </a:solidFill>
-                <a:latin typeface="jalnan" pitchFamily="50" charset="-127"/>
-                <a:ea typeface="jalnan" pitchFamily="50" charset="-127"/>
-              </a:rPr>
-              <a:t>통합</a:t>
+              <a:t>최종적으로 통합</a:t>
             </a:r>
             <a:endParaRPr lang="ko-KR" altLang="en-US" dirty="0">
               <a:solidFill>
@@ -7431,18 +7201,17 @@
           <a:lstStyle/>
           <a:p>
             <a:r>
-              <a:rPr lang="ko-KR" altLang="en-US" sz="1000" dirty="0" smtClean="0"/>
+              <a:rPr lang="ko-KR" altLang="en-US" sz="1000" dirty="0"/>
               <a:t>국내 여행 스마트 예매 시스템 </a:t>
             </a:r>
             <a:r>
-              <a:rPr lang="en-US" altLang="ko-KR" sz="1000" dirty="0" smtClean="0"/>
+              <a:rPr lang="en-US" altLang="ko-KR" sz="1000" dirty="0"/>
               <a:t>- </a:t>
             </a:r>
             <a:r>
-              <a:rPr lang="ko-KR" altLang="en-US" sz="1000" dirty="0" smtClean="0"/>
+              <a:rPr lang="ko-KR" altLang="en-US" sz="1000" dirty="0"/>
               <a:t>가보자</a:t>
             </a:r>
-            <a:endParaRPr lang="ko-KR" altLang="en-US" sz="1000" dirty="0"/>
           </a:p>
         </p:txBody>
       </p:sp>
@@ -7456,13 +7225,6 @@
   <p:clrMapOvr>
     <a:masterClrMapping/>
   </p:clrMapOvr>
-  <p:timing>
-    <p:tnLst>
-      <p:par>
-        <p:cTn id="1" dur="indefinite" restart="never" nodeType="tmRoot"/>
-      </p:par>
-    </p:tnLst>
-  </p:timing>
 </p:sld>
 </file>
 
@@ -7543,7 +7305,7 @@
           <a:p>
             <a:pPr algn="ctr"/>
             <a:r>
-              <a:rPr lang="ko-KR" altLang="en-US" sz="2500" b="1" dirty="0" smtClean="0">
+              <a:rPr lang="ko-KR" altLang="en-US" sz="2500" b="1" dirty="0">
                 <a:solidFill>
                   <a:srgbClr val="6BC7BF"/>
                 </a:solidFill>
@@ -7553,7 +7315,7 @@
               <a:t>구현 내용 </a:t>
             </a:r>
             <a:r>
-              <a:rPr lang="en-US" altLang="ko-KR" sz="2500" b="1" dirty="0" smtClean="0">
+              <a:rPr lang="en-US" altLang="ko-KR" sz="2500" b="1" dirty="0">
                 <a:solidFill>
                   <a:srgbClr val="6BC7BF"/>
                 </a:solidFill>
@@ -7563,7 +7325,7 @@
               <a:t>( </a:t>
             </a:r>
             <a:r>
-              <a:rPr lang="ko-KR" altLang="en-US" sz="2500" b="1" dirty="0" smtClean="0">
+              <a:rPr lang="ko-KR" altLang="en-US" sz="2500" b="1" dirty="0">
                 <a:solidFill>
                   <a:srgbClr val="6BC7BF"/>
                 </a:solidFill>
@@ -7573,7 +7335,7 @@
               <a:t>시연 영상</a:t>
             </a:r>
             <a:r>
-              <a:rPr lang="en-US" altLang="ko-KR" sz="2500" b="1" dirty="0" smtClean="0">
+              <a:rPr lang="en-US" altLang="ko-KR" sz="2500" b="1" dirty="0">
                 <a:solidFill>
                   <a:srgbClr val="6BC7BF"/>
                 </a:solidFill>
@@ -7684,7 +7446,7 @@
               </a:rPr>
               <a:t> 회원가입-&gt;로그인</a:t>
             </a:r>
-            <a:endParaRPr lang="ko-KR" altLang="en-US" sz="2800" b="1" dirty="0">
+            <a:endParaRPr lang="en-US" altLang="ko-KR" sz="2800" b="1" dirty="0">
               <a:latin typeface="jalnan" pitchFamily="50" charset="-127"/>
               <a:ea typeface="jalnan" pitchFamily="50" charset="-127"/>
             </a:endParaRPr>
@@ -7704,16 +7466,12 @@
               <a:buChar char="•"/>
             </a:pPr>
             <a:r>
-              <a:rPr lang="ko-KR" sz="2800" b="1" dirty="0">
-                <a:latin typeface="jalnan" pitchFamily="50" charset="-127"/>
-                <a:ea typeface="jalnan" pitchFamily="50" charset="-127"/>
-              </a:rPr>
-              <a:t> 예매하기-&gt;출발지 목적지 선택</a:t>
-            </a:r>
-            <a:endParaRPr lang="ko-KR" altLang="en-US" sz="2800" b="1" dirty="0">
-              <a:latin typeface="jalnan" pitchFamily="50" charset="-127"/>
-              <a:ea typeface="jalnan" pitchFamily="50" charset="-127"/>
-            </a:endParaRPr>
+              <a:rPr lang="ko-KR" altLang="en-US" sz="2800" b="1" dirty="0">
+                <a:latin typeface="jalnan" pitchFamily="50" charset="-127"/>
+                <a:ea typeface="jalnan" pitchFamily="50" charset="-127"/>
+              </a:rPr>
+              <a:t> 회원정보 수정</a:t>
+            </a:r>
           </a:p>
           <a:p>
             <a:pPr marL="228600" indent="-228600" defTabSz="914400" eaLnBrk="1" latinLnBrk="1" hangingPunct="1">
@@ -7734,7 +7492,7 @@
                 <a:latin typeface="jalnan" pitchFamily="50" charset="-127"/>
                 <a:ea typeface="jalnan" pitchFamily="50" charset="-127"/>
               </a:rPr>
-              <a:t> 결제하기-&gt;DB에 연동</a:t>
+              <a:t> 예매하기-&gt;출발지 목적지 선택</a:t>
             </a:r>
             <a:endParaRPr lang="ko-KR" altLang="en-US" sz="2800" b="1" dirty="0">
               <a:latin typeface="jalnan" pitchFamily="50" charset="-127"/>
@@ -7760,7 +7518,7 @@
                 <a:latin typeface="jalnan" pitchFamily="50" charset="-127"/>
                 <a:ea typeface="jalnan" pitchFamily="50" charset="-127"/>
               </a:rPr>
-              <a:t> 예매내용 확인 </a:t>
+              <a:t> 결제하기-&gt;DB에 연동</a:t>
             </a:r>
             <a:endParaRPr lang="ko-KR" altLang="en-US" sz="2800" b="1" dirty="0">
               <a:latin typeface="jalnan" pitchFamily="50" charset="-127"/>
@@ -7786,7 +7544,7 @@
                 <a:latin typeface="jalnan" pitchFamily="50" charset="-127"/>
                 <a:ea typeface="jalnan" pitchFamily="50" charset="-127"/>
               </a:rPr>
-              <a:t> 예매취소</a:t>
+              <a:t> 예매내용 확인 </a:t>
             </a:r>
             <a:endParaRPr lang="ko-KR" altLang="en-US" sz="2800" b="1" dirty="0">
               <a:latin typeface="jalnan" pitchFamily="50" charset="-127"/>
@@ -7812,7 +7570,7 @@
                 <a:latin typeface="jalnan" pitchFamily="50" charset="-127"/>
                 <a:ea typeface="jalnan" pitchFamily="50" charset="-127"/>
               </a:rPr>
-              <a:t> 회원정보 수정</a:t>
+              <a:t> 예매취소</a:t>
             </a:r>
             <a:endParaRPr lang="ko-KR" altLang="en-US" sz="2800" b="1" dirty="0">
               <a:latin typeface="jalnan" pitchFamily="50" charset="-127"/>
@@ -7820,7 +7578,7 @@
             </a:endParaRPr>
           </a:p>
           <a:p>
-            <a:pPr marL="228600" indent="-228600" defTabSz="914400" eaLnBrk="1" latinLnBrk="1" hangingPunct="1">
+            <a:pPr marL="0" indent="0" defTabSz="914400" eaLnBrk="1" latinLnBrk="1" hangingPunct="1">
               <a:lnSpc>
                 <a:spcPct val="90000"/>
               </a:lnSpc>
@@ -7830,16 +7588,8 @@
               <a:spcAft>
                 <a:spcPts val="0"/>
               </a:spcAft>
-              <a:buFont typeface="Arial"/>
-              <a:buChar char="•"/>
+              <a:buNone/>
             </a:pPr>
-            <a:r>
-              <a:rPr lang="ko-KR" sz="2800" b="1" dirty="0">
-                <a:latin typeface="jalnan" pitchFamily="50" charset="-127"/>
-                <a:ea typeface="jalnan" pitchFamily="50" charset="-127"/>
-              </a:rPr>
-              <a:t> 회원탈퇴</a:t>
-            </a:r>
             <a:endParaRPr lang="ko-KR" altLang="en-US" sz="2800" b="1" dirty="0">
               <a:latin typeface="jalnan" pitchFamily="50" charset="-127"/>
               <a:ea typeface="jalnan" pitchFamily="50" charset="-127"/>
@@ -7887,18 +7637,17 @@
           <a:lstStyle/>
           <a:p>
             <a:r>
-              <a:rPr lang="ko-KR" altLang="en-US" sz="1000" dirty="0" smtClean="0"/>
+              <a:rPr lang="ko-KR" altLang="en-US" sz="1000" dirty="0"/>
               <a:t>국내 여행 스마트 예매 시스템 </a:t>
             </a:r>
             <a:r>
-              <a:rPr lang="en-US" altLang="ko-KR" sz="1000" dirty="0" smtClean="0"/>
+              <a:rPr lang="en-US" altLang="ko-KR" sz="1000" dirty="0"/>
               <a:t>- </a:t>
             </a:r>
             <a:r>
-              <a:rPr lang="ko-KR" altLang="en-US" sz="1000" dirty="0" smtClean="0"/>
+              <a:rPr lang="ko-KR" altLang="en-US" sz="1000" dirty="0"/>
               <a:t>가보자</a:t>
             </a:r>
-            <a:endParaRPr lang="ko-KR" altLang="en-US" sz="1000" dirty="0"/>
           </a:p>
         </p:txBody>
       </p:sp>
@@ -7912,13 +7661,6 @@
   <p:clrMapOvr>
     <a:masterClrMapping/>
   </p:clrMapOvr>
-  <p:timing>
-    <p:tnLst>
-      <p:par>
-        <p:cTn id="1" dur="indefinite" restart="never" nodeType="tmRoot"/>
-      </p:par>
-    </p:tnLst>
-  </p:timing>
 </p:sld>
 </file>
 
@@ -7999,7 +7741,7 @@
           <a:p>
             <a:pPr algn="ctr"/>
             <a:r>
-              <a:rPr lang="ko-KR" altLang="en-US" sz="2500" b="1" dirty="0" smtClean="0">
+              <a:rPr lang="ko-KR" altLang="en-US" sz="2500" b="1" dirty="0">
                 <a:solidFill>
                   <a:srgbClr val="6BC7BF"/>
                 </a:solidFill>
@@ -8008,13 +7750,6 @@
               </a:rPr>
               <a:t>기대 효과</a:t>
             </a:r>
-            <a:endParaRPr lang="ko-KR" altLang="en-US" sz="2500" b="1" dirty="0">
-              <a:solidFill>
-                <a:srgbClr val="6BC7BF"/>
-              </a:solidFill>
-              <a:latin typeface="jalnan" pitchFamily="50" charset="-127"/>
-              <a:ea typeface="jalnan" pitchFamily="50" charset="-127"/>
-            </a:endParaRPr>
           </a:p>
         </p:txBody>
       </p:sp>
@@ -8067,32 +7802,25 @@
               </a:spcBef>
             </a:pPr>
             <a:r>
-              <a:rPr lang="ko-KR" altLang="en-US" sz="2800" b="1" dirty="0" smtClean="0">
+              <a:rPr lang="ko-KR" altLang="en-US" sz="2800" b="1" dirty="0">
                 <a:latin typeface="jalnan" pitchFamily="50" charset="-127"/>
                 <a:ea typeface="jalnan" pitchFamily="50" charset="-127"/>
               </a:rPr>
               <a:t> </a:t>
             </a:r>
             <a:r>
-              <a:rPr lang="en-US" altLang="ko-KR" sz="2800" b="1" dirty="0" smtClean="0">
+              <a:rPr lang="en-US" altLang="ko-KR" sz="2800" b="1" dirty="0">
                 <a:latin typeface="jalnan" pitchFamily="50" charset="-127"/>
                 <a:ea typeface="jalnan" pitchFamily="50" charset="-127"/>
               </a:rPr>
               <a:t>-&gt; </a:t>
             </a:r>
             <a:r>
-              <a:rPr lang="ko-KR" altLang="en-US" sz="2800" b="1" dirty="0" smtClean="0">
-                <a:latin typeface="jalnan" pitchFamily="50" charset="-127"/>
-                <a:ea typeface="jalnan" pitchFamily="50" charset="-127"/>
-              </a:rPr>
-              <a:t>산업관광지 </a:t>
-            </a:r>
-            <a:r>
               <a:rPr lang="ko-KR" altLang="en-US" sz="2800" b="1" dirty="0">
                 <a:latin typeface="jalnan" pitchFamily="50" charset="-127"/>
                 <a:ea typeface="jalnan" pitchFamily="50" charset="-127"/>
               </a:rPr>
-              <a:t>활성화</a:t>
+              <a:t>산업관광지 활성화</a:t>
             </a:r>
           </a:p>
           <a:p>
@@ -8104,7 +7832,7 @@
                 <a:spcPts val="1000"/>
               </a:spcBef>
             </a:pPr>
-            <a:endParaRPr lang="en-US" altLang="ko-KR" sz="2800" b="1" dirty="0" smtClean="0">
+            <a:endParaRPr lang="en-US" altLang="ko-KR" sz="2800" b="1" dirty="0">
               <a:latin typeface="jalnan" pitchFamily="50" charset="-127"/>
               <a:ea typeface="jalnan" pitchFamily="50" charset="-127"/>
             </a:endParaRPr>
@@ -8152,32 +7880,25 @@
               </a:spcBef>
             </a:pPr>
             <a:r>
-              <a:rPr lang="ko-KR" altLang="en-US" sz="2800" b="1" dirty="0" smtClean="0">
+              <a:rPr lang="ko-KR" altLang="en-US" sz="2800" b="1" dirty="0">
                 <a:latin typeface="jalnan" pitchFamily="50" charset="-127"/>
                 <a:ea typeface="jalnan" pitchFamily="50" charset="-127"/>
               </a:rPr>
               <a:t> </a:t>
             </a:r>
             <a:r>
-              <a:rPr lang="en-US" altLang="ko-KR" sz="2800" b="1" dirty="0" smtClean="0">
+              <a:rPr lang="en-US" altLang="ko-KR" sz="2800" b="1" dirty="0">
                 <a:latin typeface="jalnan" pitchFamily="50" charset="-127"/>
                 <a:ea typeface="jalnan" pitchFamily="50" charset="-127"/>
               </a:rPr>
               <a:t>-&gt;</a:t>
             </a:r>
             <a:r>
-              <a:rPr lang="ko-KR" altLang="en-US" sz="2800" b="1" dirty="0" smtClean="0">
-                <a:latin typeface="jalnan" pitchFamily="50" charset="-127"/>
-                <a:ea typeface="jalnan" pitchFamily="50" charset="-127"/>
-              </a:rPr>
-              <a:t> 여행자들에게 </a:t>
-            </a:r>
-            <a:r>
               <a:rPr lang="ko-KR" altLang="en-US" sz="2800" b="1" dirty="0">
                 <a:latin typeface="jalnan" pitchFamily="50" charset="-127"/>
                 <a:ea typeface="jalnan" pitchFamily="50" charset="-127"/>
               </a:rPr>
-              <a:t>편의제공</a:t>
+              <a:t> 여행자들에게 편의제공</a:t>
             </a:r>
           </a:p>
           <a:p>
@@ -8203,10 +7924,6 @@
               </a:rPr>
               <a:t>                                        </a:t>
             </a:r>
-            <a:endParaRPr lang="ko-KR" altLang="en-US" sz="2800" b="1" dirty="0">
-              <a:latin typeface="맑은 고딕" charset="0"/>
-              <a:ea typeface="맑은 고딕" charset="0"/>
-            </a:endParaRPr>
           </a:p>
         </p:txBody>
       </p:sp>
@@ -8231,18 +7948,17 @@
           <a:lstStyle/>
           <a:p>
             <a:r>
-              <a:rPr lang="ko-KR" altLang="en-US" sz="1000" dirty="0" smtClean="0"/>
+              <a:rPr lang="ko-KR" altLang="en-US" sz="1000" dirty="0"/>
               <a:t>국내 여행 스마트 예매 시스템 </a:t>
             </a:r>
             <a:r>
-              <a:rPr lang="en-US" altLang="ko-KR" sz="1000" dirty="0" smtClean="0"/>
+              <a:rPr lang="en-US" altLang="ko-KR" sz="1000" dirty="0"/>
               <a:t>- </a:t>
             </a:r>
             <a:r>
-              <a:rPr lang="ko-KR" altLang="en-US" sz="1000" dirty="0" smtClean="0"/>
+              <a:rPr lang="ko-KR" altLang="en-US" sz="1000" dirty="0"/>
               <a:t>가보자</a:t>
             </a:r>
-            <a:endParaRPr lang="ko-KR" altLang="en-US" sz="1000" dirty="0"/>
           </a:p>
         </p:txBody>
       </p:sp>
@@ -8256,13 +7972,6 @@
   <p:clrMapOvr>
     <a:masterClrMapping/>
   </p:clrMapOvr>
-  <p:timing>
-    <p:tnLst>
-      <p:par>
-        <p:cTn id="1" dur="indefinite" restart="never" nodeType="tmRoot"/>
-      </p:par>
-    </p:tnLst>
-  </p:timing>
 </p:sld>
 </file>
 
@@ -8343,7 +8052,7 @@
           <a:p>
             <a:pPr algn="just"/>
             <a:r>
-              <a:rPr lang="ko-KR" altLang="en-US" sz="2500" b="1" dirty="0" smtClean="0">
+              <a:rPr lang="ko-KR" altLang="en-US" sz="2500" b="1" dirty="0">
                 <a:solidFill>
                   <a:srgbClr val="6BC8C0"/>
                 </a:solidFill>
@@ -8352,13 +8061,6 @@
               </a:rPr>
               <a:t>마무리</a:t>
             </a:r>
-            <a:endParaRPr lang="ko-KR" altLang="en-US" sz="2500" b="1" dirty="0">
-              <a:solidFill>
-                <a:srgbClr val="6BC8C0"/>
-              </a:solidFill>
-              <a:latin typeface="jalnan" pitchFamily="50" charset="-127"/>
-              <a:ea typeface="jalnan" pitchFamily="50" charset="-127"/>
-            </a:endParaRPr>
           </a:p>
         </p:txBody>
       </p:sp>
@@ -8385,7 +8087,7 @@
           <a:p>
             <a:pPr algn="just"/>
             <a:r>
-              <a:rPr lang="ko-KR" altLang="en-US" dirty="0" smtClean="0">
+              <a:rPr lang="ko-KR" altLang="en-US" dirty="0">
                 <a:solidFill>
                   <a:srgbClr val="6BC8C0"/>
                 </a:solidFill>
@@ -8394,13 +8096,6 @@
               </a:rPr>
               <a:t>아쉬운 점</a:t>
             </a:r>
-            <a:endParaRPr lang="ko-KR" altLang="en-US" dirty="0">
-              <a:solidFill>
-                <a:srgbClr val="6BC8C0"/>
-              </a:solidFill>
-              <a:latin typeface="jalnan" pitchFamily="50" charset="-127"/>
-              <a:ea typeface="jalnan" pitchFamily="50" charset="-127"/>
-            </a:endParaRPr>
           </a:p>
         </p:txBody>
       </p:sp>
@@ -8426,7 +8121,7 @@
           <a:lstStyle/>
           <a:p>
             <a:r>
-              <a:rPr lang="ko-KR" altLang="en-US" dirty="0" smtClean="0">
+              <a:rPr lang="ko-KR" altLang="en-US" dirty="0">
                 <a:solidFill>
                   <a:srgbClr val="6BC8C0"/>
                 </a:solidFill>
@@ -8435,13 +8130,6 @@
               </a:rPr>
               <a:t>프로젝트 소감</a:t>
             </a:r>
-            <a:endParaRPr lang="ko-KR" altLang="en-US" dirty="0">
-              <a:solidFill>
-                <a:srgbClr val="6BC8C0"/>
-              </a:solidFill>
-              <a:latin typeface="jalnan" pitchFamily="50" charset="-127"/>
-              <a:ea typeface="jalnan" pitchFamily="50" charset="-127"/>
-            </a:endParaRPr>
           </a:p>
         </p:txBody>
       </p:sp>
@@ -8476,13 +8164,13 @@
               </a:spcBef>
             </a:pPr>
             <a:r>
-              <a:rPr lang="ko-KR" altLang="en-US" dirty="0" smtClean="0">
+              <a:rPr lang="ko-KR" altLang="en-US" dirty="0">
                 <a:latin typeface="jalnan" pitchFamily="50" charset="-127"/>
                 <a:ea typeface="jalnan" pitchFamily="50" charset="-127"/>
               </a:rPr>
               <a:t>시스템의 세부적인 요소 수정</a:t>
             </a:r>
-            <a:endParaRPr lang="en-US" altLang="ko-KR" dirty="0" smtClean="0">
+            <a:endParaRPr lang="en-US" altLang="ko-KR" dirty="0">
               <a:latin typeface="jalnan" pitchFamily="50" charset="-127"/>
               <a:ea typeface="jalnan" pitchFamily="50" charset="-127"/>
             </a:endParaRPr>
@@ -8497,7 +8185,7 @@
               </a:spcBef>
             </a:pPr>
             <a:r>
-              <a:rPr lang="en-US" altLang="ko-KR" dirty="0" smtClean="0">
+              <a:rPr lang="en-US" altLang="ko-KR" dirty="0">
                 <a:latin typeface="jalnan" pitchFamily="50" charset="-127"/>
                 <a:ea typeface="jalnan" pitchFamily="50" charset="-127"/>
               </a:rPr>
@@ -8514,20 +8202,20 @@
               </a:spcBef>
             </a:pPr>
             <a:r>
-              <a:rPr lang="en-US" altLang="ko-KR" dirty="0" smtClean="0">
+              <a:rPr lang="en-US" altLang="ko-KR" dirty="0">
                 <a:latin typeface="jalnan" pitchFamily="50" charset="-127"/>
                 <a:ea typeface="jalnan" pitchFamily="50" charset="-127"/>
               </a:rPr>
               <a:t>Quality</a:t>
             </a:r>
             <a:r>
-              <a:rPr lang="ko-KR" altLang="en-US" dirty="0" smtClean="0">
+              <a:rPr lang="ko-KR" altLang="en-US" dirty="0">
                 <a:latin typeface="jalnan" pitchFamily="50" charset="-127"/>
                 <a:ea typeface="jalnan" pitchFamily="50" charset="-127"/>
               </a:rPr>
               <a:t> 향상</a:t>
             </a:r>
-            <a:endParaRPr lang="en-US" altLang="ko-KR" dirty="0" smtClean="0">
+            <a:endParaRPr lang="en-US" altLang="ko-KR" dirty="0">
               <a:latin typeface="jalnan" pitchFamily="50" charset="-127"/>
               <a:ea typeface="jalnan" pitchFamily="50" charset="-127"/>
             </a:endParaRPr>
@@ -8542,7 +8230,7 @@
               </a:spcBef>
             </a:pPr>
             <a:r>
-              <a:rPr lang="en-US" altLang="ko-KR" dirty="0" smtClean="0">
+              <a:rPr lang="en-US" altLang="ko-KR" dirty="0">
                 <a:latin typeface="jalnan" pitchFamily="50" charset="-127"/>
                 <a:ea typeface="jalnan" pitchFamily="50" charset="-127"/>
               </a:rPr>
@@ -8559,16 +8247,12 @@
               </a:spcBef>
             </a:pPr>
             <a:r>
-              <a:rPr lang="ko-KR" altLang="en-US" dirty="0" smtClean="0">
+              <a:rPr lang="ko-KR" altLang="en-US" dirty="0">
                 <a:latin typeface="jalnan" pitchFamily="50" charset="-127"/>
                 <a:ea typeface="jalnan" pitchFamily="50" charset="-127"/>
               </a:rPr>
               <a:t>시간 부족</a:t>
             </a:r>
-            <a:endParaRPr lang="ko-KR" altLang="en-US" dirty="0">
-              <a:latin typeface="jalnan" pitchFamily="50" charset="-127"/>
-              <a:ea typeface="jalnan" pitchFamily="50" charset="-127"/>
-            </a:endParaRPr>
           </a:p>
         </p:txBody>
       </p:sp>
@@ -8602,13 +8286,13 @@
               </a:spcBef>
             </a:pPr>
             <a:r>
-              <a:rPr lang="ko-KR" altLang="en-US" dirty="0" smtClean="0">
+              <a:rPr lang="ko-KR" altLang="en-US" dirty="0">
                 <a:latin typeface="jalnan" pitchFamily="50" charset="-127"/>
                 <a:ea typeface="jalnan" pitchFamily="50" charset="-127"/>
               </a:rPr>
               <a:t>    실무에서 진행하는 프로젝트처럼</a:t>
             </a:r>
-            <a:endParaRPr lang="en-US" altLang="ko-KR" dirty="0" smtClean="0">
+            <a:endParaRPr lang="en-US" altLang="ko-KR" dirty="0">
               <a:latin typeface="jalnan" pitchFamily="50" charset="-127"/>
               <a:ea typeface="jalnan" pitchFamily="50" charset="-127"/>
             </a:endParaRPr>
@@ -8627,23 +8311,16 @@
                 <a:latin typeface="jalnan" pitchFamily="50" charset="-127"/>
                 <a:ea typeface="jalnan" pitchFamily="50" charset="-127"/>
               </a:rPr>
-              <a:t> </a:t>
-            </a:r>
-            <a:r>
-              <a:rPr lang="en-US" altLang="ko-KR" dirty="0" smtClean="0">
-                <a:latin typeface="jalnan" pitchFamily="50" charset="-127"/>
-                <a:ea typeface="jalnan" pitchFamily="50" charset="-127"/>
-              </a:rPr>
-              <a:t> </a:t>
-            </a:r>
-            <a:r>
-              <a:rPr lang="ko-KR" altLang="en-US" dirty="0" smtClean="0">
+              <a:t>  </a:t>
+            </a:r>
+            <a:r>
+              <a:rPr lang="ko-KR" altLang="en-US" dirty="0">
                 <a:latin typeface="jalnan" pitchFamily="50" charset="-127"/>
                 <a:ea typeface="jalnan" pitchFamily="50" charset="-127"/>
               </a:rPr>
               <a:t> 팀 단위로 역할을 나눠 진행해서 </a:t>
             </a:r>
-            <a:endParaRPr lang="en-US" altLang="ko-KR" dirty="0" smtClean="0">
+            <a:endParaRPr lang="en-US" altLang="ko-KR" dirty="0">
               <a:latin typeface="jalnan" pitchFamily="50" charset="-127"/>
               <a:ea typeface="jalnan" pitchFamily="50" charset="-127"/>
             </a:endParaRPr>
@@ -8662,24 +8339,17 @@
                 <a:latin typeface="jalnan" pitchFamily="50" charset="-127"/>
                 <a:ea typeface="jalnan" pitchFamily="50" charset="-127"/>
               </a:rPr>
-              <a:t> </a:t>
-            </a:r>
-            <a:r>
-              <a:rPr lang="en-US" altLang="ko-KR" dirty="0" smtClean="0">
-                <a:latin typeface="jalnan" pitchFamily="50" charset="-127"/>
-                <a:ea typeface="jalnan" pitchFamily="50" charset="-127"/>
-              </a:rPr>
-              <a:t>  </a:t>
-            </a:r>
-            <a:r>
-              <a:rPr lang="ko-KR" altLang="en-US" dirty="0" smtClean="0">
+              <a:t>   </a:t>
+            </a:r>
+            <a:r>
+              <a:rPr lang="ko-KR" altLang="en-US" dirty="0">
                 <a:latin typeface="jalnan" pitchFamily="50" charset="-127"/>
                 <a:ea typeface="jalnan" pitchFamily="50" charset="-127"/>
               </a:rPr>
               <a:t>좋은 경험이 된 것 같다</a:t>
             </a:r>
             <a:r>
-              <a:rPr lang="en-US" altLang="ko-KR" dirty="0" smtClean="0">
+              <a:rPr lang="en-US" altLang="ko-KR" dirty="0">
                 <a:latin typeface="jalnan" pitchFamily="50" charset="-127"/>
                 <a:ea typeface="jalnan" pitchFamily="50" charset="-127"/>
                 <a:sym typeface="Wingdings" pitchFamily="2" charset="2"/>
@@ -8703,13 +8373,6 @@
   <p:clrMapOvr>
     <a:masterClrMapping/>
   </p:clrMapOvr>
-  <p:timing>
-    <p:tnLst>
-      <p:par>
-        <p:cTn id="1" dur="indefinite" restart="never" nodeType="tmRoot"/>
-      </p:par>
-    </p:tnLst>
-  </p:timing>
 </p:sld>
 </file>
 
@@ -8797,25 +8460,8 @@
                 <a:latin typeface="jalnan" pitchFamily="50" charset="-127"/>
                 <a:ea typeface="jalnan" pitchFamily="50" charset="-127"/>
               </a:rPr>
-              <a:t>팀</a:t>
-            </a:r>
-            <a:r>
-              <a:rPr lang="ko-KR" altLang="en-US" sz="3600" b="1" dirty="0" smtClean="0">
-                <a:solidFill>
-                  <a:srgbClr val="6BC7BF"/>
-                </a:solidFill>
-                <a:latin typeface="jalnan" pitchFamily="50" charset="-127"/>
-                <a:ea typeface="jalnan" pitchFamily="50" charset="-127"/>
-              </a:rPr>
-              <a:t> 소개</a:t>
-            </a:r>
-            <a:endParaRPr lang="ko-KR" altLang="en-US" sz="3600" b="1" dirty="0">
-              <a:solidFill>
-                <a:srgbClr val="6BC7BF"/>
-              </a:solidFill>
-              <a:latin typeface="jalnan" pitchFamily="50" charset="-127"/>
-              <a:ea typeface="jalnan" pitchFamily="50" charset="-127"/>
-            </a:endParaRPr>
+              <a:t>팀 소개</a:t>
+            </a:r>
           </a:p>
         </p:txBody>
       </p:sp>
@@ -8939,378 +8585,6 @@
                 <a:ea typeface="jalnan" pitchFamily="50" charset="-127"/>
               </a:rPr>
               <a:t>천승현</a:t>
-            </a:r>
-            <a:endParaRPr lang="ko-KR" altLang="en-US" dirty="0">
-              <a:solidFill>
-                <a:schemeClr val="tx1">
-                  <a:lumMod val="75000"/>
-                  <a:lumOff val="25000"/>
-                </a:schemeClr>
-              </a:solidFill>
-              <a:latin typeface="jalnan" pitchFamily="50" charset="-127"/>
-              <a:ea typeface="jalnan" pitchFamily="50" charset="-127"/>
-            </a:endParaRPr>
-          </a:p>
-          <a:p>
-            <a:pPr marL="0" indent="0" defTabSz="914400" eaLnBrk="1" latinLnBrk="1" hangingPunct="1">
-              <a:lnSpc>
-                <a:spcPct val="100000"/>
-              </a:lnSpc>
-              <a:spcBef>
-                <a:spcPts val="0"/>
-              </a:spcBef>
-              <a:spcAft>
-                <a:spcPts val="0"/>
-              </a:spcAft>
-              <a:buFontTx/>
-              <a:buNone/>
-            </a:pPr>
-            <a:endParaRPr lang="ko-KR" altLang="en-US" dirty="0" smtClean="0">
-              <a:solidFill>
-                <a:schemeClr val="tx1">
-                  <a:lumMod val="75000"/>
-                  <a:lumOff val="25000"/>
-                </a:schemeClr>
-              </a:solidFill>
-              <a:latin typeface="jalnan" pitchFamily="50" charset="-127"/>
-              <a:ea typeface="jalnan" pitchFamily="50" charset="-127"/>
-            </a:endParaRPr>
-          </a:p>
-          <a:p>
-            <a:pPr marL="254000" indent="-254000">
-              <a:buClr>
-                <a:srgbClr val="000000"/>
-              </a:buClr>
-              <a:buFont typeface="Wingdings"/>
-              <a:buChar char=""/>
-            </a:pPr>
-            <a:r>
-              <a:rPr lang="en-US" altLang="ko-KR" sz="1400" dirty="0" smtClean="0">
-                <a:solidFill>
-                  <a:schemeClr val="tx1">
-                    <a:lumMod val="75000"/>
-                    <a:lumOff val="25000"/>
-                  </a:schemeClr>
-                </a:solidFill>
-                <a:latin typeface="jalnan" pitchFamily="50" charset="-127"/>
-                <a:ea typeface="jalnan" pitchFamily="50" charset="-127"/>
-              </a:rPr>
-              <a:t>DB </a:t>
-            </a:r>
-            <a:r>
-              <a:rPr lang="ko-KR" altLang="en-US" sz="1400" dirty="0" smtClean="0">
-                <a:solidFill>
-                  <a:schemeClr val="tx1">
-                    <a:lumMod val="75000"/>
-                    <a:lumOff val="25000"/>
-                  </a:schemeClr>
-                </a:solidFill>
-                <a:latin typeface="jalnan" pitchFamily="50" charset="-127"/>
-                <a:ea typeface="jalnan" pitchFamily="50" charset="-127"/>
-              </a:rPr>
-              <a:t>기능 총괄</a:t>
-            </a:r>
-            <a:endParaRPr lang="ko-KR" altLang="en-US" sz="2400" dirty="0">
-              <a:solidFill>
-                <a:schemeClr val="tx1">
-                  <a:lumMod val="75000"/>
-                  <a:lumOff val="25000"/>
-                </a:schemeClr>
-              </a:solidFill>
-              <a:latin typeface="jalnan" pitchFamily="50" charset="-127"/>
-              <a:ea typeface="jalnan" pitchFamily="50" charset="-127"/>
-            </a:endParaRPr>
-          </a:p>
-          <a:p>
-            <a:pPr marL="254000" indent="-254000">
-              <a:buClr>
-                <a:srgbClr val="000000"/>
-              </a:buClr>
-              <a:buFont typeface="Wingdings"/>
-              <a:buChar char=""/>
-            </a:pPr>
-            <a:r>
-              <a:rPr lang="en-US" altLang="ko-KR" sz="1400" dirty="0">
-                <a:solidFill>
-                  <a:schemeClr val="tx1">
-                    <a:lumMod val="75000"/>
-                    <a:lumOff val="25000"/>
-                  </a:schemeClr>
-                </a:solidFill>
-                <a:latin typeface="jalnan" pitchFamily="50" charset="-127"/>
-                <a:ea typeface="jalnan" pitchFamily="50" charset="-127"/>
-              </a:rPr>
-              <a:t>DB </a:t>
-            </a:r>
-            <a:r>
-              <a:rPr lang="ko-KR" altLang="en-US" sz="1400" dirty="0" smtClean="0">
-                <a:solidFill>
-                  <a:schemeClr val="tx1">
-                    <a:lumMod val="75000"/>
-                    <a:lumOff val="25000"/>
-                  </a:schemeClr>
-                </a:solidFill>
-                <a:latin typeface="jalnan" pitchFamily="50" charset="-127"/>
-                <a:ea typeface="jalnan" pitchFamily="50" charset="-127"/>
-              </a:rPr>
-              <a:t>설계</a:t>
-            </a:r>
-            <a:endParaRPr lang="en-US" altLang="ko-KR" sz="1400" dirty="0" smtClean="0">
-              <a:solidFill>
-                <a:schemeClr val="tx1">
-                  <a:lumMod val="75000"/>
-                  <a:lumOff val="25000"/>
-                </a:schemeClr>
-              </a:solidFill>
-              <a:latin typeface="jalnan" pitchFamily="50" charset="-127"/>
-              <a:ea typeface="jalnan" pitchFamily="50" charset="-127"/>
-            </a:endParaRPr>
-          </a:p>
-          <a:p>
-            <a:pPr marL="254000" indent="-254000">
-              <a:buClr>
-                <a:srgbClr val="000000"/>
-              </a:buClr>
-              <a:buFont typeface="Wingdings"/>
-              <a:buChar char=""/>
-            </a:pPr>
-            <a:r>
-              <a:rPr lang="en-US" altLang="ko-KR" sz="1400" dirty="0">
-                <a:solidFill>
-                  <a:schemeClr val="tx1">
-                    <a:lumMod val="75000"/>
-                    <a:lumOff val="25000"/>
-                  </a:schemeClr>
-                </a:solidFill>
-                <a:latin typeface="jalnan" pitchFamily="50" charset="-127"/>
-                <a:ea typeface="jalnan" pitchFamily="50" charset="-127"/>
-              </a:rPr>
-              <a:t>DB </a:t>
-            </a:r>
-            <a:r>
-              <a:rPr lang="ko-KR" altLang="en-US" sz="1400" dirty="0">
-                <a:solidFill>
-                  <a:schemeClr val="tx1">
-                    <a:lumMod val="75000"/>
-                    <a:lumOff val="25000"/>
-                  </a:schemeClr>
-                </a:solidFill>
-                <a:latin typeface="jalnan" pitchFamily="50" charset="-127"/>
-                <a:ea typeface="jalnan" pitchFamily="50" charset="-127"/>
-              </a:rPr>
-              <a:t>구현 </a:t>
-            </a:r>
-          </a:p>
-          <a:p>
-            <a:pPr marL="254000" indent="-254000">
-              <a:buClr>
-                <a:srgbClr val="000000"/>
-              </a:buClr>
-              <a:buFont typeface="Wingdings"/>
-              <a:buChar char=""/>
-            </a:pPr>
-            <a:r>
-              <a:rPr lang="ko-KR" altLang="en-US" sz="1400" dirty="0">
-                <a:solidFill>
-                  <a:schemeClr val="tx1">
-                    <a:lumMod val="75000"/>
-                    <a:lumOff val="25000"/>
-                  </a:schemeClr>
-                </a:solidFill>
-                <a:latin typeface="jalnan" pitchFamily="50" charset="-127"/>
-                <a:ea typeface="jalnan" pitchFamily="50" charset="-127"/>
-              </a:rPr>
-              <a:t>산출문서 작성</a:t>
-            </a:r>
-          </a:p>
-          <a:p>
-            <a:pPr marL="254000" indent="-254000">
-              <a:buClr>
-                <a:srgbClr val="000000"/>
-              </a:buClr>
-              <a:buFont typeface="Wingdings"/>
-              <a:buChar char=""/>
-            </a:pPr>
-            <a:r>
-              <a:rPr lang="en-US" altLang="ko-KR" sz="1400" dirty="0">
-                <a:solidFill>
-                  <a:schemeClr val="tx1">
-                    <a:lumMod val="75000"/>
-                    <a:lumOff val="25000"/>
-                  </a:schemeClr>
-                </a:solidFill>
-                <a:latin typeface="jalnan" pitchFamily="50" charset="-127"/>
-                <a:ea typeface="jalnan" pitchFamily="50" charset="-127"/>
-              </a:rPr>
-              <a:t>MVC </a:t>
-            </a:r>
-            <a:r>
-              <a:rPr lang="ko-KR" altLang="en-US" sz="1400" dirty="0">
-                <a:solidFill>
-                  <a:schemeClr val="tx1">
-                    <a:lumMod val="75000"/>
-                    <a:lumOff val="25000"/>
-                  </a:schemeClr>
-                </a:solidFill>
-                <a:latin typeface="jalnan" pitchFamily="50" charset="-127"/>
-                <a:ea typeface="jalnan" pitchFamily="50" charset="-127"/>
-              </a:rPr>
-              <a:t>패턴 클래스 </a:t>
-            </a:r>
-            <a:r>
-              <a:rPr lang="ko-KR" altLang="en-US" sz="1400" dirty="0" smtClean="0">
-                <a:solidFill>
-                  <a:schemeClr val="tx1">
-                    <a:lumMod val="75000"/>
-                    <a:lumOff val="25000"/>
-                  </a:schemeClr>
-                </a:solidFill>
-                <a:latin typeface="jalnan" pitchFamily="50" charset="-127"/>
-                <a:ea typeface="jalnan" pitchFamily="50" charset="-127"/>
-              </a:rPr>
-              <a:t>설계</a:t>
-            </a:r>
-            <a:endParaRPr lang="en-US" altLang="ko-KR" sz="1400" dirty="0" smtClean="0">
-              <a:solidFill>
-                <a:schemeClr val="tx1">
-                  <a:lumMod val="75000"/>
-                  <a:lumOff val="25000"/>
-                </a:schemeClr>
-              </a:solidFill>
-              <a:latin typeface="jalnan" pitchFamily="50" charset="-127"/>
-              <a:ea typeface="jalnan" pitchFamily="50" charset="-127"/>
-            </a:endParaRPr>
-          </a:p>
-          <a:p>
-            <a:pPr marL="254000" indent="-254000">
-              <a:buClr>
-                <a:srgbClr val="000000"/>
-              </a:buClr>
-              <a:buFont typeface="Wingdings"/>
-              <a:buChar char=""/>
-            </a:pPr>
-            <a:r>
-              <a:rPr lang="ko-KR" altLang="en-US" sz="1400" dirty="0" smtClean="0">
-                <a:solidFill>
-                  <a:schemeClr val="tx1">
-                    <a:lumMod val="75000"/>
-                    <a:lumOff val="25000"/>
-                  </a:schemeClr>
-                </a:solidFill>
-                <a:latin typeface="jalnan" pitchFamily="50" charset="-127"/>
-                <a:ea typeface="jalnan" pitchFamily="50" charset="-127"/>
-              </a:rPr>
-              <a:t>아이디어</a:t>
-            </a:r>
-            <a:endParaRPr lang="en-US" altLang="ko-KR" sz="1400" dirty="0" smtClean="0">
-              <a:solidFill>
-                <a:schemeClr val="tx1">
-                  <a:lumMod val="75000"/>
-                  <a:lumOff val="25000"/>
-                </a:schemeClr>
-              </a:solidFill>
-              <a:latin typeface="jalnan" pitchFamily="50" charset="-127"/>
-              <a:ea typeface="jalnan" pitchFamily="50" charset="-127"/>
-            </a:endParaRPr>
-          </a:p>
-          <a:p>
-            <a:pPr>
-              <a:buClr>
-                <a:srgbClr val="000000"/>
-              </a:buClr>
-            </a:pPr>
-            <a:endParaRPr lang="ko-KR" altLang="en-US" sz="1400" dirty="0">
-              <a:solidFill>
-                <a:schemeClr val="tx1">
-                  <a:lumMod val="75000"/>
-                  <a:lumOff val="25000"/>
-                </a:schemeClr>
-              </a:solidFill>
-              <a:latin typeface="jalnan" pitchFamily="50" charset="-127"/>
-              <a:ea typeface="jalnan" pitchFamily="50" charset="-127"/>
-            </a:endParaRPr>
-          </a:p>
-        </p:txBody>
-      </p:sp>
-      <p:sp>
-        <p:nvSpPr>
-          <p:cNvPr id="9" name="텍스트 상자 13"/>
-          <p:cNvSpPr txBox="1">
-            <a:spLocks/>
-          </p:cNvSpPr>
-          <p:nvPr/>
-        </p:nvSpPr>
-        <p:spPr>
-          <a:xfrm>
-            <a:off x="2051719" y="3251960"/>
-            <a:ext cx="1805429" cy="2155718"/>
-          </a:xfrm>
-          <a:prstGeom prst="rect">
-            <a:avLst/>
-          </a:prstGeom>
-          <a:noFill/>
-          <a:ln w="0">
-            <a:noFill/>
-            <a:prstDash/>
-          </a:ln>
-        </p:spPr>
-        <p:txBody>
-          <a:bodyPr vert="horz" wrap="square" lIns="89535" tIns="46355" rIns="89535" bIns="46355" anchor="ctr">
-            <a:spAutoFit/>
-          </a:bodyPr>
-          <a:lstStyle/>
-          <a:p>
-            <a:pPr marL="0" indent="0" defTabSz="914400" eaLnBrk="1" latinLnBrk="1" hangingPunct="1">
-              <a:lnSpc>
-                <a:spcPct val="100000"/>
-              </a:lnSpc>
-              <a:spcBef>
-                <a:spcPts val="0"/>
-              </a:spcBef>
-              <a:spcAft>
-                <a:spcPts val="0"/>
-              </a:spcAft>
-              <a:buFontTx/>
-              <a:buNone/>
-            </a:pPr>
-            <a:r>
-              <a:rPr dirty="0" err="1">
-                <a:solidFill>
-                  <a:schemeClr val="tx1">
-                    <a:lumMod val="75000"/>
-                    <a:lumOff val="25000"/>
-                  </a:schemeClr>
-                </a:solidFill>
-                <a:latin typeface="jalnan" pitchFamily="50" charset="-127"/>
-                <a:ea typeface="jalnan" pitchFamily="50" charset="-127"/>
-              </a:rPr>
-              <a:t>팀원</a:t>
-            </a:r>
-            <a:r>
-              <a:rPr dirty="0">
-                <a:solidFill>
-                  <a:schemeClr val="tx1">
-                    <a:lumMod val="75000"/>
-                    <a:lumOff val="25000"/>
-                  </a:schemeClr>
-                </a:solidFill>
-                <a:latin typeface="jalnan" pitchFamily="50" charset="-127"/>
-                <a:ea typeface="jalnan" pitchFamily="50" charset="-127"/>
-              </a:rPr>
-              <a:t> </a:t>
-            </a:r>
-            <a:r>
-              <a:rPr dirty="0" err="1">
-                <a:solidFill>
-                  <a:schemeClr val="tx1">
-                    <a:lumMod val="75000"/>
-                    <a:lumOff val="25000"/>
-                  </a:schemeClr>
-                </a:solidFill>
-                <a:latin typeface="jalnan" pitchFamily="50" charset="-127"/>
-                <a:ea typeface="jalnan" pitchFamily="50" charset="-127"/>
-              </a:rPr>
-              <a:t>임소정</a:t>
             </a:r>
             <a:endParaRPr lang="ko-KR" altLang="en-US" dirty="0">
               <a:solidFill>
@@ -9349,16 +8623,7 @@
             </a:endParaRPr>
           </a:p>
           <a:p>
-            <a:pPr marL="254000" indent="-254000" defTabSz="914400" eaLnBrk="1" latinLnBrk="1" hangingPunct="1">
-              <a:lnSpc>
-                <a:spcPct val="100000"/>
-              </a:lnSpc>
-              <a:spcBef>
-                <a:spcPts val="0"/>
-              </a:spcBef>
-              <a:spcAft>
-                <a:spcPts val="0"/>
-              </a:spcAft>
+            <a:pPr marL="254000" indent="-254000">
               <a:buClr>
                 <a:srgbClr val="000000"/>
               </a:buClr>
@@ -9366,7 +8631,7 @@
               <a:buChar char=""/>
             </a:pPr>
             <a:r>
-              <a:rPr sz="1400" dirty="0" smtClean="0">
+              <a:rPr lang="en-US" altLang="ko-KR" sz="1400" dirty="0">
                 <a:solidFill>
                   <a:schemeClr val="tx1">
                     <a:lumMod val="75000"/>
@@ -9376,10 +8641,10 @@
                 <a:latin typeface="jalnan" pitchFamily="50" charset="-127"/>
                 <a:ea typeface="jalnan" pitchFamily="50" charset="-127"/>
               </a:rPr>
-              <a:t>GUI</a:t>
-            </a:r>
-            <a:r>
-              <a:rPr lang="en-US" sz="1400" dirty="0" smtClean="0">
+              <a:t>DB </a:t>
+            </a:r>
+            <a:r>
+              <a:rPr lang="ko-KR" altLang="en-US" sz="1400" dirty="0">
                 <a:solidFill>
                   <a:schemeClr val="tx1">
                     <a:lumMod val="75000"/>
@@ -9389,22 +8654,9 @@
                 <a:latin typeface="jalnan" pitchFamily="50" charset="-127"/>
                 <a:ea typeface="jalnan" pitchFamily="50" charset="-127"/>
               </a:rPr>
-              <a:t> </a:t>
-            </a:r>
-            <a:r>
-              <a:rPr lang="ko-KR" altLang="en-US" sz="1400" dirty="0" smtClean="0">
-                <a:solidFill>
-                  <a:schemeClr val="tx1">
-                    <a:lumMod val="75000"/>
-                    <a:lumOff val="25000"/>
-                  </a:schemeClr>
-                </a:solidFill>
-                <a:latin typeface="jalnan" pitchFamily="50" charset="-127"/>
-                <a:ea typeface="jalnan" pitchFamily="50" charset="-127"/>
-              </a:rPr>
-              <a:t>총괄</a:t>
-            </a:r>
-            <a:endParaRPr lang="en-US" altLang="ko-KR" sz="1400" dirty="0" smtClean="0">
+              <a:t>기능 총괄</a:t>
+            </a:r>
+            <a:endParaRPr lang="ko-KR" altLang="en-US" sz="2400" dirty="0">
               <a:solidFill>
                 <a:schemeClr val="tx1">
                   <a:lumMod val="75000"/>
@@ -9416,16 +8668,7 @@
             </a:endParaRPr>
           </a:p>
           <a:p>
-            <a:pPr marL="254000" indent="-254000" defTabSz="914400" eaLnBrk="1" latinLnBrk="1" hangingPunct="1">
-              <a:lnSpc>
-                <a:spcPct val="100000"/>
-              </a:lnSpc>
-              <a:spcBef>
-                <a:spcPts val="0"/>
-              </a:spcBef>
-              <a:spcAft>
-                <a:spcPts val="0"/>
-              </a:spcAft>
+            <a:pPr marL="254000" indent="-254000">
               <a:buClr>
                 <a:srgbClr val="000000"/>
               </a:buClr>
@@ -9433,7 +8676,7 @@
               <a:buChar char=""/>
             </a:pPr>
             <a:r>
-              <a:rPr lang="en-US" sz="1400" dirty="0" smtClean="0">
+              <a:rPr lang="en-US" altLang="ko-KR" sz="1400" dirty="0">
                 <a:solidFill>
                   <a:schemeClr val="tx1">
                     <a:lumMod val="75000"/>
@@ -9443,10 +8686,10 @@
                 <a:latin typeface="jalnan" pitchFamily="50" charset="-127"/>
                 <a:ea typeface="jalnan" pitchFamily="50" charset="-127"/>
               </a:rPr>
-              <a:t>GUI </a:t>
-            </a:r>
-            <a:r>
-              <a:rPr lang="ko-KR" altLang="en-US" sz="1400" dirty="0" smtClean="0">
+              <a:t>DB </a:t>
+            </a:r>
+            <a:r>
+              <a:rPr lang="ko-KR" altLang="en-US" sz="1400" dirty="0">
                 <a:solidFill>
                   <a:schemeClr val="tx1">
                     <a:lumMod val="75000"/>
@@ -9458,7 +8701,7 @@
               </a:rPr>
               <a:t>설계</a:t>
             </a:r>
-            <a:endParaRPr lang="en-US" altLang="ko-KR" sz="1400" dirty="0" smtClean="0">
+            <a:endParaRPr lang="en-US" altLang="ko-KR" sz="1400" dirty="0">
               <a:solidFill>
                 <a:schemeClr val="tx1">
                   <a:lumMod val="75000"/>
@@ -9488,10 +8731,10 @@
                 <a:latin typeface="jalnan" pitchFamily="50" charset="-127"/>
                 <a:ea typeface="jalnan" pitchFamily="50" charset="-127"/>
               </a:rPr>
-              <a:t>GUI </a:t>
-            </a:r>
-            <a:r>
-              <a:rPr lang="ko-KR" altLang="en-US" sz="1400" dirty="0" smtClean="0">
+              <a:t>DB </a:t>
+            </a:r>
+            <a:r>
+              <a:rPr lang="ko-KR" altLang="en-US" sz="1400" dirty="0">
                 <a:solidFill>
                   <a:schemeClr val="tx1">
                     <a:lumMod val="75000"/>
@@ -9501,9 +8744,66 @@
                 <a:latin typeface="jalnan" pitchFamily="50" charset="-127"/>
                 <a:ea typeface="jalnan" pitchFamily="50" charset="-127"/>
               </a:rPr>
-              <a:t>구현</a:t>
-            </a:r>
-            <a:endParaRPr lang="en-US" altLang="ko-KR" sz="1400" dirty="0" smtClean="0">
+              <a:t>구현 </a:t>
+            </a:r>
+          </a:p>
+          <a:p>
+            <a:pPr marL="254000" indent="-254000">
+              <a:buClr>
+                <a:srgbClr val="000000"/>
+              </a:buClr>
+              <a:buFont typeface="Wingdings"/>
+              <a:buChar char=""/>
+            </a:pPr>
+            <a:r>
+              <a:rPr lang="ko-KR" altLang="en-US" sz="1400" dirty="0">
+                <a:solidFill>
+                  <a:schemeClr val="tx1">
+                    <a:lumMod val="75000"/>
+                    <a:lumOff val="25000"/>
+                  </a:schemeClr>
+                </a:solidFill>
+                <a:latin typeface="jalnan" pitchFamily="50" charset="-127"/>
+                <a:ea typeface="jalnan" pitchFamily="50" charset="-127"/>
+              </a:rPr>
+              <a:t>산출문서 작성</a:t>
+            </a:r>
+          </a:p>
+          <a:p>
+            <a:pPr marL="254000" indent="-254000">
+              <a:buClr>
+                <a:srgbClr val="000000"/>
+              </a:buClr>
+              <a:buFont typeface="Wingdings"/>
+              <a:buChar char=""/>
+            </a:pPr>
+            <a:r>
+              <a:rPr lang="en-US" altLang="ko-KR" sz="1400" dirty="0">
+                <a:solidFill>
+                  <a:schemeClr val="tx1">
+                    <a:lumMod val="75000"/>
+                    <a:lumOff val="25000"/>
+                  </a:schemeClr>
+                </a:solidFill>
+                <a:latin typeface="jalnan" pitchFamily="50" charset="-127"/>
+                <a:ea typeface="jalnan" pitchFamily="50" charset="-127"/>
+              </a:rPr>
+              <a:t>MVC </a:t>
+            </a:r>
+            <a:r>
+              <a:rPr lang="ko-KR" altLang="en-US" sz="1400" dirty="0">
+                <a:solidFill>
+                  <a:schemeClr val="tx1">
+                    <a:lumMod val="75000"/>
+                    <a:lumOff val="25000"/>
+                  </a:schemeClr>
+                </a:solidFill>
+                <a:latin typeface="jalnan" pitchFamily="50" charset="-127"/>
+                <a:ea typeface="jalnan" pitchFamily="50" charset="-127"/>
+              </a:rPr>
+              <a:t>패턴 클래스 설계</a:t>
+            </a:r>
+            <a:endParaRPr lang="en-US" altLang="ko-KR" sz="1400" dirty="0">
               <a:solidFill>
                 <a:schemeClr val="tx1">
                   <a:lumMod val="75000"/>
@@ -9515,16 +8815,7 @@
             </a:endParaRPr>
           </a:p>
           <a:p>
-            <a:pPr marL="254000" indent="-254000" defTabSz="914400" eaLnBrk="1" latinLnBrk="1" hangingPunct="1">
-              <a:lnSpc>
-                <a:spcPct val="100000"/>
-              </a:lnSpc>
-              <a:spcBef>
-                <a:spcPts val="0"/>
-              </a:spcBef>
-              <a:spcAft>
-                <a:spcPts val="0"/>
-              </a:spcAft>
+            <a:pPr marL="254000" indent="-254000">
               <a:buClr>
                 <a:srgbClr val="000000"/>
               </a:buClr>
@@ -9532,7 +8823,7 @@
               <a:buChar char=""/>
             </a:pPr>
             <a:r>
-              <a:rPr sz="1400" dirty="0" err="1" smtClean="0">
+              <a:rPr lang="ko-KR" altLang="en-US" sz="1400" dirty="0">
                 <a:solidFill>
                   <a:schemeClr val="tx1">
                     <a:lumMod val="75000"/>
@@ -9542,9 +8833,9 @@
                 <a:latin typeface="jalnan" pitchFamily="50" charset="-127"/>
                 <a:ea typeface="jalnan" pitchFamily="50" charset="-127"/>
               </a:rPr>
-              <a:t>디자인</a:t>
-            </a:r>
-            <a:endParaRPr lang="en-US" sz="1400" dirty="0" smtClean="0">
+              <a:t>아이디어</a:t>
+            </a:r>
+            <a:endParaRPr lang="en-US" altLang="ko-KR" sz="1400" dirty="0">
               <a:solidFill>
                 <a:schemeClr val="tx1">
                   <a:lumMod val="75000"/>
@@ -9556,62 +8847,12 @@
             </a:endParaRPr>
           </a:p>
           <a:p>
-            <a:pPr marL="254000" indent="-254000" defTabSz="914400" eaLnBrk="1" latinLnBrk="1" hangingPunct="1">
-              <a:lnSpc>
-                <a:spcPct val="100000"/>
-              </a:lnSpc>
-              <a:spcBef>
-                <a:spcPts val="0"/>
-              </a:spcBef>
-              <a:spcAft>
-                <a:spcPts val="0"/>
-              </a:spcAft>
+            <a:pPr>
               <a:buClr>
                 <a:srgbClr val="000000"/>
               </a:buClr>
-              <a:buFont typeface="Wingdings"/>
-              <a:buChar char=""/>
             </a:pPr>
-            <a:r>
-              <a:rPr lang="en-US" sz="1400" dirty="0" err="1" smtClean="0">
-                <a:solidFill>
-                  <a:schemeClr val="tx1">
-                    <a:lumMod val="75000"/>
-                    <a:lumOff val="25000"/>
-                  </a:schemeClr>
-                </a:solidFill>
-                <a:latin typeface="jalnan" pitchFamily="50" charset="-127"/>
-                <a:ea typeface="jalnan" pitchFamily="50" charset="-127"/>
-              </a:rPr>
-              <a:t>ppt</a:t>
-            </a:r>
-            <a:r>
-              <a:rPr lang="en-US" sz="1400" dirty="0" smtClean="0">
-                <a:solidFill>
-                  <a:schemeClr val="tx1">
-                    <a:lumMod val="75000"/>
-                    <a:lumOff val="25000"/>
-                  </a:schemeClr>
-                </a:solidFill>
-                <a:latin typeface="jalnan" pitchFamily="50" charset="-127"/>
-                <a:ea typeface="jalnan" pitchFamily="50" charset="-127"/>
-              </a:rPr>
-              <a:t> </a:t>
-            </a:r>
-            <a:r>
-              <a:rPr lang="ko-KR" altLang="en-US" sz="1400" dirty="0" smtClean="0">
-                <a:solidFill>
-                  <a:schemeClr val="tx1">
-                    <a:lumMod val="75000"/>
-                    <a:lumOff val="25000"/>
-                  </a:schemeClr>
-                </a:solidFill>
-                <a:latin typeface="jalnan" pitchFamily="50" charset="-127"/>
-                <a:ea typeface="jalnan" pitchFamily="50" charset="-127"/>
-              </a:rPr>
-              <a:t>제작</a:t>
-            </a:r>
-            <a:endParaRPr lang="en-US" sz="1400" dirty="0" smtClean="0">
+            <a:endParaRPr lang="ko-KR" altLang="en-US" sz="1400" dirty="0">
               <a:solidFill>
                 <a:schemeClr val="tx1">
                   <a:lumMod val="75000"/>
@@ -9622,67 +8863,11 @@
               <a:ea typeface="jalnan" pitchFamily="50" charset="-127"/>
             </a:endParaRPr>
           </a:p>
-          <a:p>
-            <a:pPr marL="254000" indent="-254000" defTabSz="914400" eaLnBrk="1" latinLnBrk="1" hangingPunct="1">
-              <a:lnSpc>
-                <a:spcPct val="100000"/>
-              </a:lnSpc>
-              <a:spcBef>
-                <a:spcPts val="0"/>
-              </a:spcBef>
-              <a:spcAft>
-                <a:spcPts val="0"/>
-              </a:spcAft>
-              <a:buClr>
-                <a:srgbClr val="000000"/>
-              </a:buClr>
-              <a:buFont typeface="Wingdings"/>
-              <a:buChar char=""/>
-            </a:pPr>
-            <a:endParaRPr lang="en-US" sz="1400" dirty="0" smtClean="0">
-              <a:solidFill>
-                <a:schemeClr val="tx1">
-                  <a:lumMod val="75000"/>
-                  <a:lumOff val="25000"/>
-                </a:schemeClr>
-              </a:solidFill>
-              <a:latin typeface="jalnan" pitchFamily="50" charset="-127"/>
-              <a:ea typeface="jalnan" pitchFamily="50" charset="-127"/>
-            </a:endParaRPr>
-          </a:p>
-          <a:p>
-            <a:pPr marL="254000" indent="-254000" defTabSz="914400" eaLnBrk="1" latinLnBrk="1" hangingPunct="1">
-              <a:lnSpc>
-                <a:spcPct val="100000"/>
-              </a:lnSpc>
-              <a:spcBef>
-                <a:spcPts val="0"/>
-              </a:spcBef>
-              <a:spcAft>
-                <a:spcPts val="0"/>
-              </a:spcAft>
-              <a:buClr>
-                <a:srgbClr val="000000"/>
-              </a:buClr>
-              <a:buFont typeface="Wingdings"/>
-              <a:buChar char=""/>
-            </a:pPr>
-            <a:endParaRPr lang="en-US" sz="1400" dirty="0" smtClean="0">
-              <a:solidFill>
-                <a:schemeClr val="tx1">
-                  <a:lumMod val="75000"/>
-                  <a:lumOff val="25000"/>
-                </a:schemeClr>
-              </a:solidFill>
-              <a:latin typeface="jalnan" pitchFamily="50" charset="-127"/>
-              <a:ea typeface="jalnan" pitchFamily="50" charset="-127"/>
-            </a:endParaRPr>
-          </a:p>
-        </p:txBody>
-      </p:sp>
-      <p:sp>
-        <p:nvSpPr>
-          <p:cNvPr id="10" name="텍스트 상자 14"/>
+        </p:txBody>
+      </p:sp>
+      <p:sp>
+        <p:nvSpPr>
+          <p:cNvPr id="9" name="텍스트 상자 13"/>
           <p:cNvSpPr txBox="1">
             <a:spLocks/>
           </p:cNvSpPr>
@@ -9690,8 +8875,8 @@
         </p:nvSpPr>
         <p:spPr>
           <a:xfrm>
-            <a:off x="3784394" y="3255525"/>
-            <a:ext cx="1634703" cy="1293944"/>
+            <a:off x="2051719" y="3251960"/>
+            <a:ext cx="1805429" cy="2155718"/>
           </a:xfrm>
           <a:prstGeom prst="rect">
             <a:avLst/>
@@ -9732,7 +8917,7 @@
                 <a:latin typeface="jalnan" pitchFamily="50" charset="-127"/>
                 <a:ea typeface="jalnan" pitchFamily="50" charset="-127"/>
               </a:rPr>
-              <a:t>팀장</a:t>
+              <a:t>팀원</a:t>
             </a:r>
             <a:r>
               <a:rPr dirty="0">
@@ -9758,7 +8943,7 @@
                 <a:latin typeface="jalnan" pitchFamily="50" charset="-127"/>
                 <a:ea typeface="jalnan" pitchFamily="50" charset="-127"/>
               </a:rPr>
-              <a:t>임수현</a:t>
+              <a:t>임소정</a:t>
             </a:r>
             <a:endParaRPr lang="ko-KR" altLang="en-US" dirty="0">
               <a:solidFill>
@@ -9814,7 +8999,7 @@
               <a:buChar char=""/>
             </a:pPr>
             <a:r>
-              <a:rPr sz="1400" dirty="0" smtClean="0">
+              <a:rPr sz="1400" dirty="0">
                 <a:solidFill>
                   <a:schemeClr val="tx1">
                     <a:lumMod val="75000"/>
@@ -9824,10 +9009,10 @@
                 <a:latin typeface="jalnan" pitchFamily="50" charset="-127"/>
                 <a:ea typeface="jalnan" pitchFamily="50" charset="-127"/>
               </a:rPr>
-              <a:t>GUI </a:t>
-            </a:r>
-            <a:r>
-              <a:rPr sz="1400" dirty="0" err="1">
+              <a:t>GUI</a:t>
+            </a:r>
+            <a:r>
+              <a:rPr lang="en-US" sz="1400" dirty="0">
                 <a:solidFill>
                   <a:schemeClr val="tx1">
                     <a:lumMod val="75000"/>
@@ -9837,29 +9022,10 @@
                 <a:latin typeface="jalnan" pitchFamily="50" charset="-127"/>
                 <a:ea typeface="jalnan" pitchFamily="50" charset="-127"/>
               </a:rPr>
-              <a:t>구현</a:t>
-            </a:r>
-            <a:endParaRPr lang="ko-KR" altLang="en-US" sz="1400" dirty="0">
-              <a:solidFill>
-                <a:schemeClr val="tx1">
-                  <a:lumMod val="75000"/>
-                  <a:lumOff val="25000"/>
-                </a:schemeClr>
-              </a:solidFill>
-              <a:latin typeface="jalnan" pitchFamily="50" charset="-127"/>
-              <a:ea typeface="jalnan" pitchFamily="50" charset="-127"/>
-            </a:endParaRPr>
-          </a:p>
-          <a:p>
-            <a:pPr marL="254000" indent="-254000">
-              <a:buClr>
-                <a:srgbClr val="000000"/>
-              </a:buClr>
-              <a:buFont typeface="Wingdings"/>
-              <a:buChar char=""/>
-            </a:pPr>
-            <a:r>
-              <a:rPr lang="en-US" altLang="ko-KR" sz="1400" dirty="0">
+              <a:t> </a:t>
+            </a:r>
+            <a:r>
+              <a:rPr lang="ko-KR" altLang="en-US" sz="1400" dirty="0">
                 <a:solidFill>
                   <a:schemeClr val="tx1">
                     <a:lumMod val="75000"/>
@@ -9869,20 +9035,7 @@
                 <a:latin typeface="jalnan" pitchFamily="50" charset="-127"/>
                 <a:ea typeface="jalnan" pitchFamily="50" charset="-127"/>
               </a:rPr>
-              <a:t>GUI </a:t>
-            </a:r>
-            <a:r>
-              <a:rPr lang="ko-KR" altLang="en-US" sz="1400" dirty="0">
-                <a:solidFill>
-                  <a:schemeClr val="tx1">
-                    <a:lumMod val="75000"/>
-                    <a:lumOff val="25000"/>
-                  </a:schemeClr>
-                </a:solidFill>
-                <a:latin typeface="jalnan" pitchFamily="50" charset="-127"/>
-                <a:ea typeface="jalnan" pitchFamily="50" charset="-127"/>
-              </a:rPr>
-              <a:t>설계</a:t>
+              <a:t>총괄</a:t>
             </a:r>
             <a:endParaRPr lang="en-US" altLang="ko-KR" sz="1400" dirty="0">
               <a:solidFill>
@@ -9913,7 +9066,7 @@
               <a:buChar char=""/>
             </a:pPr>
             <a:r>
-              <a:rPr lang="ko-KR" altLang="en-US" sz="1400" dirty="0" smtClean="0">
+              <a:rPr lang="en-US" sz="1400" dirty="0">
                 <a:solidFill>
                   <a:schemeClr val="tx1">
                     <a:lumMod val="75000"/>
@@ -9923,10 +9076,10 @@
                 <a:latin typeface="jalnan" pitchFamily="50" charset="-127"/>
                 <a:ea typeface="jalnan" pitchFamily="50" charset="-127"/>
               </a:rPr>
-              <a:t>테마</a:t>
-            </a:r>
-            <a:r>
-              <a:rPr lang="en-US" altLang="ko-KR" sz="1400" dirty="0">
+              <a:t>GUI </a:t>
+            </a:r>
+            <a:r>
+              <a:rPr lang="ko-KR" altLang="en-US" sz="1400" dirty="0">
                 <a:solidFill>
                   <a:schemeClr val="tx1">
                     <a:lumMod val="75000"/>
@@ -9936,10 +9089,29 @@
                 <a:latin typeface="jalnan" pitchFamily="50" charset="-127"/>
                 <a:ea typeface="jalnan" pitchFamily="50" charset="-127"/>
               </a:rPr>
-              <a:t> </a:t>
-            </a:r>
-            <a:r>
-              <a:rPr lang="ko-KR" altLang="en-US" sz="1400" dirty="0" smtClean="0">
+              <a:t>설계</a:t>
+            </a:r>
+            <a:endParaRPr lang="en-US" altLang="ko-KR" sz="1400" dirty="0">
+              <a:solidFill>
+                <a:schemeClr val="tx1">
+                  <a:lumMod val="75000"/>
+                  <a:lumOff val="25000"/>
+                </a:schemeClr>
+              </a:solidFill>
+              <a:latin typeface="jalnan" pitchFamily="50" charset="-127"/>
+              <a:ea typeface="jalnan" pitchFamily="50" charset="-127"/>
+            </a:endParaRPr>
+          </a:p>
+          <a:p>
+            <a:pPr marL="254000" indent="-254000">
+              <a:buClr>
+                <a:srgbClr val="000000"/>
+              </a:buClr>
+              <a:buFont typeface="Wingdings"/>
+              <a:buChar char=""/>
+            </a:pPr>
+            <a:r>
+              <a:rPr lang="en-US" altLang="ko-KR" sz="1400" dirty="0">
                 <a:solidFill>
                   <a:schemeClr val="tx1">
                     <a:lumMod val="75000"/>
@@ -9949,9 +9121,470 @@
                 <a:latin typeface="jalnan" pitchFamily="50" charset="-127"/>
                 <a:ea typeface="jalnan" pitchFamily="50" charset="-127"/>
               </a:rPr>
+              <a:t>GUI </a:t>
+            </a:r>
+            <a:r>
+              <a:rPr lang="ko-KR" altLang="en-US" sz="1400" dirty="0">
+                <a:solidFill>
+                  <a:schemeClr val="tx1">
+                    <a:lumMod val="75000"/>
+                    <a:lumOff val="25000"/>
+                  </a:schemeClr>
+                </a:solidFill>
+                <a:latin typeface="jalnan" pitchFamily="50" charset="-127"/>
+                <a:ea typeface="jalnan" pitchFamily="50" charset="-127"/>
+              </a:rPr>
+              <a:t>구현</a:t>
+            </a:r>
+            <a:endParaRPr lang="en-US" altLang="ko-KR" sz="1400" dirty="0">
+              <a:solidFill>
+                <a:schemeClr val="tx1">
+                  <a:lumMod val="75000"/>
+                  <a:lumOff val="25000"/>
+                </a:schemeClr>
+              </a:solidFill>
+              <a:latin typeface="jalnan" pitchFamily="50" charset="-127"/>
+              <a:ea typeface="jalnan" pitchFamily="50" charset="-127"/>
+            </a:endParaRPr>
+          </a:p>
+          <a:p>
+            <a:pPr marL="254000" indent="-254000" defTabSz="914400" eaLnBrk="1" latinLnBrk="1" hangingPunct="1">
+              <a:lnSpc>
+                <a:spcPct val="100000"/>
+              </a:lnSpc>
+              <a:spcBef>
+                <a:spcPts val="0"/>
+              </a:spcBef>
+              <a:spcAft>
+                <a:spcPts val="0"/>
+              </a:spcAft>
+              <a:buClr>
+                <a:srgbClr val="000000"/>
+              </a:buClr>
+              <a:buFont typeface="Wingdings"/>
+              <a:buChar char=""/>
+            </a:pPr>
+            <a:r>
+              <a:rPr sz="1400" dirty="0" err="1">
+                <a:solidFill>
+                  <a:schemeClr val="tx1">
+                    <a:lumMod val="75000"/>
+                    <a:lumOff val="25000"/>
+                  </a:schemeClr>
+                </a:solidFill>
+                <a:latin typeface="jalnan" pitchFamily="50" charset="-127"/>
+                <a:ea typeface="jalnan" pitchFamily="50" charset="-127"/>
+              </a:rPr>
               <a:t>디자인</a:t>
             </a:r>
-            <a:endParaRPr lang="en-US" altLang="ko-KR" sz="1400" dirty="0" smtClean="0">
+            <a:endParaRPr lang="en-US" sz="1400" dirty="0">
+              <a:solidFill>
+                <a:schemeClr val="tx1">
+                  <a:lumMod val="75000"/>
+                  <a:lumOff val="25000"/>
+                </a:schemeClr>
+              </a:solidFill>
+              <a:latin typeface="jalnan" pitchFamily="50" charset="-127"/>
+              <a:ea typeface="jalnan" pitchFamily="50" charset="-127"/>
+            </a:endParaRPr>
+          </a:p>
+          <a:p>
+            <a:pPr marL="254000" indent="-254000" defTabSz="914400" eaLnBrk="1" latinLnBrk="1" hangingPunct="1">
+              <a:lnSpc>
+                <a:spcPct val="100000"/>
+              </a:lnSpc>
+              <a:spcBef>
+                <a:spcPts val="0"/>
+              </a:spcBef>
+              <a:spcAft>
+                <a:spcPts val="0"/>
+              </a:spcAft>
+              <a:buClr>
+                <a:srgbClr val="000000"/>
+              </a:buClr>
+              <a:buFont typeface="Wingdings"/>
+              <a:buChar char=""/>
+            </a:pPr>
+            <a:r>
+              <a:rPr lang="en-US" sz="1400" dirty="0" err="1">
+                <a:solidFill>
+                  <a:schemeClr val="tx1">
+                    <a:lumMod val="75000"/>
+                    <a:lumOff val="25000"/>
+                  </a:schemeClr>
+                </a:solidFill>
+                <a:latin typeface="jalnan" pitchFamily="50" charset="-127"/>
+                <a:ea typeface="jalnan" pitchFamily="50" charset="-127"/>
+              </a:rPr>
+              <a:t>ppt</a:t>
+            </a:r>
+            <a:r>
+              <a:rPr lang="en-US" sz="1400" dirty="0">
+                <a:solidFill>
+                  <a:schemeClr val="tx1">
+                    <a:lumMod val="75000"/>
+                    <a:lumOff val="25000"/>
+                  </a:schemeClr>
+                </a:solidFill>
+                <a:latin typeface="jalnan" pitchFamily="50" charset="-127"/>
+                <a:ea typeface="jalnan" pitchFamily="50" charset="-127"/>
+              </a:rPr>
+              <a:t> </a:t>
+            </a:r>
+            <a:r>
+              <a:rPr lang="ko-KR" altLang="en-US" sz="1400" dirty="0">
+                <a:solidFill>
+                  <a:schemeClr val="tx1">
+                    <a:lumMod val="75000"/>
+                    <a:lumOff val="25000"/>
+                  </a:schemeClr>
+                </a:solidFill>
+                <a:latin typeface="jalnan" pitchFamily="50" charset="-127"/>
+                <a:ea typeface="jalnan" pitchFamily="50" charset="-127"/>
+              </a:rPr>
+              <a:t>제작</a:t>
+            </a:r>
+            <a:endParaRPr lang="en-US" sz="1400" dirty="0">
+              <a:solidFill>
+                <a:schemeClr val="tx1">
+                  <a:lumMod val="75000"/>
+                  <a:lumOff val="25000"/>
+                </a:schemeClr>
+              </a:solidFill>
+              <a:latin typeface="jalnan" pitchFamily="50" charset="-127"/>
+              <a:ea typeface="jalnan" pitchFamily="50" charset="-127"/>
+            </a:endParaRPr>
+          </a:p>
+          <a:p>
+            <a:pPr marL="254000" indent="-254000" defTabSz="914400" eaLnBrk="1" latinLnBrk="1" hangingPunct="1">
+              <a:lnSpc>
+                <a:spcPct val="100000"/>
+              </a:lnSpc>
+              <a:spcBef>
+                <a:spcPts val="0"/>
+              </a:spcBef>
+              <a:spcAft>
+                <a:spcPts val="0"/>
+              </a:spcAft>
+              <a:buClr>
+                <a:srgbClr val="000000"/>
+              </a:buClr>
+              <a:buFont typeface="Wingdings"/>
+              <a:buChar char=""/>
+            </a:pPr>
+            <a:endParaRPr lang="en-US" sz="1400" dirty="0">
+              <a:solidFill>
+                <a:schemeClr val="tx1">
+                  <a:lumMod val="75000"/>
+                  <a:lumOff val="25000"/>
+                </a:schemeClr>
+              </a:solidFill>
+              <a:latin typeface="jalnan" pitchFamily="50" charset="-127"/>
+              <a:ea typeface="jalnan" pitchFamily="50" charset="-127"/>
+            </a:endParaRPr>
+          </a:p>
+          <a:p>
+            <a:pPr marL="254000" indent="-254000" defTabSz="914400" eaLnBrk="1" latinLnBrk="1" hangingPunct="1">
+              <a:lnSpc>
+                <a:spcPct val="100000"/>
+              </a:lnSpc>
+              <a:spcBef>
+                <a:spcPts val="0"/>
+              </a:spcBef>
+              <a:spcAft>
+                <a:spcPts val="0"/>
+              </a:spcAft>
+              <a:buClr>
+                <a:srgbClr val="000000"/>
+              </a:buClr>
+              <a:buFont typeface="Wingdings"/>
+              <a:buChar char=""/>
+            </a:pPr>
+            <a:endParaRPr lang="en-US" sz="1400" dirty="0">
+              <a:solidFill>
+                <a:schemeClr val="tx1">
+                  <a:lumMod val="75000"/>
+                  <a:lumOff val="25000"/>
+                </a:schemeClr>
+              </a:solidFill>
+              <a:latin typeface="jalnan" pitchFamily="50" charset="-127"/>
+              <a:ea typeface="jalnan" pitchFamily="50" charset="-127"/>
+            </a:endParaRPr>
+          </a:p>
+        </p:txBody>
+      </p:sp>
+      <p:sp>
+        <p:nvSpPr>
+          <p:cNvPr id="10" name="텍스트 상자 14"/>
+          <p:cNvSpPr txBox="1">
+            <a:spLocks/>
+          </p:cNvSpPr>
+          <p:nvPr/>
+        </p:nvSpPr>
+        <p:spPr>
+          <a:xfrm>
+            <a:off x="3784394" y="3255525"/>
+            <a:ext cx="1634703" cy="1293944"/>
+          </a:xfrm>
+          <a:prstGeom prst="rect">
+            <a:avLst/>
+          </a:prstGeom>
+          <a:noFill/>
+          <a:ln w="0">
+            <a:noFill/>
+            <a:prstDash/>
+          </a:ln>
+        </p:spPr>
+        <p:txBody>
+          <a:bodyPr vert="horz" wrap="square" lIns="89535" tIns="46355" rIns="89535" bIns="46355" anchor="ctr">
+            <a:spAutoFit/>
+          </a:bodyPr>
+          <a:lstStyle/>
+          <a:p>
+            <a:pPr marL="0" indent="0" defTabSz="914400" eaLnBrk="1" latinLnBrk="1" hangingPunct="1">
+              <a:lnSpc>
+                <a:spcPct val="100000"/>
+              </a:lnSpc>
+              <a:spcBef>
+                <a:spcPts val="0"/>
+              </a:spcBef>
+              <a:spcAft>
+                <a:spcPts val="0"/>
+              </a:spcAft>
+              <a:buFontTx/>
+              <a:buNone/>
+            </a:pPr>
+            <a:r>
+              <a:rPr dirty="0" err="1">
+                <a:solidFill>
+                  <a:schemeClr val="tx1">
+                    <a:lumMod val="75000"/>
+                    <a:lumOff val="25000"/>
+                  </a:schemeClr>
+                </a:solidFill>
+                <a:latin typeface="jalnan" pitchFamily="50" charset="-127"/>
+                <a:ea typeface="jalnan" pitchFamily="50" charset="-127"/>
+              </a:rPr>
+              <a:t>팀장</a:t>
+            </a:r>
+            <a:r>
+              <a:rPr dirty="0">
+                <a:solidFill>
+                  <a:schemeClr val="tx1">
+                    <a:lumMod val="75000"/>
+                    <a:lumOff val="25000"/>
+                  </a:schemeClr>
+                </a:solidFill>
+                <a:latin typeface="jalnan" pitchFamily="50" charset="-127"/>
+                <a:ea typeface="jalnan" pitchFamily="50" charset="-127"/>
+              </a:rPr>
+              <a:t> </a:t>
+            </a:r>
+            <a:r>
+              <a:rPr dirty="0" err="1">
+                <a:solidFill>
+                  <a:schemeClr val="tx1">
+                    <a:lumMod val="75000"/>
+                    <a:lumOff val="25000"/>
+                  </a:schemeClr>
+                </a:solidFill>
+                <a:latin typeface="jalnan" pitchFamily="50" charset="-127"/>
+                <a:ea typeface="jalnan" pitchFamily="50" charset="-127"/>
+              </a:rPr>
+              <a:t>임수현</a:t>
+            </a:r>
+            <a:endParaRPr lang="ko-KR" altLang="en-US" dirty="0">
+              <a:solidFill>
+                <a:schemeClr val="tx1">
+                  <a:lumMod val="75000"/>
+                  <a:lumOff val="25000"/>
+                </a:schemeClr>
+              </a:solidFill>
+              <a:latin typeface="jalnan" pitchFamily="50" charset="-127"/>
+              <a:ea typeface="jalnan" pitchFamily="50" charset="-127"/>
+            </a:endParaRPr>
+          </a:p>
+          <a:p>
+            <a:pPr marL="0" indent="0" defTabSz="914400" eaLnBrk="1" latinLnBrk="1" hangingPunct="1">
+              <a:lnSpc>
+                <a:spcPct val="100000"/>
+              </a:lnSpc>
+              <a:spcBef>
+                <a:spcPts val="0"/>
+              </a:spcBef>
+              <a:spcAft>
+                <a:spcPts val="0"/>
+              </a:spcAft>
+              <a:buFontTx/>
+              <a:buNone/>
+            </a:pPr>
+            <a:endParaRPr lang="ko-KR" altLang="en-US" dirty="0">
+              <a:solidFill>
+                <a:schemeClr val="tx1">
+                  <a:lumMod val="75000"/>
+                  <a:lumOff val="25000"/>
+                </a:schemeClr>
+              </a:solidFill>
+              <a:latin typeface="jalnan" pitchFamily="50" charset="-127"/>
+              <a:ea typeface="jalnan" pitchFamily="50" charset="-127"/>
+            </a:endParaRPr>
+          </a:p>
+          <a:p>
+            <a:pPr marL="254000" indent="-254000" defTabSz="914400" eaLnBrk="1" latinLnBrk="1" hangingPunct="1">
+              <a:lnSpc>
+                <a:spcPct val="100000"/>
+              </a:lnSpc>
+              <a:spcBef>
+                <a:spcPts val="0"/>
+              </a:spcBef>
+              <a:spcAft>
+                <a:spcPts val="0"/>
+              </a:spcAft>
+              <a:buClr>
+                <a:srgbClr val="000000"/>
+              </a:buClr>
+              <a:buFont typeface="Wingdings"/>
+              <a:buChar char=""/>
+            </a:pPr>
+            <a:r>
+              <a:rPr sz="1400" dirty="0">
+                <a:solidFill>
+                  <a:schemeClr val="tx1">
+                    <a:lumMod val="75000"/>
+                    <a:lumOff val="25000"/>
+                  </a:schemeClr>
+                </a:solidFill>
+                <a:latin typeface="jalnan" pitchFamily="50" charset="-127"/>
+                <a:ea typeface="jalnan" pitchFamily="50" charset="-127"/>
+              </a:rPr>
+              <a:t>GUI </a:t>
+            </a:r>
+            <a:r>
+              <a:rPr sz="1400" dirty="0" err="1">
+                <a:solidFill>
+                  <a:schemeClr val="tx1">
+                    <a:lumMod val="75000"/>
+                    <a:lumOff val="25000"/>
+                  </a:schemeClr>
+                </a:solidFill>
+                <a:latin typeface="jalnan" pitchFamily="50" charset="-127"/>
+                <a:ea typeface="jalnan" pitchFamily="50" charset="-127"/>
+              </a:rPr>
+              <a:t>구현</a:t>
+            </a:r>
+            <a:endParaRPr lang="ko-KR" altLang="en-US" sz="1400" dirty="0">
+              <a:solidFill>
+                <a:schemeClr val="tx1">
+                  <a:lumMod val="75000"/>
+                  <a:lumOff val="25000"/>
+                </a:schemeClr>
+              </a:solidFill>
+              <a:latin typeface="jalnan" pitchFamily="50" charset="-127"/>
+              <a:ea typeface="jalnan" pitchFamily="50" charset="-127"/>
+            </a:endParaRPr>
+          </a:p>
+          <a:p>
+            <a:pPr marL="254000" indent="-254000">
+              <a:buClr>
+                <a:srgbClr val="000000"/>
+              </a:buClr>
+              <a:buFont typeface="Wingdings"/>
+              <a:buChar char=""/>
+            </a:pPr>
+            <a:r>
+              <a:rPr lang="en-US" altLang="ko-KR" sz="1400" dirty="0">
+                <a:solidFill>
+                  <a:schemeClr val="tx1">
+                    <a:lumMod val="75000"/>
+                    <a:lumOff val="25000"/>
+                  </a:schemeClr>
+                </a:solidFill>
+                <a:latin typeface="jalnan" pitchFamily="50" charset="-127"/>
+                <a:ea typeface="jalnan" pitchFamily="50" charset="-127"/>
+              </a:rPr>
+              <a:t>GUI </a:t>
+            </a:r>
+            <a:r>
+              <a:rPr lang="ko-KR" altLang="en-US" sz="1400" dirty="0">
+                <a:solidFill>
+                  <a:schemeClr val="tx1">
+                    <a:lumMod val="75000"/>
+                    <a:lumOff val="25000"/>
+                  </a:schemeClr>
+                </a:solidFill>
+                <a:latin typeface="jalnan" pitchFamily="50" charset="-127"/>
+                <a:ea typeface="jalnan" pitchFamily="50" charset="-127"/>
+              </a:rPr>
+              <a:t>설계</a:t>
+            </a:r>
+            <a:endParaRPr lang="en-US" altLang="ko-KR" sz="1400" dirty="0">
+              <a:solidFill>
+                <a:schemeClr val="tx1">
+                  <a:lumMod val="75000"/>
+                  <a:lumOff val="25000"/>
+                </a:schemeClr>
+              </a:solidFill>
+              <a:latin typeface="jalnan" pitchFamily="50" charset="-127"/>
+              <a:ea typeface="jalnan" pitchFamily="50" charset="-127"/>
+            </a:endParaRPr>
+          </a:p>
+          <a:p>
+            <a:pPr marL="254000" indent="-254000" defTabSz="914400" eaLnBrk="1" latinLnBrk="1" hangingPunct="1">
+              <a:lnSpc>
+                <a:spcPct val="100000"/>
+              </a:lnSpc>
+              <a:spcBef>
+                <a:spcPts val="0"/>
+              </a:spcBef>
+              <a:spcAft>
+                <a:spcPts val="0"/>
+              </a:spcAft>
+              <a:buClr>
+                <a:srgbClr val="000000"/>
+              </a:buClr>
+              <a:buFont typeface="Wingdings"/>
+              <a:buChar char=""/>
+            </a:pPr>
+            <a:r>
+              <a:rPr lang="ko-KR" altLang="en-US" sz="1400" dirty="0">
+                <a:solidFill>
+                  <a:schemeClr val="tx1">
+                    <a:lumMod val="75000"/>
+                    <a:lumOff val="25000"/>
+                  </a:schemeClr>
+                </a:solidFill>
+                <a:latin typeface="jalnan" pitchFamily="50" charset="-127"/>
+                <a:ea typeface="jalnan" pitchFamily="50" charset="-127"/>
+              </a:rPr>
+              <a:t>테마</a:t>
+            </a:r>
+            <a:r>
+              <a:rPr lang="en-US" altLang="ko-KR" sz="1400" dirty="0">
+                <a:solidFill>
+                  <a:schemeClr val="tx1">
+                    <a:lumMod val="75000"/>
+                    <a:lumOff val="25000"/>
+                  </a:schemeClr>
+                </a:solidFill>
+                <a:latin typeface="jalnan" pitchFamily="50" charset="-127"/>
+                <a:ea typeface="jalnan" pitchFamily="50" charset="-127"/>
+              </a:rPr>
+              <a:t> </a:t>
+            </a:r>
+            <a:r>
+              <a:rPr lang="ko-KR" altLang="en-US" sz="1400" dirty="0">
+                <a:solidFill>
+                  <a:schemeClr val="tx1">
+                    <a:lumMod val="75000"/>
+                    <a:lumOff val="25000"/>
+                  </a:schemeClr>
+                </a:solidFill>
+                <a:latin typeface="jalnan" pitchFamily="50" charset="-127"/>
+                <a:ea typeface="jalnan" pitchFamily="50" charset="-127"/>
+              </a:rPr>
+              <a:t>디자인</a:t>
+            </a:r>
+            <a:endParaRPr lang="en-US" altLang="ko-KR" sz="1400" dirty="0">
               <a:solidFill>
                 <a:schemeClr val="tx1">
                   <a:lumMod val="75000"/>
@@ -10089,7 +9722,7 @@
               <a:buChar char=""/>
             </a:pPr>
             <a:r>
-              <a:rPr lang="en-US" altLang="ko-KR" sz="1400" dirty="0" smtClean="0">
+              <a:rPr lang="en-US" altLang="ko-KR" sz="1400" dirty="0">
                 <a:solidFill>
                   <a:schemeClr val="tx1">
                     <a:lumMod val="75000"/>
@@ -10102,7 +9735,7 @@
               <a:t>GUI </a:t>
             </a:r>
             <a:r>
-              <a:rPr lang="ko-KR" altLang="en-US" sz="1400" dirty="0" smtClean="0">
+              <a:rPr lang="ko-KR" altLang="en-US" sz="1400" dirty="0">
                 <a:solidFill>
                   <a:schemeClr val="tx1">
                     <a:lumMod val="75000"/>
@@ -10134,7 +9767,7 @@
               <a:buChar char=""/>
             </a:pPr>
             <a:r>
-              <a:rPr lang="en-US" altLang="ko-KR" sz="1400" dirty="0" smtClean="0">
+              <a:rPr lang="en-US" altLang="ko-KR" sz="1400" dirty="0">
                 <a:solidFill>
                   <a:schemeClr val="tx1">
                     <a:lumMod val="75000"/>
@@ -10147,7 +9780,7 @@
               <a:t>DB </a:t>
             </a:r>
             <a:r>
-              <a:rPr lang="ko-KR" altLang="en-US" sz="1400" dirty="0" smtClean="0">
+              <a:rPr lang="ko-KR" altLang="en-US" sz="1400" dirty="0">
                 <a:solidFill>
                   <a:schemeClr val="tx1">
                     <a:lumMod val="75000"/>
@@ -10159,7 +9792,7 @@
               </a:rPr>
               <a:t>설계</a:t>
             </a:r>
-            <a:endParaRPr lang="en-US" altLang="ko-KR" sz="1400" dirty="0" smtClean="0">
+            <a:endParaRPr lang="en-US" altLang="ko-KR" sz="1400" dirty="0">
               <a:solidFill>
                 <a:schemeClr val="tx1">
                   <a:lumMod val="75000"/>
@@ -10204,7 +9837,7 @@
               </a:rPr>
               <a:t>구현 </a:t>
             </a:r>
-            <a:endParaRPr lang="en-US" altLang="ko-KR" sz="1400" dirty="0" smtClean="0">
+            <a:endParaRPr lang="en-US" altLang="ko-KR" sz="1400" dirty="0">
               <a:solidFill>
                 <a:schemeClr val="tx1">
                   <a:lumMod val="75000"/>
@@ -10224,7 +9857,7 @@
               <a:buChar char=""/>
             </a:pPr>
             <a:r>
-              <a:rPr lang="en-US" altLang="ko-KR" sz="1400" dirty="0" smtClean="0">
+              <a:rPr lang="en-US" altLang="ko-KR" sz="1400" dirty="0">
                 <a:solidFill>
                   <a:schemeClr val="tx1">
                     <a:lumMod val="75000"/>
@@ -10237,7 +9870,7 @@
               <a:t>DB </a:t>
             </a:r>
             <a:r>
-              <a:rPr lang="ko-KR" altLang="en-US" sz="1400" dirty="0" smtClean="0">
+              <a:rPr lang="ko-KR" altLang="en-US" sz="1400" dirty="0">
                 <a:solidFill>
                   <a:schemeClr val="tx1">
                     <a:lumMod val="75000"/>
@@ -10249,7 +9882,14 @@
               </a:rPr>
               <a:t>데이터 작성</a:t>
             </a:r>
-            <a:endParaRPr lang="ko-KR" altLang="en-US" sz="1400" dirty="0">
+          </a:p>
+          <a:p>
+            <a:pPr>
+              <a:buClr>
+                <a:srgbClr val="000000"/>
+              </a:buClr>
+            </a:pPr>
+            <a:endParaRPr lang="en-US" altLang="ko-KR" sz="1400" dirty="0">
               <a:solidFill>
                 <a:schemeClr val="tx1">
                   <a:lumMod val="75000"/>
@@ -10261,12 +9901,14 @@
             </a:endParaRPr>
           </a:p>
           <a:p>
-            <a:pPr>
+            <a:pPr marL="254000" indent="-254000">
               <a:buClr>
                 <a:srgbClr val="000000"/>
               </a:buClr>
+              <a:buFont typeface="Wingdings"/>
+              <a:buChar char=""/>
             </a:pPr>
-            <a:endParaRPr lang="en-US" altLang="ko-KR" sz="1400" dirty="0" smtClean="0">
+            <a:endParaRPr lang="en-US" altLang="ko-KR" sz="1400" dirty="0">
               <a:solidFill>
                 <a:schemeClr val="tx1">
                   <a:lumMod val="75000"/>
@@ -10285,26 +9927,7 @@
               <a:buFont typeface="Wingdings"/>
               <a:buChar char=""/>
             </a:pPr>
-            <a:endParaRPr lang="en-US" altLang="ko-KR" sz="1400" dirty="0" smtClean="0">
-              <a:solidFill>
-                <a:schemeClr val="tx1">
-                  <a:lumMod val="75000"/>
-                  <a:lumOff val="25000"/>
-                </a:schemeClr>
-              </a:solidFill>
-              <a:latin typeface="jalnan" pitchFamily="50" charset="-127"/>
-              <a:ea typeface="jalnan" pitchFamily="50" charset="-127"/>
-            </a:endParaRPr>
-          </a:p>
-          <a:p>
-            <a:pPr marL="254000" indent="-254000">
-              <a:buClr>
-                <a:srgbClr val="000000"/>
-              </a:buClr>
-              <a:buFont typeface="Wingdings"/>
-              <a:buChar char=""/>
-            </a:pPr>
-            <a:endParaRPr lang="en-US" altLang="ko-KR" sz="1400" dirty="0" smtClean="0">
+            <a:endParaRPr lang="en-US" altLang="ko-KR" sz="1400" dirty="0">
               <a:solidFill>
                 <a:schemeClr val="tx1">
                   <a:lumMod val="75000"/>
@@ -10451,7 +10074,7 @@
               <a:buChar char=""/>
             </a:pPr>
             <a:r>
-              <a:rPr sz="1400" dirty="0" smtClean="0">
+              <a:rPr sz="1400" dirty="0">
                 <a:solidFill>
                   <a:schemeClr val="tx1">
                     <a:lumMod val="75000"/>
@@ -10477,7 +10100,7 @@
               <a:t> </a:t>
             </a:r>
             <a:r>
-              <a:rPr sz="1400" dirty="0" err="1" smtClean="0">
+              <a:rPr sz="1400" dirty="0" err="1">
                 <a:solidFill>
                   <a:schemeClr val="tx1">
                     <a:lumMod val="75000"/>
@@ -10518,7 +10141,7 @@
               <a:buChar char=""/>
             </a:pPr>
             <a:r>
-              <a:rPr sz="1400" dirty="0" err="1" smtClean="0">
+              <a:rPr sz="1400" dirty="0" err="1">
                 <a:solidFill>
                   <a:schemeClr val="tx1">
                     <a:lumMod val="75000"/>
@@ -10530,7 +10153,7 @@
               </a:rPr>
               <a:t>디자인</a:t>
             </a:r>
-            <a:endParaRPr lang="en-US" sz="1400" dirty="0" smtClean="0">
+            <a:endParaRPr lang="en-US" sz="1400" dirty="0">
               <a:solidFill>
                 <a:schemeClr val="tx1">
                   <a:lumMod val="75000"/>
@@ -10559,7 +10182,7 @@
               <a:buChar char=""/>
             </a:pPr>
             <a:r>
-              <a:rPr lang="ko-KR" altLang="en-US" sz="1400" dirty="0" err="1" smtClean="0">
+              <a:rPr lang="ko-KR" altLang="en-US" sz="1400" dirty="0" err="1">
                 <a:solidFill>
                   <a:schemeClr val="tx1">
                     <a:lumMod val="75000"/>
@@ -10647,13 +10270,13 @@
               <a:buChar char="-"/>
             </a:pPr>
             <a:r>
-              <a:rPr lang="ko-KR" altLang="en-US" sz="1200" dirty="0" smtClean="0">
+              <a:rPr lang="ko-KR" altLang="en-US" sz="1200" dirty="0">
                 <a:latin typeface="jalnan" pitchFamily="50" charset="-127"/>
                 <a:ea typeface="jalnan" pitchFamily="50" charset="-127"/>
               </a:rPr>
               <a:t>예매 기능</a:t>
             </a:r>
-            <a:endParaRPr lang="en-US" altLang="ko-KR" sz="1200" dirty="0" smtClean="0">
+            <a:endParaRPr lang="en-US" altLang="ko-KR" sz="1200" dirty="0">
               <a:latin typeface="jalnan" pitchFamily="50" charset="-127"/>
               <a:ea typeface="jalnan" pitchFamily="50" charset="-127"/>
             </a:endParaRPr>
@@ -10664,14 +10287,7 @@
                 <a:latin typeface="jalnan" pitchFamily="50" charset="-127"/>
                 <a:ea typeface="jalnan" pitchFamily="50" charset="-127"/>
               </a:rPr>
-              <a:t>  </a:t>
-            </a:r>
-            <a:r>
-              <a:rPr lang="en-US" altLang="ko-KR" sz="1200" dirty="0" smtClean="0">
-                <a:latin typeface="jalnan" pitchFamily="50" charset="-127"/>
-                <a:ea typeface="jalnan" pitchFamily="50" charset="-127"/>
-              </a:rPr>
-              <a:t>  </a:t>
+              <a:t>    </a:t>
             </a:r>
           </a:p>
         </p:txBody>
@@ -10703,27 +10319,13 @@
               <a:buChar char="-"/>
             </a:pPr>
             <a:r>
-              <a:rPr lang="ko-KR" altLang="en-US" sz="1200" dirty="0" smtClean="0">
-                <a:latin typeface="jalnan" pitchFamily="50" charset="-127"/>
-                <a:ea typeface="jalnan" pitchFamily="50" charset="-127"/>
-              </a:rPr>
-              <a:t>승차</a:t>
-            </a:r>
-            <a:r>
               <a:rPr lang="ko-KR" altLang="en-US" sz="1200" dirty="0">
                 <a:latin typeface="jalnan" pitchFamily="50" charset="-127"/>
                 <a:ea typeface="jalnan" pitchFamily="50" charset="-127"/>
               </a:rPr>
-              <a:t>권</a:t>
-            </a:r>
-            <a:r>
-              <a:rPr lang="ko-KR" altLang="en-US" sz="1200" dirty="0" smtClean="0">
-                <a:latin typeface="jalnan" pitchFamily="50" charset="-127"/>
-                <a:ea typeface="jalnan" pitchFamily="50" charset="-127"/>
-              </a:rPr>
-              <a:t> 조회 기능 </a:t>
-            </a:r>
-            <a:endParaRPr lang="en-US" altLang="ko-KR" sz="1200" dirty="0" smtClean="0">
+              <a:t>승차권 조회 기능 </a:t>
+            </a:r>
+            <a:endParaRPr lang="en-US" altLang="ko-KR" sz="1200" dirty="0">
               <a:latin typeface="jalnan" pitchFamily="50" charset="-127"/>
               <a:ea typeface="jalnan" pitchFamily="50" charset="-127"/>
             </a:endParaRPr>
@@ -10734,16 +10336,12 @@
               <a:buChar char="-"/>
             </a:pPr>
             <a:r>
-              <a:rPr lang="ko-KR" altLang="en-US" sz="1200" dirty="0" smtClean="0">
+              <a:rPr lang="ko-KR" altLang="en-US" sz="1200" dirty="0">
                 <a:latin typeface="jalnan" pitchFamily="50" charset="-127"/>
                 <a:ea typeface="jalnan" pitchFamily="50" charset="-127"/>
               </a:rPr>
               <a:t>승차권 취소 기능 </a:t>
             </a:r>
-            <a:endParaRPr lang="ko-KR" altLang="en-US" sz="1200" dirty="0">
-              <a:latin typeface="jalnan" pitchFamily="50" charset="-127"/>
-              <a:ea typeface="jalnan" pitchFamily="50" charset="-127"/>
-            </a:endParaRPr>
           </a:p>
         </p:txBody>
       </p:sp>
@@ -10770,23 +10368,19 @@
           <a:lstStyle/>
           <a:p>
             <a:r>
-              <a:rPr lang="en-US" altLang="ko-KR" sz="1200" dirty="0" smtClean="0">
+              <a:rPr lang="en-US" altLang="ko-KR" sz="1200" dirty="0">
                 <a:latin typeface="jalnan" pitchFamily="50" charset="-127"/>
                 <a:ea typeface="jalnan" pitchFamily="50" charset="-127"/>
               </a:rPr>
               <a:t>- </a:t>
             </a:r>
             <a:r>
-              <a:rPr lang="ko-KR" altLang="en-US" sz="1200" dirty="0" smtClean="0">
+              <a:rPr lang="ko-KR" altLang="en-US" sz="1200" dirty="0">
                 <a:latin typeface="jalnan" pitchFamily="50" charset="-127"/>
                 <a:ea typeface="jalnan" pitchFamily="50" charset="-127"/>
               </a:rPr>
               <a:t>승차권 조회 기능</a:t>
             </a:r>
-            <a:endParaRPr lang="ko-KR" altLang="en-US" sz="1200" dirty="0">
-              <a:latin typeface="jalnan" pitchFamily="50" charset="-127"/>
-              <a:ea typeface="jalnan" pitchFamily="50" charset="-127"/>
-            </a:endParaRPr>
           </a:p>
         </p:txBody>
       </p:sp>
@@ -10817,13 +10411,13 @@
               <a:buChar char="-"/>
             </a:pPr>
             <a:r>
-              <a:rPr lang="ko-KR" altLang="en-US" sz="1200" dirty="0" smtClean="0">
+              <a:rPr lang="ko-KR" altLang="en-US" sz="1200" dirty="0">
                 <a:latin typeface="jalnan" pitchFamily="50" charset="-127"/>
                 <a:ea typeface="jalnan" pitchFamily="50" charset="-127"/>
               </a:rPr>
               <a:t>승차권 취소 기능</a:t>
             </a:r>
-            <a:endParaRPr lang="en-US" altLang="ko-KR" sz="1200" dirty="0" smtClean="0">
+            <a:endParaRPr lang="en-US" altLang="ko-KR" sz="1200" dirty="0">
               <a:latin typeface="jalnan" pitchFamily="50" charset="-127"/>
               <a:ea typeface="jalnan" pitchFamily="50" charset="-127"/>
             </a:endParaRPr>
@@ -10834,55 +10428,48 @@
               <a:buChar char="-"/>
             </a:pPr>
             <a:r>
-              <a:rPr lang="ko-KR" altLang="en-US" sz="1200" dirty="0" smtClean="0">
+              <a:rPr lang="ko-KR" altLang="en-US" sz="1200" dirty="0">
                 <a:latin typeface="jalnan" pitchFamily="50" charset="-127"/>
                 <a:ea typeface="jalnan" pitchFamily="50" charset="-127"/>
               </a:rPr>
               <a:t>회원기능</a:t>
             </a:r>
-            <a:r>
-              <a:rPr lang="en-US" altLang="ko-KR" sz="1200" dirty="0" smtClean="0">
-                <a:latin typeface="jalnan" pitchFamily="50" charset="-127"/>
-                <a:ea typeface="jalnan" pitchFamily="50" charset="-127"/>
-              </a:rPr>
-              <a:t/>
-            </a:r>
             <a:br>
-              <a:rPr lang="en-US" altLang="ko-KR" sz="1200" dirty="0" smtClean="0">
+              <a:rPr lang="en-US" altLang="ko-KR" sz="1200" dirty="0">
                 <a:latin typeface="jalnan" pitchFamily="50" charset="-127"/>
                 <a:ea typeface="jalnan" pitchFamily="50" charset="-127"/>
               </a:rPr>
             </a:br>
             <a:r>
-              <a:rPr lang="en-US" altLang="ko-KR" sz="1200" dirty="0" smtClean="0">
+              <a:rPr lang="en-US" altLang="ko-KR" sz="1200" dirty="0">
                 <a:latin typeface="jalnan" pitchFamily="50" charset="-127"/>
                 <a:ea typeface="jalnan" pitchFamily="50" charset="-127"/>
               </a:rPr>
               <a:t>(</a:t>
             </a:r>
             <a:r>
-              <a:rPr lang="ko-KR" altLang="en-US" sz="1200" dirty="0" smtClean="0">
+              <a:rPr lang="ko-KR" altLang="en-US" sz="1200" dirty="0">
                 <a:latin typeface="jalnan" pitchFamily="50" charset="-127"/>
                 <a:ea typeface="jalnan" pitchFamily="50" charset="-127"/>
               </a:rPr>
               <a:t>로그인</a:t>
             </a:r>
             <a:r>
-              <a:rPr lang="en-US" altLang="ko-KR" sz="1200" dirty="0" smtClean="0">
+              <a:rPr lang="en-US" altLang="ko-KR" sz="1200" dirty="0">
                 <a:latin typeface="jalnan" pitchFamily="50" charset="-127"/>
                 <a:ea typeface="jalnan" pitchFamily="50" charset="-127"/>
               </a:rPr>
               <a:t>, </a:t>
             </a:r>
             <a:r>
-              <a:rPr lang="ko-KR" altLang="en-US" sz="1200" dirty="0" smtClean="0">
+              <a:rPr lang="ko-KR" altLang="en-US" sz="1200" dirty="0">
                 <a:latin typeface="jalnan" pitchFamily="50" charset="-127"/>
                 <a:ea typeface="jalnan" pitchFamily="50" charset="-127"/>
               </a:rPr>
               <a:t>가입</a:t>
             </a:r>
             <a:r>
-              <a:rPr lang="en-US" altLang="ko-KR" sz="1200" dirty="0" smtClean="0">
+              <a:rPr lang="en-US" altLang="ko-KR" sz="1200" dirty="0">
                 <a:latin typeface="jalnan" pitchFamily="50" charset="-127"/>
                 <a:ea typeface="jalnan" pitchFamily="50" charset="-127"/>
               </a:rPr>
@@ -10918,13 +10505,13 @@
               <a:buChar char="-"/>
             </a:pPr>
             <a:r>
-              <a:rPr lang="ko-KR" altLang="en-US" sz="1200" dirty="0" smtClean="0">
+              <a:rPr lang="ko-KR" altLang="en-US" sz="1200" dirty="0">
                 <a:latin typeface="jalnan" pitchFamily="50" charset="-127"/>
                 <a:ea typeface="jalnan" pitchFamily="50" charset="-127"/>
               </a:rPr>
               <a:t>결제기능</a:t>
             </a:r>
-            <a:endParaRPr lang="en-US" altLang="ko-KR" sz="1200" dirty="0" smtClean="0">
+            <a:endParaRPr lang="en-US" altLang="ko-KR" sz="1200" dirty="0">
               <a:latin typeface="jalnan" pitchFamily="50" charset="-127"/>
               <a:ea typeface="jalnan" pitchFamily="50" charset="-127"/>
             </a:endParaRPr>
@@ -10935,24 +10522,17 @@
                 <a:latin typeface="jalnan" pitchFamily="50" charset="-127"/>
                 <a:ea typeface="jalnan" pitchFamily="50" charset="-127"/>
               </a:rPr>
-              <a:t> </a:t>
-            </a:r>
-            <a:r>
-              <a:rPr lang="en-US" altLang="ko-KR" sz="1200" dirty="0" smtClean="0">
-                <a:latin typeface="jalnan" pitchFamily="50" charset="-127"/>
-                <a:ea typeface="jalnan" pitchFamily="50" charset="-127"/>
-              </a:rPr>
-              <a:t>   (</a:t>
-            </a:r>
-            <a:r>
-              <a:rPr lang="ko-KR" altLang="en-US" sz="1200" dirty="0" smtClean="0">
+              <a:t>    (</a:t>
+            </a:r>
+            <a:r>
+              <a:rPr lang="ko-KR" altLang="en-US" sz="1200" dirty="0">
                 <a:latin typeface="jalnan" pitchFamily="50" charset="-127"/>
                 <a:ea typeface="jalnan" pitchFamily="50" charset="-127"/>
               </a:rPr>
               <a:t>결제 및 할인</a:t>
             </a:r>
             <a:r>
-              <a:rPr lang="en-US" altLang="ko-KR" sz="1200" dirty="0" smtClean="0">
+              <a:rPr lang="en-US" altLang="ko-KR" sz="1200" dirty="0">
                 <a:latin typeface="jalnan" pitchFamily="50" charset="-127"/>
                 <a:ea typeface="jalnan" pitchFamily="50" charset="-127"/>
               </a:rPr>
@@ -10975,13 +10555,6 @@
   <p:clrMapOvr>
     <a:masterClrMapping/>
   </p:clrMapOvr>
-  <p:timing>
-    <p:tnLst>
-      <p:par>
-        <p:cTn id="1" dur="indefinite" restart="never" nodeType="tmRoot"/>
-      </p:par>
-    </p:tnLst>
-  </p:timing>
 </p:sld>
 </file>
 
@@ -11062,7 +10635,7 @@
           <a:p>
             <a:pPr algn="ctr"/>
             <a:r>
-              <a:rPr lang="en-US" altLang="ko-KR" sz="7200" dirty="0" smtClean="0">
+              <a:rPr lang="en-US" altLang="ko-KR" sz="7200" dirty="0">
                 <a:solidFill>
                   <a:srgbClr val="6BC8C0"/>
                 </a:solidFill>
@@ -11124,7 +10697,7 @@
           <a:p>
             <a:pPr algn="ctr"/>
             <a:r>
-              <a:rPr lang="ko-KR" altLang="en-US" sz="2800" b="1" spc="-50" dirty="0" smtClean="0">
+              <a:rPr lang="ko-KR" altLang="en-US" sz="2800" b="1" spc="-50" dirty="0">
                 <a:solidFill>
                   <a:srgbClr val="6BC8C0"/>
                 </a:solidFill>
@@ -11134,7 +10707,7 @@
               <a:t> </a:t>
             </a:r>
             <a:r>
-              <a:rPr lang="en-US" altLang="ko-KR" sz="2800" b="1" spc="-50" dirty="0" smtClean="0">
+              <a:rPr lang="en-US" altLang="ko-KR" sz="2800" b="1" spc="-50" dirty="0">
                 <a:solidFill>
                   <a:srgbClr val="6BC8C0"/>
                 </a:solidFill>
@@ -11144,7 +10717,7 @@
               <a:t>&lt;</a:t>
             </a:r>
             <a:r>
-              <a:rPr lang="ko-KR" altLang="en-US" sz="2800" b="1" spc="-50" dirty="0" smtClean="0">
+              <a:rPr lang="ko-KR" altLang="en-US" sz="2800" b="1" spc="-50" dirty="0">
                 <a:solidFill>
                   <a:srgbClr val="6BC8C0"/>
                 </a:solidFill>
@@ -11154,7 +10727,7 @@
               <a:t>가보자</a:t>
             </a:r>
             <a:r>
-              <a:rPr lang="en-US" altLang="ko-KR" sz="2800" b="1" spc="-50" dirty="0" smtClean="0">
+              <a:rPr lang="en-US" altLang="ko-KR" sz="2800" b="1" spc="-50" dirty="0">
                 <a:solidFill>
                   <a:srgbClr val="6BC8C0"/>
                 </a:solidFill>
@@ -11183,13 +10756,6 @@
   <p:clrMapOvr>
     <a:masterClrMapping/>
   </p:clrMapOvr>
-  <p:timing>
-    <p:tnLst>
-      <p:par>
-        <p:cTn id="1" dur="indefinite" restart="never" nodeType="tmRoot"/>
-      </p:par>
-    </p:tnLst>
-  </p:timing>
 </p:sld>
 </file>
 
@@ -11289,7 +10855,7 @@
           <a:lstStyle/>
           <a:p>
             <a:r>
-              <a:rPr lang="en-US" altLang="ko-KR" sz="5000" dirty="0" smtClean="0">
+              <a:rPr lang="en-US" altLang="ko-KR" sz="5000" dirty="0">
                 <a:solidFill>
                   <a:srgbClr val="6BC7BF"/>
                 </a:solidFill>
@@ -11330,7 +10896,7 @@
           <a:lstStyle/>
           <a:p>
             <a:r>
-              <a:rPr lang="ko-KR" altLang="en-US" sz="2100" b="1" spc="-50" dirty="0" smtClean="0">
+              <a:rPr lang="ko-KR" altLang="en-US" sz="2100" b="1" spc="-50" dirty="0">
                 <a:solidFill>
                   <a:srgbClr val="444444"/>
                 </a:solidFill>
@@ -11339,7 +10905,7 @@
               </a:rPr>
               <a:t>주제  소개</a:t>
             </a:r>
-            <a:endParaRPr lang="en-US" altLang="ko-KR" sz="2100" b="1" spc="-50" dirty="0" smtClean="0">
+            <a:endParaRPr lang="en-US" altLang="ko-KR" sz="2100" b="1" spc="-50" dirty="0">
               <a:solidFill>
                 <a:srgbClr val="444444"/>
               </a:solidFill>
@@ -11348,7 +10914,7 @@
             </a:endParaRPr>
           </a:p>
           <a:p>
-            <a:endParaRPr lang="en-US" altLang="ko-KR" sz="2100" b="1" spc="-50" dirty="0" smtClean="0">
+            <a:endParaRPr lang="en-US" altLang="ko-KR" sz="2100" b="1" spc="-50" dirty="0">
               <a:solidFill>
                 <a:srgbClr val="444444"/>
               </a:solidFill>
@@ -11358,7 +10924,7 @@
           </a:p>
           <a:p>
             <a:r>
-              <a:rPr lang="ko-KR" altLang="en-US" sz="2100" b="1" spc="-50" dirty="0" smtClean="0">
+              <a:rPr lang="ko-KR" altLang="en-US" sz="2100" b="1" spc="-50" dirty="0">
                 <a:solidFill>
                   <a:srgbClr val="444444"/>
                 </a:solidFill>
@@ -11368,7 +10934,7 @@
               </a:rPr>
               <a:t>기능 소개</a:t>
             </a:r>
-            <a:endParaRPr lang="en-US" altLang="ko-KR" sz="2100" b="1" spc="-50" dirty="0" smtClean="0">
+            <a:endParaRPr lang="en-US" altLang="ko-KR" sz="2100" b="1" spc="-50" dirty="0">
               <a:solidFill>
                 <a:srgbClr val="444444"/>
               </a:solidFill>
@@ -11378,7 +10944,7 @@
             </a:endParaRPr>
           </a:p>
           <a:p>
-            <a:endParaRPr lang="en-US" altLang="ko-KR" sz="2100" b="1" spc="-50" dirty="0" smtClean="0">
+            <a:endParaRPr lang="en-US" altLang="ko-KR" sz="2100" b="1" spc="-50" dirty="0">
               <a:solidFill>
                 <a:srgbClr val="444444"/>
               </a:solidFill>
@@ -11388,7 +10954,7 @@
           </a:p>
           <a:p>
             <a:r>
-              <a:rPr lang="ko-KR" altLang="en-US" sz="2100" b="1" spc="-50" dirty="0" smtClean="0">
+              <a:rPr lang="ko-KR" altLang="en-US" sz="2100" b="1" spc="-50" dirty="0">
                 <a:solidFill>
                   <a:srgbClr val="444444"/>
                 </a:solidFill>
@@ -11397,7 +10963,7 @@
               </a:rPr>
               <a:t>구현과정</a:t>
             </a:r>
-            <a:endParaRPr lang="en-US" altLang="ko-KR" sz="2100" b="1" spc="-50" dirty="0" smtClean="0">
+            <a:endParaRPr lang="en-US" altLang="ko-KR" sz="2100" b="1" spc="-50" dirty="0">
               <a:solidFill>
                 <a:srgbClr val="444444"/>
               </a:solidFill>
@@ -11406,7 +10972,7 @@
             </a:endParaRPr>
           </a:p>
           <a:p>
-            <a:endParaRPr lang="en-US" altLang="ko-KR" sz="2100" b="1" spc="-50" dirty="0" smtClean="0">
+            <a:endParaRPr lang="en-US" altLang="ko-KR" sz="2100" b="1" spc="-50" dirty="0">
               <a:solidFill>
                 <a:srgbClr val="444444"/>
               </a:solidFill>
@@ -11416,7 +10982,7 @@
           </a:p>
           <a:p>
             <a:r>
-              <a:rPr lang="en-US" altLang="ko-KR" sz="2100" b="1" spc="-50" dirty="0" smtClean="0">
+              <a:rPr lang="en-US" altLang="ko-KR" sz="2100" b="1" spc="-50" dirty="0">
                 <a:solidFill>
                   <a:srgbClr val="444444"/>
                 </a:solidFill>
@@ -11425,13 +10991,6 @@
               </a:rPr>
               <a:t>Q &amp; A</a:t>
             </a:r>
-            <a:endParaRPr lang="en-US" altLang="ko-KR" sz="2100" b="1" spc="-50" dirty="0" smtClean="0">
-              <a:solidFill>
-                <a:srgbClr val="444444"/>
-              </a:solidFill>
-              <a:latin typeface="jalnan" pitchFamily="50" charset="-127"/>
-              <a:ea typeface="jalnan" pitchFamily="50" charset="-127"/>
-            </a:endParaRPr>
           </a:p>
         </p:txBody>
       </p:sp>
@@ -11536,13 +11095,6 @@
   <p:clrMapOvr>
     <a:masterClrMapping/>
   </p:clrMapOvr>
-  <p:timing>
-    <p:tnLst>
-      <p:par>
-        <p:cTn id="1" dur="indefinite" restart="never" nodeType="tmRoot"/>
-      </p:par>
-    </p:tnLst>
-  </p:timing>
 </p:sld>
 </file>
 
@@ -11625,7 +11177,7 @@
             <a:p>
               <a:pPr algn="ctr"/>
               <a:r>
-                <a:rPr lang="ko-KR" altLang="en-US" sz="2600" b="1" dirty="0" smtClean="0">
+                <a:rPr lang="ko-KR" altLang="en-US" sz="2600" b="1" dirty="0">
                   <a:solidFill>
                     <a:srgbClr val="6BC7BF"/>
                   </a:solidFill>
@@ -11635,7 +11187,7 @@
                 <a:t>주제 </a:t>
               </a:r>
               <a:r>
-                <a:rPr lang="ko-KR" altLang="en-US" sz="2600" b="1" dirty="0" smtClean="0">
+                <a:rPr lang="ko-KR" altLang="en-US" sz="2600" b="1" dirty="0">
                   <a:solidFill>
                     <a:srgbClr val="6BC8C0"/>
                   </a:solidFill>
@@ -11741,7 +11293,7 @@
             <a:p>
               <a:pPr algn="ctr"/>
               <a:r>
-                <a:rPr lang="ko-KR" altLang="en-US" sz="2800" b="1" spc="-150" dirty="0" smtClean="0">
+                <a:rPr lang="ko-KR" altLang="en-US" sz="2800" b="1" spc="-150" dirty="0">
                   <a:solidFill>
                     <a:srgbClr val="444444"/>
                   </a:solidFill>
@@ -11750,13 +11302,6 @@
                 </a:rPr>
                 <a:t>국내  여행  스마트  예매  시스템</a:t>
               </a:r>
-              <a:endParaRPr lang="ko-KR" altLang="en-US" sz="2800" b="1" spc="-150" dirty="0">
-                <a:solidFill>
-                  <a:srgbClr val="444444"/>
-                </a:solidFill>
-                <a:latin typeface="jalnan" pitchFamily="50" charset="-127"/>
-                <a:ea typeface="jalnan" pitchFamily="50" charset="-127"/>
-              </a:endParaRPr>
             </a:p>
           </p:txBody>
         </p:sp>
@@ -11821,7 +11366,7 @@
           <a:p>
             <a:pPr algn="ctr"/>
             <a:r>
-              <a:rPr lang="ko-KR" altLang="en-US" sz="4400" b="1" dirty="0" err="1" smtClean="0">
+              <a:rPr lang="ko-KR" altLang="en-US" sz="4400" b="1" dirty="0" err="1">
                 <a:solidFill>
                   <a:schemeClr val="tx1">
                     <a:lumMod val="75000"/>
@@ -11834,7 +11379,7 @@
               <a:t>가</a:t>
             </a:r>
             <a:r>
-              <a:rPr lang="ko-KR" altLang="en-US" sz="2800" b="1" dirty="0" err="1" smtClean="0">
+              <a:rPr lang="ko-KR" altLang="en-US" sz="2800" b="1" dirty="0" err="1">
                 <a:solidFill>
                   <a:schemeClr val="tx1">
                     <a:lumMod val="75000"/>
@@ -11847,7 +11392,7 @@
               <a:t>고싶은</a:t>
             </a:r>
             <a:r>
-              <a:rPr lang="ko-KR" altLang="en-US" sz="2800" b="1" dirty="0" smtClean="0">
+              <a:rPr lang="ko-KR" altLang="en-US" sz="2800" b="1" dirty="0">
                 <a:solidFill>
                   <a:schemeClr val="tx1">
                     <a:lumMod val="75000"/>
@@ -11860,7 +11405,7 @@
               <a:t> 곳 </a:t>
             </a:r>
             <a:r>
-              <a:rPr lang="ko-KR" altLang="en-US" sz="4400" b="1" dirty="0" err="1" smtClean="0">
+              <a:rPr lang="ko-KR" altLang="en-US" sz="4400" b="1" dirty="0" err="1">
                 <a:solidFill>
                   <a:schemeClr val="tx1">
                     <a:lumMod val="75000"/>
@@ -11873,7 +11418,7 @@
               <a:t>보</a:t>
             </a:r>
             <a:r>
-              <a:rPr lang="ko-KR" altLang="en-US" sz="2800" b="1" dirty="0" err="1" smtClean="0">
+              <a:rPr lang="ko-KR" altLang="en-US" sz="2800" b="1" dirty="0" err="1">
                 <a:solidFill>
                   <a:schemeClr val="tx1">
                     <a:lumMod val="75000"/>
@@ -11886,7 +11431,7 @@
               <a:t>고싶은</a:t>
             </a:r>
             <a:r>
-              <a:rPr lang="ko-KR" altLang="en-US" sz="2800" b="1" dirty="0" smtClean="0">
+              <a:rPr lang="ko-KR" altLang="en-US" sz="2800" b="1" dirty="0">
                 <a:solidFill>
                   <a:schemeClr val="tx1">
                     <a:lumMod val="75000"/>
@@ -11899,7 +11444,7 @@
               <a:t> 곳 다 가보</a:t>
             </a:r>
             <a:r>
-              <a:rPr lang="ko-KR" altLang="en-US" sz="4400" b="1" dirty="0" smtClean="0">
+              <a:rPr lang="ko-KR" altLang="en-US" sz="4400" b="1" dirty="0">
                 <a:solidFill>
                   <a:schemeClr val="tx1">
                     <a:lumMod val="75000"/>
@@ -11912,7 +11457,7 @@
               <a:t>자</a:t>
             </a:r>
             <a:r>
-              <a:rPr lang="ko-KR" altLang="en-US" sz="2800" b="1" dirty="0" smtClean="0">
+              <a:rPr lang="ko-KR" altLang="en-US" sz="2800" b="1" dirty="0">
                 <a:solidFill>
                   <a:schemeClr val="tx1">
                     <a:lumMod val="75000"/>
@@ -11924,16 +11469,6 @@
               </a:rPr>
               <a:t> </a:t>
             </a:r>
-            <a:endParaRPr lang="ko-KR" altLang="en-US" sz="2800" b="1" dirty="0">
-              <a:solidFill>
-                <a:schemeClr val="tx1">
-                  <a:lumMod val="75000"/>
-                  <a:lumOff val="25000"/>
-                </a:schemeClr>
-              </a:solidFill>
-              <a:latin typeface="jalnan" pitchFamily="50" charset="-127"/>
-              <a:ea typeface="jalnan" pitchFamily="50" charset="-127"/>
-            </a:endParaRPr>
           </a:p>
         </p:txBody>
       </p:sp>
@@ -11942,13 +11477,6 @@
   <p:clrMapOvr>
     <a:masterClrMapping/>
   </p:clrMapOvr>
-  <p:timing>
-    <p:tnLst>
-      <p:par>
-        <p:cTn id="1" dur="indefinite" restart="never" nodeType="tmRoot"/>
-      </p:par>
-    </p:tnLst>
-  </p:timing>
 </p:sld>
 </file>
 
@@ -12022,7 +11550,7 @@
           <a:p>
             <a:pPr algn="ctr"/>
             <a:r>
-              <a:rPr lang="en-US" altLang="ko-KR" sz="2800" b="1" spc="-50" dirty="0" smtClean="0">
+              <a:rPr lang="en-US" altLang="ko-KR" sz="2800" b="1" spc="-50" dirty="0">
                 <a:solidFill>
                   <a:srgbClr val="444444"/>
                 </a:solidFill>
@@ -12032,7 +11560,7 @@
               <a:t>  </a:t>
             </a:r>
             <a:r>
-              <a:rPr lang="ko-KR" altLang="en-US" sz="2800" b="1" spc="-50" dirty="0" smtClean="0">
+              <a:rPr lang="ko-KR" altLang="en-US" sz="2800" b="1" spc="-50" dirty="0">
                 <a:solidFill>
                   <a:srgbClr val="444444"/>
                 </a:solidFill>
@@ -12153,7 +11681,7 @@
               </a:lnSpc>
             </a:pPr>
             <a:r>
-              <a:rPr lang="ko-KR" altLang="en-US" sz="3200" b="1" spc="-150" dirty="0" smtClean="0">
+              <a:rPr lang="ko-KR" altLang="en-US" sz="3200" b="1" spc="-150" dirty="0">
                 <a:solidFill>
                   <a:srgbClr val="6BC7BF"/>
                 </a:solidFill>
@@ -12162,13 +11690,6 @@
               </a:rPr>
               <a:t>장점</a:t>
             </a:r>
-            <a:endParaRPr lang="ko-KR" altLang="en-US" sz="3200" b="1" spc="-150" dirty="0">
-              <a:solidFill>
-                <a:srgbClr val="6BC7BF"/>
-              </a:solidFill>
-              <a:latin typeface="jalnan" pitchFamily="50" charset="-127"/>
-              <a:ea typeface="jalnan" pitchFamily="50" charset="-127"/>
-            </a:endParaRPr>
           </a:p>
         </p:txBody>
       </p:sp>
@@ -12200,7 +11721,7 @@
               </a:lnSpc>
             </a:pPr>
             <a:r>
-              <a:rPr lang="ko-KR" altLang="en-US" sz="3200" b="1" spc="-150" dirty="0" smtClean="0">
+              <a:rPr lang="ko-KR" altLang="en-US" sz="3200" b="1" spc="-150" dirty="0">
                 <a:solidFill>
                   <a:srgbClr val="6BC7BF"/>
                 </a:solidFill>
@@ -12246,28 +11767,7 @@
                 <a:latin typeface="jalnan" pitchFamily="50" charset="-127"/>
                 <a:ea typeface="jalnan" pitchFamily="50" charset="-127"/>
               </a:rPr>
-              <a:t>여행사에서 제공하는 코스를 </a:t>
-            </a:r>
-            <a:r>
-              <a:rPr lang="ko-KR" altLang="en-US" sz="2400" b="1" dirty="0" smtClean="0">
-                <a:latin typeface="jalnan" pitchFamily="50" charset="-127"/>
-                <a:ea typeface="jalnan" pitchFamily="50" charset="-127"/>
-              </a:rPr>
-              <a:t> </a:t>
-            </a:r>
-            <a:r>
-              <a:rPr lang="ko-KR" altLang="en-US" sz="2400" b="1" dirty="0">
-                <a:latin typeface="jalnan" pitchFamily="50" charset="-127"/>
-                <a:ea typeface="jalnan" pitchFamily="50" charset="-127"/>
-              </a:rPr>
-              <a:t>이용하기 때문에 편리함 </a:t>
-            </a:r>
-            <a:r>
-              <a:rPr lang="ko-KR" altLang="en-US" sz="2400" b="1" dirty="0">
-                <a:latin typeface="맑은 고딕" charset="0"/>
-                <a:ea typeface="맑은 고딕" charset="0"/>
-              </a:rPr>
-              <a:t/>
+              <a:t>여행사에서 제공하는 코스를  이용하기 때문에 편리함 </a:t>
             </a:r>
             <a:br>
               <a:rPr lang="ko-KR" altLang="en-US" sz="2400" b="1" dirty="0">
@@ -12321,7 +11821,7 @@
               </a:rPr>
               <a:t> </a:t>
             </a:r>
-            <a:endParaRPr lang="ko-KR" altLang="en-US" sz="1600" spc="-150" dirty="0" smtClean="0">
+            <a:endParaRPr lang="ko-KR" altLang="en-US" sz="1600" spc="-150" dirty="0">
               <a:solidFill>
                 <a:srgbClr val="444444"/>
               </a:solidFill>
@@ -12540,7 +12040,7 @@
             <a:p>
               <a:pPr algn="ctr"/>
               <a:r>
-                <a:rPr lang="ko-KR" altLang="en-US" sz="2600" b="1" dirty="0" smtClean="0">
+                <a:rPr lang="ko-KR" altLang="en-US" sz="2600" b="1" dirty="0">
                   <a:solidFill>
                     <a:srgbClr val="6BC7BF"/>
                   </a:solidFill>
@@ -12589,13 +12089,6 @@
   <p:clrMapOvr>
     <a:masterClrMapping/>
   </p:clrMapOvr>
-  <p:timing>
-    <p:tnLst>
-      <p:par>
-        <p:cTn id="1" dur="indefinite" restart="never" nodeType="tmRoot"/>
-      </p:par>
-    </p:tnLst>
-  </p:timing>
 </p:sld>
 </file>
 
@@ -12664,7 +12157,7 @@
           <a:p>
             <a:pPr algn="ctr"/>
             <a:r>
-              <a:rPr lang="en-US" altLang="ko-KR" sz="2800" b="1" spc="-50" dirty="0" smtClean="0">
+              <a:rPr lang="en-US" altLang="ko-KR" sz="2800" b="1" spc="-50" dirty="0">
                 <a:solidFill>
                   <a:srgbClr val="444444"/>
                 </a:solidFill>
@@ -12674,7 +12167,7 @@
               <a:t>  </a:t>
             </a:r>
             <a:r>
-              <a:rPr lang="ko-KR" altLang="en-US" sz="2800" b="1" spc="-50" dirty="0" smtClean="0">
+              <a:rPr lang="ko-KR" altLang="en-US" sz="2800" b="1" spc="-50" dirty="0">
                 <a:solidFill>
                   <a:srgbClr val="444444"/>
                 </a:solidFill>
@@ -12795,7 +12288,7 @@
               </a:lnSpc>
             </a:pPr>
             <a:r>
-              <a:rPr lang="ko-KR" altLang="en-US" sz="3200" b="1" spc="-150" dirty="0" smtClean="0">
+              <a:rPr lang="ko-KR" altLang="en-US" sz="3200" b="1" spc="-150" dirty="0">
                 <a:solidFill>
                   <a:srgbClr val="6BC7BF"/>
                 </a:solidFill>
@@ -12804,13 +12297,6 @@
               </a:rPr>
               <a:t>장점</a:t>
             </a:r>
-            <a:endParaRPr lang="ko-KR" altLang="en-US" sz="3200" b="1" spc="-150" dirty="0">
-              <a:solidFill>
-                <a:srgbClr val="6BC7BF"/>
-              </a:solidFill>
-              <a:latin typeface="jalnan" pitchFamily="50" charset="-127"/>
-              <a:ea typeface="jalnan" pitchFamily="50" charset="-127"/>
-            </a:endParaRPr>
           </a:p>
         </p:txBody>
       </p:sp>
@@ -12923,7 +12409,7 @@
             <a:p>
               <a:pPr algn="ctr"/>
               <a:r>
-                <a:rPr lang="ko-KR" altLang="en-US" sz="2600" b="1" dirty="0" smtClean="0">
+                <a:rPr lang="ko-KR" altLang="en-US" sz="2600" b="1" dirty="0">
                   <a:solidFill>
                     <a:srgbClr val="6BC7BF"/>
                   </a:solidFill>
@@ -13018,13 +12504,6 @@
   <p:clrMapOvr>
     <a:masterClrMapping/>
   </p:clrMapOvr>
-  <p:timing>
-    <p:tnLst>
-      <p:par>
-        <p:cTn id="1" dur="indefinite" restart="never" nodeType="tmRoot"/>
-      </p:par>
-    </p:tnLst>
-  </p:timing>
 </p:sld>
 </file>
 
@@ -13093,7 +12572,7 @@
           <a:p>
             <a:pPr algn="ctr"/>
             <a:r>
-              <a:rPr lang="en-US" altLang="ko-KR" sz="2800" b="1" spc="-50" dirty="0" smtClean="0">
+              <a:rPr lang="en-US" altLang="ko-KR" sz="2800" b="1" spc="-50" dirty="0">
                 <a:solidFill>
                   <a:srgbClr val="444444"/>
                 </a:solidFill>
@@ -13103,7 +12582,7 @@
               <a:t>  </a:t>
             </a:r>
             <a:r>
-              <a:rPr lang="ko-KR" altLang="en-US" sz="2800" b="1" spc="-50" dirty="0" smtClean="0">
+              <a:rPr lang="ko-KR" altLang="en-US" sz="2800" b="1" spc="-50" dirty="0">
                 <a:solidFill>
                   <a:srgbClr val="444444"/>
                 </a:solidFill>
@@ -13224,7 +12703,7 @@
               </a:lnSpc>
             </a:pPr>
             <a:r>
-              <a:rPr lang="ko-KR" altLang="en-US" sz="3200" b="1" spc="-150" dirty="0" smtClean="0">
+              <a:rPr lang="ko-KR" altLang="en-US" sz="3200" b="1" spc="-150" dirty="0">
                 <a:solidFill>
                   <a:srgbClr val="6BC7BF"/>
                 </a:solidFill>
@@ -13233,13 +12712,6 @@
               </a:rPr>
               <a:t>장점</a:t>
             </a:r>
-            <a:endParaRPr lang="ko-KR" altLang="en-US" sz="3200" b="1" spc="-150" dirty="0">
-              <a:solidFill>
-                <a:srgbClr val="6BC7BF"/>
-              </a:solidFill>
-              <a:latin typeface="jalnan" pitchFamily="50" charset="-127"/>
-              <a:ea typeface="jalnan" pitchFamily="50" charset="-127"/>
-            </a:endParaRPr>
           </a:p>
         </p:txBody>
       </p:sp>
@@ -13271,7 +12743,7 @@
               </a:lnSpc>
             </a:pPr>
             <a:r>
-              <a:rPr lang="ko-KR" altLang="en-US" sz="3200" b="1" spc="-150" dirty="0" smtClean="0">
+              <a:rPr lang="ko-KR" altLang="en-US" sz="3200" b="1" spc="-150" dirty="0">
                 <a:solidFill>
                   <a:srgbClr val="6BC7BF"/>
                 </a:solidFill>
@@ -13352,13 +12824,13 @@
           <a:lstStyle/>
           <a:p>
             <a:r>
-              <a:rPr lang="ko-KR" altLang="en-US" sz="2400" b="1" dirty="0" smtClean="0">
+              <a:rPr lang="ko-KR" altLang="en-US" sz="2400" b="1" dirty="0">
                 <a:latin typeface="jalnan" pitchFamily="50" charset="-127"/>
                 <a:ea typeface="jalnan" pitchFamily="50" charset="-127"/>
               </a:rPr>
               <a:t>여행자가 직접 코스를 정해야 하므로 번거로움 </a:t>
             </a:r>
-            <a:endParaRPr lang="ko-KR" altLang="en-US" sz="2400" spc="-150" dirty="0" smtClean="0">
+            <a:endParaRPr lang="ko-KR" altLang="en-US" sz="2400" spc="-150" dirty="0">
               <a:solidFill>
                 <a:srgbClr val="444444"/>
               </a:solidFill>
@@ -13582,7 +13054,7 @@
             <a:p>
               <a:pPr algn="ctr"/>
               <a:r>
-                <a:rPr lang="ko-KR" altLang="en-US" sz="2600" b="1" dirty="0" smtClean="0">
+                <a:rPr lang="ko-KR" altLang="en-US" sz="2600" b="1" dirty="0">
                   <a:solidFill>
                     <a:srgbClr val="6BC7BF"/>
                   </a:solidFill>
@@ -13636,13 +13108,6 @@
   <p:clrMapOvr>
     <a:masterClrMapping/>
   </p:clrMapOvr>
-  <p:timing>
-    <p:tnLst>
-      <p:par>
-        <p:cTn id="1" dur="indefinite" restart="never" nodeType="tmRoot"/>
-      </p:par>
-    </p:tnLst>
-  </p:timing>
 </p:sld>
 </file>
 
@@ -13711,7 +13176,7 @@
           <a:p>
             <a:pPr algn="ctr"/>
             <a:r>
-              <a:rPr lang="en-US" altLang="ko-KR" sz="2800" b="1" spc="-50" dirty="0" smtClean="0">
+              <a:rPr lang="en-US" altLang="ko-KR" sz="2800" b="1" spc="-50" dirty="0">
                 <a:solidFill>
                   <a:srgbClr val="444444"/>
                 </a:solidFill>
@@ -13721,7 +13186,7 @@
               <a:t>  </a:t>
             </a:r>
             <a:r>
-              <a:rPr lang="ko-KR" altLang="en-US" sz="2800" b="1" spc="-50" dirty="0" smtClean="0">
+              <a:rPr lang="ko-KR" altLang="en-US" sz="2800" b="1" spc="-50" dirty="0">
                 <a:solidFill>
                   <a:srgbClr val="444444"/>
                 </a:solidFill>
@@ -13842,7 +13307,7 @@
               </a:lnSpc>
             </a:pPr>
             <a:r>
-              <a:rPr lang="ko-KR" altLang="en-US" sz="3200" b="1" spc="-150" dirty="0" smtClean="0">
+              <a:rPr lang="ko-KR" altLang="en-US" sz="3200" b="1" spc="-150" dirty="0">
                 <a:solidFill>
                   <a:srgbClr val="6BC7BF"/>
                 </a:solidFill>
@@ -13851,13 +13316,6 @@
               </a:rPr>
               <a:t>장점</a:t>
             </a:r>
-            <a:endParaRPr lang="ko-KR" altLang="en-US" sz="3200" b="1" spc="-150" dirty="0">
-              <a:solidFill>
-                <a:srgbClr val="6BC7BF"/>
-              </a:solidFill>
-              <a:latin typeface="jalnan" pitchFamily="50" charset="-127"/>
-              <a:ea typeface="jalnan" pitchFamily="50" charset="-127"/>
-            </a:endParaRPr>
           </a:p>
         </p:txBody>
       </p:sp>
@@ -13970,7 +13428,7 @@
             <a:p>
               <a:pPr algn="ctr"/>
               <a:r>
-                <a:rPr lang="ko-KR" altLang="en-US" sz="2600" b="1" dirty="0" smtClean="0">
+                <a:rPr lang="ko-KR" altLang="en-US" sz="2600" b="1" dirty="0">
                   <a:solidFill>
                     <a:srgbClr val="6BC7BF"/>
                   </a:solidFill>
@@ -14065,13 +13523,6 @@
   <p:clrMapOvr>
     <a:masterClrMapping/>
   </p:clrMapOvr>
-  <p:timing>
-    <p:tnLst>
-      <p:par>
-        <p:cTn id="1" dur="indefinite" restart="never" nodeType="tmRoot"/>
-      </p:par>
-    </p:tnLst>
-  </p:timing>
 </p:sld>
 </file>
 
@@ -14140,7 +13591,7 @@
           <a:p>
             <a:pPr algn="ctr"/>
             <a:r>
-              <a:rPr lang="ko-KR" altLang="en-US" sz="2800" b="1" kern="1000" spc="-50" dirty="0" smtClean="0">
+              <a:rPr lang="ko-KR" altLang="en-US" sz="2800" b="1" kern="1000" spc="-50" dirty="0">
                 <a:solidFill>
                   <a:srgbClr val="444444"/>
                 </a:solidFill>
@@ -14150,7 +13601,7 @@
               <a:t>버스 </a:t>
             </a:r>
             <a:r>
-              <a:rPr lang="en-US" altLang="ko-KR" sz="2800" b="1" kern="1000" spc="-50" dirty="0" smtClean="0">
+              <a:rPr lang="en-US" altLang="ko-KR" sz="2800" b="1" kern="1000" spc="-50" dirty="0">
                 <a:solidFill>
                   <a:srgbClr val="444444"/>
                 </a:solidFill>
@@ -14160,7 +13611,7 @@
               <a:t>+ </a:t>
             </a:r>
             <a:r>
-              <a:rPr lang="ko-KR" altLang="en-US" sz="2800" b="1" kern="1000" spc="-50" dirty="0" smtClean="0">
+              <a:rPr lang="ko-KR" altLang="en-US" sz="2800" b="1" kern="1000" spc="-50" dirty="0">
                 <a:solidFill>
                   <a:srgbClr val="444444"/>
                 </a:solidFill>
@@ -14169,13 +13620,6 @@
               </a:rPr>
               <a:t>기차 통합 예매</a:t>
             </a:r>
-            <a:endParaRPr lang="ko-KR" altLang="en-US" sz="2800" b="1" kern="1000" spc="-50" dirty="0">
-              <a:solidFill>
-                <a:srgbClr val="444444"/>
-              </a:solidFill>
-              <a:latin typeface="jalnan" pitchFamily="50" charset="-127"/>
-              <a:ea typeface="jalnan" pitchFamily="50" charset="-127"/>
-            </a:endParaRPr>
           </a:p>
         </p:txBody>
       </p:sp>
@@ -14281,7 +13725,7 @@
               </a:lnSpc>
             </a:pPr>
             <a:r>
-              <a:rPr lang="ko-KR" altLang="en-US" sz="3200" b="1" spc="-150" dirty="0" smtClean="0">
+              <a:rPr lang="ko-KR" altLang="en-US" sz="3200" b="1" spc="-150" dirty="0">
                 <a:solidFill>
                   <a:srgbClr val="6BC7BF"/>
                 </a:solidFill>
@@ -14290,13 +13734,6 @@
               </a:rPr>
               <a:t>장점</a:t>
             </a:r>
-            <a:endParaRPr lang="ko-KR" altLang="en-US" sz="3200" b="1" spc="-150" dirty="0">
-              <a:solidFill>
-                <a:srgbClr val="6BC7BF"/>
-              </a:solidFill>
-              <a:latin typeface="jalnan" pitchFamily="50" charset="-127"/>
-              <a:ea typeface="jalnan" pitchFamily="50" charset="-127"/>
-            </a:endParaRPr>
           </a:p>
         </p:txBody>
       </p:sp>
@@ -14323,16 +13760,12 @@
           <a:lstStyle/>
           <a:p>
             <a:r>
-              <a:rPr lang="ko-KR" altLang="en-US" sz="2400" spc="-150" dirty="0" smtClean="0">
+              <a:rPr lang="ko-KR" altLang="en-US" sz="2400" spc="-150" dirty="0">
                 <a:latin typeface="jalnan" pitchFamily="50" charset="-127"/>
                 <a:ea typeface="jalnan" pitchFamily="50" charset="-127"/>
               </a:rPr>
               <a:t>여행자의 편리성 </a:t>
             </a:r>
-            <a:endParaRPr lang="ko-KR" altLang="en-US" sz="2400" spc="-150" dirty="0">
-              <a:latin typeface="jalnan" pitchFamily="50" charset="-127"/>
-              <a:ea typeface="jalnan" pitchFamily="50" charset="-127"/>
-            </a:endParaRPr>
           </a:p>
         </p:txBody>
       </p:sp>
@@ -14515,7 +13948,7 @@
             <a:p>
               <a:pPr algn="ctr"/>
               <a:r>
-                <a:rPr lang="ko-KR" altLang="en-US" sz="2600" b="1" dirty="0" smtClean="0">
+                <a:rPr lang="ko-KR" altLang="en-US" sz="2600" b="1" dirty="0">
                   <a:solidFill>
                     <a:srgbClr val="6BC7BF"/>
                   </a:solidFill>
@@ -14844,7 +14277,7 @@
             <a:p>
               <a:pPr algn="ctr"/>
               <a:r>
-                <a:rPr lang="ko-KR" altLang="en-US" sz="2600" b="1" dirty="0" smtClean="0">
+                <a:rPr lang="ko-KR" altLang="en-US" sz="2600" b="1" dirty="0">
                   <a:solidFill>
                     <a:srgbClr val="6BC7BF"/>
                   </a:solidFill>
@@ -15103,16 +14536,12 @@
               <a:buNone/>
             </a:pPr>
             <a:r>
-              <a:rPr lang="ko-KR" altLang="en-US" b="1" dirty="0" smtClean="0">
+              <a:rPr lang="ko-KR" altLang="en-US" b="1" dirty="0">
                 <a:latin typeface="jalnan" pitchFamily="50" charset="-127"/>
                 <a:ea typeface="jalnan" pitchFamily="50" charset="-127"/>
               </a:rPr>
               <a:t>자율여행</a:t>
             </a:r>
-            <a:endParaRPr lang="ko-KR" altLang="en-US" b="1" dirty="0">
-              <a:latin typeface="jalnan" pitchFamily="50" charset="-127"/>
-              <a:ea typeface="jalnan" pitchFamily="50" charset="-127"/>
-            </a:endParaRPr>
           </a:p>
         </p:txBody>
       </p:sp>
@@ -15172,16 +14601,12 @@
               <a:buNone/>
             </a:pPr>
             <a:r>
-              <a:rPr lang="ko-KR" altLang="en-US" sz="4000" b="1" dirty="0" smtClean="0">
+              <a:rPr lang="ko-KR" altLang="en-US" sz="4000" b="1" dirty="0">
                 <a:latin typeface="jalnan" pitchFamily="50" charset="-127"/>
                 <a:ea typeface="jalnan" pitchFamily="50" charset="-127"/>
               </a:rPr>
               <a:t>가보자</a:t>
             </a:r>
-            <a:endParaRPr lang="ko-KR" altLang="en-US" sz="4000" b="1" dirty="0">
-              <a:latin typeface="jalnan" pitchFamily="50" charset="-127"/>
-              <a:ea typeface="jalnan" pitchFamily="50" charset="-127"/>
-            </a:endParaRPr>
           </a:p>
         </p:txBody>
       </p:sp>
@@ -15284,7 +14709,7 @@
           <a:p>
             <a:pPr algn="ctr"/>
             <a:r>
-              <a:rPr lang="ko-KR" altLang="en-US" dirty="0" smtClean="0">
+              <a:rPr lang="ko-KR" altLang="en-US" dirty="0">
                 <a:solidFill>
                   <a:srgbClr val="6BC8C0"/>
                 </a:solidFill>
@@ -15294,7 +14719,7 @@
               <a:t>기차</a:t>
             </a:r>
             <a:r>
-              <a:rPr lang="en-US" altLang="ko-KR" dirty="0" smtClean="0">
+              <a:rPr lang="en-US" altLang="ko-KR" dirty="0">
                 <a:solidFill>
                   <a:srgbClr val="6BC8C0"/>
                 </a:solidFill>
@@ -15304,7 +14729,7 @@
               <a:t>+</a:t>
             </a:r>
             <a:r>
-              <a:rPr lang="ko-KR" altLang="en-US" dirty="0" smtClean="0">
+              <a:rPr lang="ko-KR" altLang="en-US" dirty="0">
                 <a:solidFill>
                   <a:srgbClr val="6BC8C0"/>
                 </a:solidFill>
@@ -15313,13 +14738,6 @@
               </a:rPr>
               <a:t>버스 통합예매</a:t>
             </a:r>
-            <a:endParaRPr lang="ko-KR" altLang="en-US" dirty="0">
-              <a:solidFill>
-                <a:srgbClr val="6BC8C0"/>
-              </a:solidFill>
-              <a:latin typeface="jalnan" pitchFamily="50" charset="-127"/>
-              <a:ea typeface="jalnan" pitchFamily="50" charset="-127"/>
-            </a:endParaRPr>
           </a:p>
         </p:txBody>
       </p:sp>
@@ -15333,13 +14751,6 @@
   <p:clrMapOvr>
     <a:masterClrMapping/>
   </p:clrMapOvr>
-  <p:timing>
-    <p:tnLst>
-      <p:par>
-        <p:cTn id="1" dur="indefinite" restart="never" nodeType="tmRoot"/>
-      </p:par>
-    </p:tnLst>
-  </p:timing>
 </p:sld>
 </file>
 
